--- a/prototipos.pptx
+++ b/prototipos.pptx
@@ -7,13 +7,12 @@
   <p:sldIdLst>
     <p:sldId id="256" r:id="rId2"/>
     <p:sldId id="258" r:id="rId3"/>
-    <p:sldId id="263" r:id="rId4"/>
-    <p:sldId id="257" r:id="rId5"/>
-    <p:sldId id="260" r:id="rId6"/>
-    <p:sldId id="265" r:id="rId7"/>
-    <p:sldId id="261" r:id="rId8"/>
-    <p:sldId id="262" r:id="rId9"/>
-    <p:sldId id="264" r:id="rId10"/>
+    <p:sldId id="257" r:id="rId4"/>
+    <p:sldId id="260" r:id="rId5"/>
+    <p:sldId id="265" r:id="rId6"/>
+    <p:sldId id="261" r:id="rId7"/>
+    <p:sldId id="262" r:id="rId8"/>
+    <p:sldId id="264" r:id="rId9"/>
   </p:sldIdLst>
   <p:sldSz cx="12192000" cy="6858000"/>
   <p:notesSz cx="6858000" cy="9144000"/>
@@ -123,7 +122,7 @@
 <file path=ppt/revisionInfo.xml><?xml version="1.0" encoding="utf-8"?>
 <p1510:revInfo xmlns:a="http://schemas.openxmlformats.org/drawingml/2006/main" xmlns:r="http://schemas.openxmlformats.org/officeDocument/2006/relationships" xmlns:p1510="http://schemas.microsoft.com/office/powerpoint/2015/10/main">
   <p1510:revLst>
-    <p1510:client id="{B8CC3017-52E7-4B02-94ED-C1AE866536DE}" v="147" dt="2023-11-07T16:49:34.997"/>
+    <p1510:client id="{B8CC3017-52E7-4B02-94ED-C1AE866536DE}" v="150" dt="2023-11-09T11:53:18.216"/>
   </p1510:revLst>
 </p1510:revInfo>
 </file>
@@ -133,7 +132,7 @@
   <pc:docChgLst>
     <pc:chgData name="Sofi Fernández" userId="5dcd86d9bf03d87f" providerId="LiveId" clId="{B8CC3017-52E7-4B02-94ED-C1AE866536DE}"/>
     <pc:docChg chg="undo redo custSel addSld delSld modSld sldOrd">
-      <pc:chgData name="Sofi Fernández" userId="5dcd86d9bf03d87f" providerId="LiveId" clId="{B8CC3017-52E7-4B02-94ED-C1AE866536DE}" dt="2023-11-07T16:50:48.258" v="2508" actId="20577"/>
+      <pc:chgData name="Sofi Fernández" userId="5dcd86d9bf03d87f" providerId="LiveId" clId="{B8CC3017-52E7-4B02-94ED-C1AE866536DE}" dt="2023-11-09T11:55:19.742" v="2631" actId="1076"/>
       <pc:docMkLst>
         <pc:docMk/>
       </pc:docMkLst>
@@ -177,7 +176,7 @@
         </pc:picChg>
       </pc:sldChg>
       <pc:sldChg chg="addSp delSp modSp new mod">
-        <pc:chgData name="Sofi Fernández" userId="5dcd86d9bf03d87f" providerId="LiveId" clId="{B8CC3017-52E7-4B02-94ED-C1AE866536DE}" dt="2023-11-07T15:33:20.446" v="1532" actId="1076"/>
+        <pc:chgData name="Sofi Fernández" userId="5dcd86d9bf03d87f" providerId="LiveId" clId="{B8CC3017-52E7-4B02-94ED-C1AE866536DE}" dt="2023-11-09T11:51:17.159" v="2577" actId="1036"/>
         <pc:sldMkLst>
           <pc:docMk/>
           <pc:sldMk cId="3825193561" sldId="257"/>
@@ -615,7 +614,7 @@
           </ac:spMkLst>
         </pc:spChg>
         <pc:spChg chg="add del mod">
-          <ac:chgData name="Sofi Fernández" userId="5dcd86d9bf03d87f" providerId="LiveId" clId="{B8CC3017-52E7-4B02-94ED-C1AE866536DE}" dt="2023-11-06T17:33:34.084" v="597" actId="20577"/>
+          <ac:chgData name="Sofi Fernández" userId="5dcd86d9bf03d87f" providerId="LiveId" clId="{B8CC3017-52E7-4B02-94ED-C1AE866536DE}" dt="2023-11-09T11:50:46.772" v="2571" actId="14861"/>
           <ac:spMkLst>
             <pc:docMk/>
             <pc:sldMk cId="3825193561" sldId="257"/>
@@ -847,7 +846,7 @@
           </ac:spMkLst>
         </pc:spChg>
         <pc:spChg chg="add mod">
-          <ac:chgData name="Sofi Fernández" userId="5dcd86d9bf03d87f" providerId="LiveId" clId="{B8CC3017-52E7-4B02-94ED-C1AE866536DE}" dt="2023-11-06T17:45:00.490" v="760" actId="14100"/>
+          <ac:chgData name="Sofi Fernández" userId="5dcd86d9bf03d87f" providerId="LiveId" clId="{B8CC3017-52E7-4B02-94ED-C1AE866536DE}" dt="2023-11-09T11:50:41.957" v="2570" actId="14861"/>
           <ac:spMkLst>
             <pc:docMk/>
             <pc:sldMk cId="3825193561" sldId="257"/>
@@ -991,7 +990,7 @@
           </ac:spMkLst>
         </pc:spChg>
         <pc:spChg chg="add mod">
-          <ac:chgData name="Sofi Fernández" userId="5dcd86d9bf03d87f" providerId="LiveId" clId="{B8CC3017-52E7-4B02-94ED-C1AE866536DE}" dt="2023-11-06T17:46:04.077" v="765" actId="1076"/>
+          <ac:chgData name="Sofi Fernández" userId="5dcd86d9bf03d87f" providerId="LiveId" clId="{B8CC3017-52E7-4B02-94ED-C1AE866536DE}" dt="2023-11-09T11:50:53.344" v="2572" actId="14861"/>
           <ac:spMkLst>
             <pc:docMk/>
             <pc:sldMk cId="3825193561" sldId="257"/>
@@ -1143,7 +1142,7 @@
           </ac:grpSpMkLst>
         </pc:grpChg>
         <pc:grpChg chg="add mod">
-          <ac:chgData name="Sofi Fernández" userId="5dcd86d9bf03d87f" providerId="LiveId" clId="{B8CC3017-52E7-4B02-94ED-C1AE866536DE}" dt="2023-11-07T15:33:20.446" v="1532" actId="1076"/>
+          <ac:chgData name="Sofi Fernández" userId="5dcd86d9bf03d87f" providerId="LiveId" clId="{B8CC3017-52E7-4B02-94ED-C1AE866536DE}" dt="2023-11-09T11:51:17.159" v="2577" actId="1036"/>
           <ac:grpSpMkLst>
             <pc:docMk/>
             <pc:sldMk cId="3825193561" sldId="257"/>
@@ -1382,8 +1381,8 @@
             <ac:picMk id="148" creationId="{8775CD07-CFC8-49A7-D4F5-0357A849DDC7}"/>
           </ac:picMkLst>
         </pc:picChg>
-        <pc:cxnChg chg="mod">
-          <ac:chgData name="Sofi Fernández" userId="5dcd86d9bf03d87f" providerId="LiveId" clId="{B8CC3017-52E7-4B02-94ED-C1AE866536DE}" dt="2023-11-07T15:33:09.788" v="1529"/>
+        <pc:cxnChg chg="del mod">
+          <ac:chgData name="Sofi Fernández" userId="5dcd86d9bf03d87f" providerId="LiveId" clId="{B8CC3017-52E7-4B02-94ED-C1AE866536DE}" dt="2023-11-09T11:51:09.841" v="2574" actId="478"/>
           <ac:cxnSpMkLst>
             <pc:docMk/>
             <pc:sldMk cId="3825193561" sldId="257"/>
@@ -1398,16 +1397,16 @@
             <ac:cxnSpMk id="13" creationId="{9E387FF8-66BE-84F6-77BD-B4EC0C83D175}"/>
           </ac:cxnSpMkLst>
         </pc:cxnChg>
-        <pc:cxnChg chg="mod">
-          <ac:chgData name="Sofi Fernández" userId="5dcd86d9bf03d87f" providerId="LiveId" clId="{B8CC3017-52E7-4B02-94ED-C1AE866536DE}" dt="2023-11-07T15:33:16.121" v="1531"/>
+        <pc:cxnChg chg="del mod">
+          <ac:chgData name="Sofi Fernández" userId="5dcd86d9bf03d87f" providerId="LiveId" clId="{B8CC3017-52E7-4B02-94ED-C1AE866536DE}" dt="2023-11-09T11:51:14.719" v="2575" actId="478"/>
           <ac:cxnSpMkLst>
             <pc:docMk/>
             <pc:sldMk cId="3825193561" sldId="257"/>
             <ac:cxnSpMk id="18" creationId="{B902D184-E38E-D65A-ADE5-3A3D35AC933A}"/>
           </ac:cxnSpMkLst>
         </pc:cxnChg>
-        <pc:cxnChg chg="add mod">
-          <ac:chgData name="Sofi Fernández" userId="5dcd86d9bf03d87f" providerId="LiveId" clId="{B8CC3017-52E7-4B02-94ED-C1AE866536DE}" dt="2023-11-06T17:14:14.937" v="331" actId="1076"/>
+        <pc:cxnChg chg="add del mod">
+          <ac:chgData name="Sofi Fernández" userId="5dcd86d9bf03d87f" providerId="LiveId" clId="{B8CC3017-52E7-4B02-94ED-C1AE866536DE}" dt="2023-11-09T11:51:00.414" v="2573" actId="478"/>
           <ac:cxnSpMkLst>
             <pc:docMk/>
             <pc:sldMk cId="3825193561" sldId="257"/>
@@ -1432,7 +1431,7 @@
         </pc:cxnChg>
       </pc:sldChg>
       <pc:sldChg chg="addSp delSp modSp add mod ord">
-        <pc:chgData name="Sofi Fernández" userId="5dcd86d9bf03d87f" providerId="LiveId" clId="{B8CC3017-52E7-4B02-94ED-C1AE866536DE}" dt="2023-11-07T16:50:48.258" v="2508" actId="20577"/>
+        <pc:chgData name="Sofi Fernández" userId="5dcd86d9bf03d87f" providerId="LiveId" clId="{B8CC3017-52E7-4B02-94ED-C1AE866536DE}" dt="2023-11-09T11:55:19.742" v="2631" actId="1076"/>
         <pc:sldMkLst>
           <pc:docMk/>
           <pc:sldMk cId="3293168185" sldId="258"/>
@@ -1486,7 +1485,7 @@
           </ac:spMkLst>
         </pc:spChg>
         <pc:spChg chg="add mod">
-          <ac:chgData name="Sofi Fernández" userId="5dcd86d9bf03d87f" providerId="LiveId" clId="{B8CC3017-52E7-4B02-94ED-C1AE866536DE}" dt="2023-11-06T17:43:15.442" v="747" actId="1076"/>
+          <ac:chgData name="Sofi Fernández" userId="5dcd86d9bf03d87f" providerId="LiveId" clId="{B8CC3017-52E7-4B02-94ED-C1AE866536DE}" dt="2023-11-09T11:55:07.067" v="2622" actId="20577"/>
           <ac:spMkLst>
             <pc:docMk/>
             <pc:sldMk cId="3293168185" sldId="258"/>
@@ -1510,7 +1509,7 @@
           </ac:spMkLst>
         </pc:spChg>
         <pc:spChg chg="mod">
-          <ac:chgData name="Sofi Fernández" userId="5dcd86d9bf03d87f" providerId="LiveId" clId="{B8CC3017-52E7-4B02-94ED-C1AE866536DE}" dt="2023-11-06T17:27:26.242" v="532" actId="1076"/>
+          <ac:chgData name="Sofi Fernández" userId="5dcd86d9bf03d87f" providerId="LiveId" clId="{B8CC3017-52E7-4B02-94ED-C1AE866536DE}" dt="2023-11-09T11:54:24.478" v="2614" actId="1038"/>
           <ac:spMkLst>
             <pc:docMk/>
             <pc:sldMk cId="3293168185" sldId="258"/>
@@ -1525,6 +1524,14 @@
             <ac:spMk id="12" creationId="{EBEA38BD-4F72-C8FE-399D-7940F5116EB7}"/>
           </ac:spMkLst>
         </pc:spChg>
+        <pc:spChg chg="add mod">
+          <ac:chgData name="Sofi Fernández" userId="5dcd86d9bf03d87f" providerId="LiveId" clId="{B8CC3017-52E7-4B02-94ED-C1AE866536DE}" dt="2023-11-09T11:55:19.742" v="2631" actId="1076"/>
+          <ac:spMkLst>
+            <pc:docMk/>
+            <pc:sldMk cId="3293168185" sldId="258"/>
+            <ac:spMk id="14" creationId="{66EE084A-E40D-2145-E4BD-9004B5A2B22C}"/>
+          </ac:spMkLst>
+        </pc:spChg>
         <pc:spChg chg="del mod">
           <ac:chgData name="Sofi Fernández" userId="5dcd86d9bf03d87f" providerId="LiveId" clId="{B8CC3017-52E7-4B02-94ED-C1AE866536DE}" dt="2023-11-07T15:25:19.301" v="1422" actId="478"/>
           <ac:spMkLst>
@@ -1542,7 +1549,7 @@
           </ac:spMkLst>
         </pc:spChg>
         <pc:spChg chg="mod">
-          <ac:chgData name="Sofi Fernández" userId="5dcd86d9bf03d87f" providerId="LiveId" clId="{B8CC3017-52E7-4B02-94ED-C1AE866536DE}" dt="2023-11-06T17:48:22.877" v="773" actId="14861"/>
+          <ac:chgData name="Sofi Fernández" userId="5dcd86d9bf03d87f" providerId="LiveId" clId="{B8CC3017-52E7-4B02-94ED-C1AE866536DE}" dt="2023-11-09T11:48:17.113" v="2556" actId="14100"/>
           <ac:spMkLst>
             <pc:docMk/>
             <pc:sldMk cId="3293168185" sldId="258"/>
@@ -1566,7 +1573,7 @@
           </ac:spMkLst>
         </pc:spChg>
         <pc:spChg chg="add mod">
-          <ac:chgData name="Sofi Fernández" userId="5dcd86d9bf03d87f" providerId="LiveId" clId="{B8CC3017-52E7-4B02-94ED-C1AE866536DE}" dt="2023-11-06T17:43:15.442" v="747" actId="1076"/>
+          <ac:chgData name="Sofi Fernández" userId="5dcd86d9bf03d87f" providerId="LiveId" clId="{B8CC3017-52E7-4B02-94ED-C1AE866536DE}" dt="2023-11-09T11:55:10.047" v="2626" actId="20577"/>
           <ac:spMkLst>
             <pc:docMk/>
             <pc:sldMk cId="3293168185" sldId="258"/>
@@ -1614,7 +1621,7 @@
           </ac:spMkLst>
         </pc:spChg>
         <pc:spChg chg="add mod">
-          <ac:chgData name="Sofi Fernández" userId="5dcd86d9bf03d87f" providerId="LiveId" clId="{B8CC3017-52E7-4B02-94ED-C1AE866536DE}" dt="2023-11-06T17:43:37.274" v="753" actId="20577"/>
+          <ac:chgData name="Sofi Fernández" userId="5dcd86d9bf03d87f" providerId="LiveId" clId="{B8CC3017-52E7-4B02-94ED-C1AE866536DE}" dt="2023-11-09T11:55:13.414" v="2630" actId="20577"/>
           <ac:spMkLst>
             <pc:docMk/>
             <pc:sldMk cId="3293168185" sldId="258"/>
@@ -1694,7 +1701,7 @@
           </ac:spMkLst>
         </pc:spChg>
         <pc:spChg chg="mod">
-          <ac:chgData name="Sofi Fernández" userId="5dcd86d9bf03d87f" providerId="LiveId" clId="{B8CC3017-52E7-4B02-94ED-C1AE866536DE}" dt="2023-11-07T15:23:44.576" v="1407" actId="207"/>
+          <ac:chgData name="Sofi Fernández" userId="5dcd86d9bf03d87f" providerId="LiveId" clId="{B8CC3017-52E7-4B02-94ED-C1AE866536DE}" dt="2023-11-09T11:47:20.827" v="2512" actId="1076"/>
           <ac:spMkLst>
             <pc:docMk/>
             <pc:sldMk cId="3293168185" sldId="258"/>
@@ -1806,7 +1813,7 @@
           </ac:spMkLst>
         </pc:spChg>
         <pc:spChg chg="mod">
-          <ac:chgData name="Sofi Fernández" userId="5dcd86d9bf03d87f" providerId="LiveId" clId="{B8CC3017-52E7-4B02-94ED-C1AE866536DE}" dt="2023-11-06T17:39:22.286" v="681" actId="1076"/>
+          <ac:chgData name="Sofi Fernández" userId="5dcd86d9bf03d87f" providerId="LiveId" clId="{B8CC3017-52E7-4B02-94ED-C1AE866536DE}" dt="2023-11-09T11:54:24.478" v="2614" actId="1038"/>
           <ac:spMkLst>
             <pc:docMk/>
             <pc:sldMk cId="3293168185" sldId="258"/>
@@ -1830,7 +1837,7 @@
           </ac:grpSpMkLst>
         </pc:grpChg>
         <pc:picChg chg="add mod">
-          <ac:chgData name="Sofi Fernández" userId="5dcd86d9bf03d87f" providerId="LiveId" clId="{B8CC3017-52E7-4B02-94ED-C1AE866536DE}" dt="2023-11-06T17:28:27.886" v="542" actId="1076"/>
+          <ac:chgData name="Sofi Fernández" userId="5dcd86d9bf03d87f" providerId="LiveId" clId="{B8CC3017-52E7-4B02-94ED-C1AE866536DE}" dt="2023-11-09T11:54:24.478" v="2614" actId="1038"/>
           <ac:picMkLst>
             <pc:docMk/>
             <pc:sldMk cId="3293168185" sldId="258"/>
@@ -1838,7 +1845,7 @@
           </ac:picMkLst>
         </pc:picChg>
         <pc:picChg chg="add mod">
-          <ac:chgData name="Sofi Fernández" userId="5dcd86d9bf03d87f" providerId="LiveId" clId="{B8CC3017-52E7-4B02-94ED-C1AE866536DE}" dt="2023-11-06T17:39:22.286" v="681" actId="1076"/>
+          <ac:chgData name="Sofi Fernández" userId="5dcd86d9bf03d87f" providerId="LiveId" clId="{B8CC3017-52E7-4B02-94ED-C1AE866536DE}" dt="2023-11-09T11:54:24.478" v="2614" actId="1038"/>
           <ac:picMkLst>
             <pc:docMk/>
             <pc:sldMk cId="3293168185" sldId="258"/>
@@ -2670,7 +2677,7 @@
         </pc:cxnChg>
       </pc:sldChg>
       <pc:sldChg chg="addSp delSp modSp add mod">
-        <pc:chgData name="Sofi Fernández" userId="5dcd86d9bf03d87f" providerId="LiveId" clId="{B8CC3017-52E7-4B02-94ED-C1AE866536DE}" dt="2023-11-07T16:27:25.810" v="2445" actId="478"/>
+        <pc:chgData name="Sofi Fernández" userId="5dcd86d9bf03d87f" providerId="LiveId" clId="{B8CC3017-52E7-4B02-94ED-C1AE866536DE}" dt="2023-11-09T11:55:02.640" v="2618" actId="20577"/>
         <pc:sldMkLst>
           <pc:docMk/>
           <pc:sldMk cId="405992081" sldId="260"/>
@@ -2700,7 +2707,7 @@
           </ac:spMkLst>
         </pc:spChg>
         <pc:spChg chg="add mod">
-          <ac:chgData name="Sofi Fernández" userId="5dcd86d9bf03d87f" providerId="LiveId" clId="{B8CC3017-52E7-4B02-94ED-C1AE866536DE}" dt="2023-11-06T18:16:03.998" v="1094" actId="20577"/>
+          <ac:chgData name="Sofi Fernández" userId="5dcd86d9bf03d87f" providerId="LiveId" clId="{B8CC3017-52E7-4B02-94ED-C1AE866536DE}" dt="2023-11-09T11:51:59.846" v="2581" actId="113"/>
           <ac:spMkLst>
             <pc:docMk/>
             <pc:sldMk cId="405992081" sldId="260"/>
@@ -2724,6 +2731,14 @@
           </ac:spMkLst>
         </pc:spChg>
         <pc:spChg chg="mod">
+          <ac:chgData name="Sofi Fernández" userId="5dcd86d9bf03d87f" providerId="LiveId" clId="{B8CC3017-52E7-4B02-94ED-C1AE866536DE}" dt="2023-11-09T11:54:11.644" v="2605" actId="1076"/>
+          <ac:spMkLst>
+            <pc:docMk/>
+            <pc:sldMk cId="405992081" sldId="260"/>
+            <ac:spMk id="11" creationId="{8BB0C604-DCC0-6A75-24FD-EEEBDFECBF4B}"/>
+          </ac:spMkLst>
+        </pc:spChg>
+        <pc:spChg chg="mod">
           <ac:chgData name="Sofi Fernández" userId="5dcd86d9bf03d87f" providerId="LiveId" clId="{B8CC3017-52E7-4B02-94ED-C1AE866536DE}" dt="2023-11-07T16:26:46.915" v="2433" actId="1076"/>
           <ac:spMkLst>
             <pc:docMk/>
@@ -2748,13 +2763,21 @@
           </ac:spMkLst>
         </pc:spChg>
         <pc:spChg chg="mod">
-          <ac:chgData name="Sofi Fernández" userId="5dcd86d9bf03d87f" providerId="LiveId" clId="{B8CC3017-52E7-4B02-94ED-C1AE866536DE}" dt="2023-11-06T18:21:24.149" v="1181" actId="1076"/>
+          <ac:chgData name="Sofi Fernández" userId="5dcd86d9bf03d87f" providerId="LiveId" clId="{B8CC3017-52E7-4B02-94ED-C1AE866536DE}" dt="2023-11-09T11:49:22.409" v="2566" actId="14861"/>
           <ac:spMkLst>
             <pc:docMk/>
             <pc:sldMk cId="405992081" sldId="260"/>
             <ac:spMk id="17" creationId="{E9D71DC5-5C05-BF10-5548-CFC246227F4D}"/>
           </ac:spMkLst>
         </pc:spChg>
+        <pc:spChg chg="mod">
+          <ac:chgData name="Sofi Fernández" userId="5dcd86d9bf03d87f" providerId="LiveId" clId="{B8CC3017-52E7-4B02-94ED-C1AE866536DE}" dt="2023-11-09T11:55:02.640" v="2618" actId="20577"/>
+          <ac:spMkLst>
+            <pc:docMk/>
+            <pc:sldMk cId="405992081" sldId="260"/>
+            <ac:spMk id="18" creationId="{3CB9CE19-1F6B-DDB4-15B5-1A89B997B6C4}"/>
+          </ac:spMkLst>
+        </pc:spChg>
         <pc:spChg chg="del">
           <ac:chgData name="Sofi Fernández" userId="5dcd86d9bf03d87f" providerId="LiveId" clId="{B8CC3017-52E7-4B02-94ED-C1AE866536DE}" dt="2023-11-07T16:13:15.433" v="2309" actId="478"/>
           <ac:spMkLst>
@@ -2939,6 +2962,14 @@
             <ac:spMk id="51" creationId="{13F394DD-1999-A4C9-7512-989690E4F6E6}"/>
           </ac:spMkLst>
         </pc:spChg>
+        <pc:spChg chg="mod">
+          <ac:chgData name="Sofi Fernández" userId="5dcd86d9bf03d87f" providerId="LiveId" clId="{B8CC3017-52E7-4B02-94ED-C1AE866536DE}" dt="2023-11-09T11:49:50.385" v="2568" actId="2711"/>
+          <ac:spMkLst>
+            <pc:docMk/>
+            <pc:sldMk cId="405992081" sldId="260"/>
+            <ac:spMk id="52" creationId="{D8B6805B-7F0F-83F4-7606-5F6AAB775C37}"/>
+          </ac:spMkLst>
+        </pc:spChg>
         <pc:spChg chg="add mod">
           <ac:chgData name="Sofi Fernández" userId="5dcd86d9bf03d87f" providerId="LiveId" clId="{B8CC3017-52E7-4B02-94ED-C1AE866536DE}" dt="2023-11-06T18:22:02.964" v="1209" actId="20577"/>
           <ac:spMkLst>
@@ -3051,6 +3082,14 @@
             <ac:spMk id="74" creationId="{B2E8E51C-DC11-F1D0-5046-D7D86CCBAB02}"/>
           </ac:spMkLst>
         </pc:spChg>
+        <pc:spChg chg="mod">
+          <ac:chgData name="Sofi Fernández" userId="5dcd86d9bf03d87f" providerId="LiveId" clId="{B8CC3017-52E7-4B02-94ED-C1AE866536DE}" dt="2023-11-09T11:48:50.880" v="2560" actId="1076"/>
+          <ac:spMkLst>
+            <pc:docMk/>
+            <pc:sldMk cId="405992081" sldId="260"/>
+            <ac:spMk id="85" creationId="{06DD472F-258B-B3EC-8987-4D1DDDE3C5B9}"/>
+          </ac:spMkLst>
+        </pc:spChg>
         <pc:spChg chg="del">
           <ac:chgData name="Sofi Fernández" userId="5dcd86d9bf03d87f" providerId="LiveId" clId="{B8CC3017-52E7-4B02-94ED-C1AE866536DE}" dt="2023-11-07T16:13:20.597" v="2311" actId="478"/>
           <ac:spMkLst>
@@ -3084,7 +3123,7 @@
           </ac:spMkLst>
         </pc:spChg>
         <pc:spChg chg="mod">
-          <ac:chgData name="Sofi Fernández" userId="5dcd86d9bf03d87f" providerId="LiveId" clId="{B8CC3017-52E7-4B02-94ED-C1AE866536DE}" dt="2023-11-07T16:27:21.461" v="2444" actId="1076"/>
+          <ac:chgData name="Sofi Fernández" userId="5dcd86d9bf03d87f" providerId="LiveId" clId="{B8CC3017-52E7-4B02-94ED-C1AE866536DE}" dt="2023-11-09T11:51:31.447" v="2578" actId="14861"/>
           <ac:spMkLst>
             <pc:docMk/>
             <pc:sldMk cId="405992081" sldId="260"/>
@@ -3387,6 +3426,14 @@
             <ac:picMk id="51" creationId="{5820FE98-6B5D-5339-2511-979D415EC48F}"/>
           </ac:picMkLst>
         </pc:picChg>
+        <pc:picChg chg="del mod">
+          <ac:chgData name="Sofi Fernández" userId="5dcd86d9bf03d87f" providerId="LiveId" clId="{B8CC3017-52E7-4B02-94ED-C1AE866536DE}" dt="2023-11-09T11:49:00.047" v="2562" actId="21"/>
+          <ac:picMkLst>
+            <pc:docMk/>
+            <pc:sldMk cId="405992081" sldId="260"/>
+            <ac:picMk id="54" creationId="{2C612C4A-32CB-F2AA-A1D0-3F687BA05259}"/>
+          </ac:picMkLst>
+        </pc:picChg>
         <pc:picChg chg="mod">
           <ac:chgData name="Sofi Fernández" userId="5dcd86d9bf03d87f" providerId="LiveId" clId="{B8CC3017-52E7-4B02-94ED-C1AE866536DE}" dt="2023-11-06T18:17:41.197" v="1125" actId="1076"/>
           <ac:picMkLst>
@@ -3425,6 +3472,14 @@
             <pc:docMk/>
             <pc:sldMk cId="405992081" sldId="260"/>
             <ac:picMk id="68" creationId="{CDEDC232-C4DB-2EBB-5A6D-630F05A1562F}"/>
+          </ac:picMkLst>
+        </pc:picChg>
+        <pc:picChg chg="mod">
+          <ac:chgData name="Sofi Fernández" userId="5dcd86d9bf03d87f" providerId="LiveId" clId="{B8CC3017-52E7-4B02-94ED-C1AE866536DE}" dt="2023-11-09T11:54:11.644" v="2605" actId="1076"/>
+          <ac:picMkLst>
+            <pc:docMk/>
+            <pc:sldMk cId="405992081" sldId="260"/>
+            <ac:picMk id="84" creationId="{42DF5340-A43C-BF94-D169-3C8D8AAF9246}"/>
           </ac:picMkLst>
         </pc:picChg>
         <pc:picChg chg="del">
@@ -3676,7 +3731,7 @@
         </pc:picChg>
       </pc:sldChg>
       <pc:sldChg chg="addSp delSp modSp new mod">
-        <pc:chgData name="Sofi Fernández" userId="5dcd86d9bf03d87f" providerId="LiveId" clId="{B8CC3017-52E7-4B02-94ED-C1AE866536DE}" dt="2023-11-07T16:07:53.579" v="2268" actId="20577"/>
+        <pc:chgData name="Sofi Fernández" userId="5dcd86d9bf03d87f" providerId="LiveId" clId="{B8CC3017-52E7-4B02-94ED-C1AE866536DE}" dt="2023-11-09T11:53:54.859" v="2604" actId="1076"/>
         <pc:sldMkLst>
           <pc:docMk/>
           <pc:sldMk cId="185228725" sldId="262"/>
@@ -3714,7 +3769,7 @@
           </ac:spMkLst>
         </pc:spChg>
         <pc:spChg chg="add mod">
-          <ac:chgData name="Sofi Fernández" userId="5dcd86d9bf03d87f" providerId="LiveId" clId="{B8CC3017-52E7-4B02-94ED-C1AE866536DE}" dt="2023-11-07T15:41:39.392" v="1556"/>
+          <ac:chgData name="Sofi Fernández" userId="5dcd86d9bf03d87f" providerId="LiveId" clId="{B8CC3017-52E7-4B02-94ED-C1AE866536DE}" dt="2023-11-09T11:52:49.221" v="2586" actId="14861"/>
           <ac:spMkLst>
             <pc:docMk/>
             <pc:sldMk cId="185228725" sldId="262"/>
@@ -3962,7 +4017,7 @@
           </ac:spMkLst>
         </pc:spChg>
         <pc:spChg chg="add mod">
-          <ac:chgData name="Sofi Fernández" userId="5dcd86d9bf03d87f" providerId="LiveId" clId="{B8CC3017-52E7-4B02-94ED-C1AE866536DE}" dt="2023-11-07T15:49:19.717" v="1813"/>
+          <ac:chgData name="Sofi Fernández" userId="5dcd86d9bf03d87f" providerId="LiveId" clId="{B8CC3017-52E7-4B02-94ED-C1AE866536DE}" dt="2023-11-09T11:53:54.859" v="2604" actId="1076"/>
           <ac:spMkLst>
             <pc:docMk/>
             <pc:sldMk cId="185228725" sldId="262"/>
@@ -4154,7 +4209,7 @@
           </ac:spMkLst>
         </pc:spChg>
         <pc:spChg chg="add mod">
-          <ac:chgData name="Sofi Fernández" userId="5dcd86d9bf03d87f" providerId="LiveId" clId="{B8CC3017-52E7-4B02-94ED-C1AE866536DE}" dt="2023-11-07T16:01:16.932" v="2061" actId="14861"/>
+          <ac:chgData name="Sofi Fernández" userId="5dcd86d9bf03d87f" providerId="LiveId" clId="{B8CC3017-52E7-4B02-94ED-C1AE866536DE}" dt="2023-11-09T11:53:31.814" v="2593" actId="1076"/>
           <ac:spMkLst>
             <pc:docMk/>
             <pc:sldMk cId="185228725" sldId="262"/>
@@ -4162,7 +4217,7 @@
           </ac:spMkLst>
         </pc:spChg>
         <pc:spChg chg="add mod">
-          <ac:chgData name="Sofi Fernández" userId="5dcd86d9bf03d87f" providerId="LiveId" clId="{B8CC3017-52E7-4B02-94ED-C1AE866536DE}" dt="2023-11-07T16:01:31.939" v="2063" actId="20577"/>
+          <ac:chgData name="Sofi Fernández" userId="5dcd86d9bf03d87f" providerId="LiveId" clId="{B8CC3017-52E7-4B02-94ED-C1AE866536DE}" dt="2023-11-09T11:53:29.026" v="2592" actId="1076"/>
           <ac:spMkLst>
             <pc:docMk/>
             <pc:sldMk cId="185228725" sldId="262"/>
@@ -4170,7 +4225,7 @@
           </ac:spMkLst>
         </pc:spChg>
         <pc:spChg chg="add mod">
-          <ac:chgData name="Sofi Fernández" userId="5dcd86d9bf03d87f" providerId="LiveId" clId="{B8CC3017-52E7-4B02-94ED-C1AE866536DE}" dt="2023-11-07T16:01:02.020" v="2059" actId="1076"/>
+          <ac:chgData name="Sofi Fernández" userId="5dcd86d9bf03d87f" providerId="LiveId" clId="{B8CC3017-52E7-4B02-94ED-C1AE866536DE}" dt="2023-11-09T11:52:24.293" v="2584" actId="207"/>
           <ac:spMkLst>
             <pc:docMk/>
             <pc:sldMk cId="185228725" sldId="262"/>
@@ -4249,6 +4304,14 @@
             <ac:graphicFrameMk id="2" creationId="{E1A68E15-623E-51CD-FB23-25EC67C8A007}"/>
           </ac:graphicFrameMkLst>
         </pc:graphicFrameChg>
+        <pc:picChg chg="add mod">
+          <ac:chgData name="Sofi Fernández" userId="5dcd86d9bf03d87f" providerId="LiveId" clId="{B8CC3017-52E7-4B02-94ED-C1AE866536DE}" dt="2023-11-09T11:53:35.749" v="2594" actId="1076"/>
+          <ac:picMkLst>
+            <pc:docMk/>
+            <pc:sldMk cId="185228725" sldId="262"/>
+            <ac:picMk id="2" creationId="{9E1E25C0-F50A-55E2-EAEF-B5C1508784C9}"/>
+          </ac:picMkLst>
+        </pc:picChg>
         <pc:picChg chg="add del mod">
           <ac:chgData name="Sofi Fernández" userId="5dcd86d9bf03d87f" providerId="LiveId" clId="{B8CC3017-52E7-4B02-94ED-C1AE866536DE}" dt="2023-11-07T15:42:16.254" v="1566" actId="478"/>
           <ac:picMkLst>
@@ -4386,8 +4449,8 @@
           </ac:cxnSpMkLst>
         </pc:cxnChg>
       </pc:sldChg>
-      <pc:sldChg chg="addSp delSp modSp new mod">
-        <pc:chgData name="Sofi Fernández" userId="5dcd86d9bf03d87f" providerId="LiveId" clId="{B8CC3017-52E7-4B02-94ED-C1AE866536DE}" dt="2023-11-07T15:35:24.151" v="1555" actId="1076"/>
+      <pc:sldChg chg="addSp delSp modSp new del mod">
+        <pc:chgData name="Sofi Fernández" userId="5dcd86d9bf03d87f" providerId="LiveId" clId="{B8CC3017-52E7-4B02-94ED-C1AE866536DE}" dt="2023-11-09T11:50:35.613" v="2569" actId="2696"/>
         <pc:sldMkLst>
           <pc:docMk/>
           <pc:sldMk cId="3005035881" sldId="263"/>
@@ -4442,7 +4505,7 @@
         </pc:picChg>
       </pc:sldChg>
       <pc:sldChg chg="addSp delSp modSp new mod ord">
-        <pc:chgData name="Sofi Fernández" userId="5dcd86d9bf03d87f" providerId="LiveId" clId="{B8CC3017-52E7-4B02-94ED-C1AE866536DE}" dt="2023-11-07T16:16:23.415" v="2375"/>
+        <pc:chgData name="Sofi Fernández" userId="5dcd86d9bf03d87f" providerId="LiveId" clId="{B8CC3017-52E7-4B02-94ED-C1AE866536DE}" dt="2023-11-09T11:52:40.573" v="2585" actId="14861"/>
         <pc:sldMkLst>
           <pc:docMk/>
           <pc:sldMk cId="3959095240" sldId="264"/>
@@ -4464,7 +4527,7 @@
           </ac:spMkLst>
         </pc:spChg>
         <pc:spChg chg="add mod">
-          <ac:chgData name="Sofi Fernández" userId="5dcd86d9bf03d87f" providerId="LiveId" clId="{B8CC3017-52E7-4B02-94ED-C1AE866536DE}" dt="2023-11-07T16:08:09.944" v="2270"/>
+          <ac:chgData name="Sofi Fernández" userId="5dcd86d9bf03d87f" providerId="LiveId" clId="{B8CC3017-52E7-4B02-94ED-C1AE866536DE}" dt="2023-11-09T11:52:40.573" v="2585" actId="14861"/>
           <ac:spMkLst>
             <pc:docMk/>
             <pc:sldMk cId="3959095240" sldId="264"/>
@@ -4737,7 +4800,7 @@
         </pc:cxnChg>
       </pc:sldChg>
       <pc:sldChg chg="addSp delSp modSp new mod">
-        <pc:chgData name="Sofi Fernández" userId="5dcd86d9bf03d87f" providerId="LiveId" clId="{B8CC3017-52E7-4B02-94ED-C1AE866536DE}" dt="2023-11-07T16:17:15.642" v="2420" actId="20577"/>
+        <pc:chgData name="Sofi Fernández" userId="5dcd86d9bf03d87f" providerId="LiveId" clId="{B8CC3017-52E7-4B02-94ED-C1AE866536DE}" dt="2023-11-09T11:51:48.111" v="2579" actId="207"/>
         <pc:sldMkLst>
           <pc:docMk/>
           <pc:sldMk cId="2194165721" sldId="265"/>
@@ -4775,13 +4838,21 @@
           </ac:spMkLst>
         </pc:spChg>
         <pc:spChg chg="add mod">
-          <ac:chgData name="Sofi Fernández" userId="5dcd86d9bf03d87f" providerId="LiveId" clId="{B8CC3017-52E7-4B02-94ED-C1AE866536DE}" dt="2023-11-07T16:16:45.681" v="2378" actId="1076"/>
+          <ac:chgData name="Sofi Fernández" userId="5dcd86d9bf03d87f" providerId="LiveId" clId="{B8CC3017-52E7-4B02-94ED-C1AE866536DE}" dt="2023-11-09T11:51:48.111" v="2579" actId="207"/>
           <ac:spMkLst>
             <pc:docMk/>
             <pc:sldMk cId="2194165721" sldId="265"/>
             <ac:spMk id="6" creationId="{0C557F0F-9FA4-D2D6-314B-8F4BD2C56517}"/>
           </ac:spMkLst>
         </pc:spChg>
+        <pc:picChg chg="add mod">
+          <ac:chgData name="Sofi Fernández" userId="5dcd86d9bf03d87f" providerId="LiveId" clId="{B8CC3017-52E7-4B02-94ED-C1AE866536DE}" dt="2023-11-09T11:49:06.723" v="2564" actId="1076"/>
+          <ac:picMkLst>
+            <pc:docMk/>
+            <pc:sldMk cId="2194165721" sldId="265"/>
+            <ac:picMk id="5" creationId="{86FAF0CD-D9FA-E356-1A5F-6CA045275C45}"/>
+          </ac:picMkLst>
+        </pc:picChg>
       </pc:sldChg>
     </pc:docChg>
   </pc:docChgLst>
@@ -4937,7 +5008,7 @@
           <a:p>
             <a:fld id="{050BA77E-7AB4-4C04-A3CC-28DE878560B2}" type="datetimeFigureOut">
               <a:rPr lang="es-UY" smtClean="0"/>
-              <a:t>7 Nov. 2023</a:t>
+              <a:t>9 Nov. 2023</a:t>
             </a:fld>
             <a:endParaRPr lang="es-UY"/>
           </a:p>
@@ -5137,7 +5208,7 @@
           <a:p>
             <a:fld id="{050BA77E-7AB4-4C04-A3CC-28DE878560B2}" type="datetimeFigureOut">
               <a:rPr lang="es-UY" smtClean="0"/>
-              <a:t>7 Nov. 2023</a:t>
+              <a:t>9 Nov. 2023</a:t>
             </a:fld>
             <a:endParaRPr lang="es-UY"/>
           </a:p>
@@ -5347,7 +5418,7 @@
           <a:p>
             <a:fld id="{050BA77E-7AB4-4C04-A3CC-28DE878560B2}" type="datetimeFigureOut">
               <a:rPr lang="es-UY" smtClean="0"/>
-              <a:t>7 Nov. 2023</a:t>
+              <a:t>9 Nov. 2023</a:t>
             </a:fld>
             <a:endParaRPr lang="es-UY"/>
           </a:p>
@@ -5547,7 +5618,7 @@
           <a:p>
             <a:fld id="{050BA77E-7AB4-4C04-A3CC-28DE878560B2}" type="datetimeFigureOut">
               <a:rPr lang="es-UY" smtClean="0"/>
-              <a:t>7 Nov. 2023</a:t>
+              <a:t>9 Nov. 2023</a:t>
             </a:fld>
             <a:endParaRPr lang="es-UY"/>
           </a:p>
@@ -5823,7 +5894,7 @@
           <a:p>
             <a:fld id="{050BA77E-7AB4-4C04-A3CC-28DE878560B2}" type="datetimeFigureOut">
               <a:rPr lang="es-UY" smtClean="0"/>
-              <a:t>7 Nov. 2023</a:t>
+              <a:t>9 Nov. 2023</a:t>
             </a:fld>
             <a:endParaRPr lang="es-UY"/>
           </a:p>
@@ -6091,7 +6162,7 @@
           <a:p>
             <a:fld id="{050BA77E-7AB4-4C04-A3CC-28DE878560B2}" type="datetimeFigureOut">
               <a:rPr lang="es-UY" smtClean="0"/>
-              <a:t>7 Nov. 2023</a:t>
+              <a:t>9 Nov. 2023</a:t>
             </a:fld>
             <a:endParaRPr lang="es-UY"/>
           </a:p>
@@ -6506,7 +6577,7 @@
           <a:p>
             <a:fld id="{050BA77E-7AB4-4C04-A3CC-28DE878560B2}" type="datetimeFigureOut">
               <a:rPr lang="es-UY" smtClean="0"/>
-              <a:t>7 Nov. 2023</a:t>
+              <a:t>9 Nov. 2023</a:t>
             </a:fld>
             <a:endParaRPr lang="es-UY"/>
           </a:p>
@@ -6648,7 +6719,7 @@
           <a:p>
             <a:fld id="{050BA77E-7AB4-4C04-A3CC-28DE878560B2}" type="datetimeFigureOut">
               <a:rPr lang="es-UY" smtClean="0"/>
-              <a:t>7 Nov. 2023</a:t>
+              <a:t>9 Nov. 2023</a:t>
             </a:fld>
             <a:endParaRPr lang="es-UY"/>
           </a:p>
@@ -6761,7 +6832,7 @@
           <a:p>
             <a:fld id="{050BA77E-7AB4-4C04-A3CC-28DE878560B2}" type="datetimeFigureOut">
               <a:rPr lang="es-UY" smtClean="0"/>
-              <a:t>7 Nov. 2023</a:t>
+              <a:t>9 Nov. 2023</a:t>
             </a:fld>
             <a:endParaRPr lang="es-UY"/>
           </a:p>
@@ -7074,7 +7145,7 @@
           <a:p>
             <a:fld id="{050BA77E-7AB4-4C04-A3CC-28DE878560B2}" type="datetimeFigureOut">
               <a:rPr lang="es-UY" smtClean="0"/>
-              <a:t>7 Nov. 2023</a:t>
+              <a:t>9 Nov. 2023</a:t>
             </a:fld>
             <a:endParaRPr lang="es-UY"/>
           </a:p>
@@ -7363,7 +7434,7 @@
           <a:p>
             <a:fld id="{050BA77E-7AB4-4C04-A3CC-28DE878560B2}" type="datetimeFigureOut">
               <a:rPr lang="es-UY" smtClean="0"/>
-              <a:t>7 Nov. 2023</a:t>
+              <a:t>9 Nov. 2023</a:t>
             </a:fld>
             <a:endParaRPr lang="es-UY"/>
           </a:p>
@@ -7606,7 +7677,7 @@
           <a:p>
             <a:fld id="{050BA77E-7AB4-4C04-A3CC-28DE878560B2}" type="datetimeFigureOut">
               <a:rPr lang="es-UY" smtClean="0"/>
-              <a:t>7 Nov. 2023</a:t>
+              <a:t>9 Nov. 2023</a:t>
             </a:fld>
             <a:endParaRPr lang="es-UY"/>
           </a:p>
@@ -8628,7 +8699,7 @@
         </p:nvSpPr>
         <p:spPr>
           <a:xfrm>
-            <a:off x="1317352" y="781388"/>
+            <a:off x="1394986" y="781388"/>
             <a:ext cx="1528762" cy="369332"/>
           </a:xfrm>
           <a:prstGeom prst="rect">
@@ -8668,7 +8739,7 @@
           </a:xfrm>
           <a:prstGeom prst="roundRect">
             <a:avLst>
-              <a:gd name="adj" fmla="val 16215"/>
+              <a:gd name="adj" fmla="val 7075"/>
             </a:avLst>
           </a:prstGeom>
           <a:solidFill>
@@ -9425,7 +9496,7 @@
         </p:nvSpPr>
         <p:spPr>
           <a:xfrm>
-            <a:off x="1145398" y="1422341"/>
+            <a:off x="1223032" y="1422341"/>
             <a:ext cx="1477256" cy="369332"/>
           </a:xfrm>
           <a:prstGeom prst="roundRect">
@@ -9510,7 +9581,7 @@
         </p:blipFill>
         <p:spPr>
           <a:xfrm>
-            <a:off x="815719" y="750055"/>
+            <a:off x="893353" y="750055"/>
             <a:ext cx="433220" cy="433220"/>
           </a:xfrm>
           <a:prstGeom prst="rect">
@@ -9549,7 +9620,7 @@
         </p:blipFill>
         <p:spPr>
           <a:xfrm>
-            <a:off x="2240452" y="1401742"/>
+            <a:off x="2318086" y="1401742"/>
             <a:ext cx="369332" cy="369332"/>
           </a:xfrm>
           <a:prstGeom prst="rect">
@@ -9590,7 +9661,7 @@
                 <a:latin typeface="Posterama" panose="020B0504020200020000" pitchFamily="34" charset="0"/>
                 <a:cs typeface="Posterama" panose="020B0504020200020000" pitchFamily="34" charset="0"/>
               </a:rPr>
-              <a:t>05/07/23</a:t>
+              <a:t>05/11/23</a:t>
             </a:r>
           </a:p>
         </p:txBody>
@@ -9803,7 +9874,7 @@
                 <a:latin typeface="Posterama" panose="020B0504020200020000" pitchFamily="34" charset="0"/>
                 <a:cs typeface="Posterama" panose="020B0504020200020000" pitchFamily="34" charset="0"/>
               </a:rPr>
-              <a:t>04/07/23</a:t>
+              <a:t>04/11/23</a:t>
             </a:r>
           </a:p>
         </p:txBody>
@@ -10016,7 +10087,7 @@
                 <a:latin typeface="Posterama" panose="020B0504020200020000" pitchFamily="34" charset="0"/>
                 <a:cs typeface="Posterama" panose="020B0504020200020000" pitchFamily="34" charset="0"/>
               </a:rPr>
-              <a:t>03/07/23</a:t>
+              <a:t>03/11/23</a:t>
             </a:r>
           </a:p>
         </p:txBody>
@@ -10774,6 +10845,41 @@
           </a:p>
         </p:txBody>
       </p:sp>
+      <p:sp>
+        <p:nvSpPr>
+          <p:cNvPr id="14" name="CuadroTexto 13">
+            <a:extLst>
+              <a:ext uri="{FF2B5EF4-FFF2-40B4-BE49-F238E27FC236}">
+                <a16:creationId xmlns:a16="http://schemas.microsoft.com/office/drawing/2014/main" id="{66EE084A-E40D-2145-E4BD-9004B5A2B22C}"/>
+              </a:ext>
+            </a:extLst>
+          </p:cNvPr>
+          <p:cNvSpPr txBox="1"/>
+          <p:nvPr/>
+        </p:nvSpPr>
+        <p:spPr>
+          <a:xfrm>
+            <a:off x="5188073" y="4399226"/>
+            <a:ext cx="1891026" cy="307777"/>
+          </a:xfrm>
+          <a:prstGeom prst="rect">
+            <a:avLst/>
+          </a:prstGeom>
+          <a:noFill/>
+        </p:spPr>
+        <p:txBody>
+          <a:bodyPr wrap="square" rtlCol="0">
+            <a:spAutoFit/>
+          </a:bodyPr>
+          <a:lstStyle/>
+          <a:p>
+            <a:r>
+              <a:rPr lang="es-UY" sz="1400" b="1" u="sng" dirty="0"/>
+              <a:t>Ingresar manualmente</a:t>
+            </a:r>
+          </a:p>
+        </p:txBody>
+      </p:sp>
     </p:spTree>
     <p:extLst>
       <p:ext uri="{BB962C8B-B14F-4D97-AF65-F5344CB8AC3E}">
@@ -10804,156 +10910,6 @@
           <a:chExt cx="0" cy="0"/>
         </a:xfrm>
       </p:grpSpPr>
-      <p:pic>
-        <p:nvPicPr>
-          <p:cNvPr id="4" name="Imagen 3">
-            <a:extLst>
-              <a:ext uri="{FF2B5EF4-FFF2-40B4-BE49-F238E27FC236}">
-                <a16:creationId xmlns:a16="http://schemas.microsoft.com/office/drawing/2014/main" id="{9DAF5FD9-62A8-0B33-2270-FBCEA2EE64D0}"/>
-              </a:ext>
-            </a:extLst>
-          </p:cNvPr>
-          <p:cNvPicPr>
-            <a:picLocks noChangeAspect="1"/>
-          </p:cNvPicPr>
-          <p:nvPr/>
-        </p:nvPicPr>
-        <p:blipFill>
-          <a:blip r:embed="rId2"/>
-          <a:stretch>
-            <a:fillRect/>
-          </a:stretch>
-        </p:blipFill>
-        <p:spPr>
-          <a:xfrm>
-            <a:off x="3468221" y="60565"/>
-            <a:ext cx="2900428" cy="4257380"/>
-          </a:xfrm>
-          <a:prstGeom prst="rect">
-            <a:avLst/>
-          </a:prstGeom>
-        </p:spPr>
-      </p:pic>
-      <p:pic>
-        <p:nvPicPr>
-          <p:cNvPr id="5" name="Imagen 4">
-            <a:extLst>
-              <a:ext uri="{FF2B5EF4-FFF2-40B4-BE49-F238E27FC236}">
-                <a16:creationId xmlns:a16="http://schemas.microsoft.com/office/drawing/2014/main" id="{732F843B-A144-D432-A002-9C886557488E}"/>
-              </a:ext>
-            </a:extLst>
-          </p:cNvPr>
-          <p:cNvPicPr>
-            <a:picLocks noChangeAspect="1"/>
-          </p:cNvPicPr>
-          <p:nvPr/>
-        </p:nvPicPr>
-        <p:blipFill>
-          <a:blip r:embed="rId3"/>
-          <a:stretch>
-            <a:fillRect/>
-          </a:stretch>
-        </p:blipFill>
-        <p:spPr>
-          <a:xfrm>
-            <a:off x="6468155" y="60565"/>
-            <a:ext cx="2910177" cy="4285469"/>
-          </a:xfrm>
-          <a:prstGeom prst="rect">
-            <a:avLst/>
-          </a:prstGeom>
-        </p:spPr>
-      </p:pic>
-      <p:pic>
-        <p:nvPicPr>
-          <p:cNvPr id="6" name="Imagen 5">
-            <a:extLst>
-              <a:ext uri="{FF2B5EF4-FFF2-40B4-BE49-F238E27FC236}">
-                <a16:creationId xmlns:a16="http://schemas.microsoft.com/office/drawing/2014/main" id="{79D6D35F-6F5C-BC4E-57CB-9368710531E6}"/>
-              </a:ext>
-            </a:extLst>
-          </p:cNvPr>
-          <p:cNvPicPr>
-            <a:picLocks noChangeAspect="1"/>
-          </p:cNvPicPr>
-          <p:nvPr/>
-        </p:nvPicPr>
-        <p:blipFill>
-          <a:blip r:embed="rId4"/>
-          <a:stretch>
-            <a:fillRect/>
-          </a:stretch>
-        </p:blipFill>
-        <p:spPr>
-          <a:xfrm>
-            <a:off x="479347" y="60565"/>
-            <a:ext cx="2889368" cy="4214046"/>
-          </a:xfrm>
-          <a:prstGeom prst="rect">
-            <a:avLst/>
-          </a:prstGeom>
-        </p:spPr>
-      </p:pic>
-      <p:pic>
-        <p:nvPicPr>
-          <p:cNvPr id="7" name="Imagen 6">
-            <a:extLst>
-              <a:ext uri="{FF2B5EF4-FFF2-40B4-BE49-F238E27FC236}">
-                <a16:creationId xmlns:a16="http://schemas.microsoft.com/office/drawing/2014/main" id="{DB6E655E-4C2F-3A1D-EBCC-5394D3C70B60}"/>
-              </a:ext>
-            </a:extLst>
-          </p:cNvPr>
-          <p:cNvPicPr>
-            <a:picLocks noChangeAspect="1"/>
-          </p:cNvPicPr>
-          <p:nvPr/>
-        </p:nvPicPr>
-        <p:blipFill>
-          <a:blip r:embed="rId5"/>
-          <a:stretch>
-            <a:fillRect/>
-          </a:stretch>
-        </p:blipFill>
-        <p:spPr>
-          <a:xfrm>
-            <a:off x="9638141" y="144685"/>
-            <a:ext cx="2882587" cy="4204156"/>
-          </a:xfrm>
-          <a:prstGeom prst="rect">
-            <a:avLst/>
-          </a:prstGeom>
-        </p:spPr>
-      </p:pic>
-    </p:spTree>
-    <p:extLst>
-      <p:ext uri="{BB962C8B-B14F-4D97-AF65-F5344CB8AC3E}">
-        <p14:creationId xmlns:p14="http://schemas.microsoft.com/office/powerpoint/2010/main" val="3005035881"/>
-      </p:ext>
-    </p:extLst>
-  </p:cSld>
-  <p:clrMapOvr>
-    <a:masterClrMapping/>
-  </p:clrMapOvr>
-</p:sld>
-</file>
-
-<file path=ppt/slides/slide4.xml><?xml version="1.0" encoding="utf-8"?>
-<p:sld xmlns:a="http://schemas.openxmlformats.org/drawingml/2006/main" xmlns:r="http://schemas.openxmlformats.org/officeDocument/2006/relationships" xmlns:p="http://schemas.openxmlformats.org/presentationml/2006/main">
-  <p:cSld>
-    <p:spTree>
-      <p:nvGrpSpPr>
-        <p:cNvPr id="1" name=""/>
-        <p:cNvGrpSpPr/>
-        <p:nvPr/>
-      </p:nvGrpSpPr>
-      <p:grpSpPr>
-        <a:xfrm>
-          <a:off x="0" y="0"/>
-          <a:ext cx="0" cy="0"/>
-          <a:chOff x="0" y="0"/>
-          <a:chExt cx="0" cy="0"/>
-        </a:xfrm>
-      </p:grpSpPr>
       <p:sp>
         <p:nvSpPr>
           <p:cNvPr id="2" name="Rectángulo: esquinas redondeadas 1">
@@ -11093,44 +11049,6 @@
           </a:p>
         </p:txBody>
       </p:sp>
-      <p:cxnSp>
-        <p:nvCxnSpPr>
-          <p:cNvPr id="40" name="Conector recto 39">
-            <a:extLst>
-              <a:ext uri="{FF2B5EF4-FFF2-40B4-BE49-F238E27FC236}">
-                <a16:creationId xmlns:a16="http://schemas.microsoft.com/office/drawing/2014/main" id="{AEDCD4F1-E9D7-BACD-2684-2447457F99AC}"/>
-              </a:ext>
-            </a:extLst>
-          </p:cNvPr>
-          <p:cNvCxnSpPr>
-            <a:cxnSpLocks/>
-          </p:cNvCxnSpPr>
-          <p:nvPr/>
-        </p:nvCxnSpPr>
-        <p:spPr>
-          <a:xfrm>
-            <a:off x="4266064" y="5096568"/>
-            <a:ext cx="3643686" cy="0"/>
-          </a:xfrm>
-          <a:prstGeom prst="line">
-            <a:avLst/>
-          </a:prstGeom>
-        </p:spPr>
-        <p:style>
-          <a:lnRef idx="1">
-            <a:schemeClr val="accent1"/>
-          </a:lnRef>
-          <a:fillRef idx="0">
-            <a:schemeClr val="accent1"/>
-          </a:fillRef>
-          <a:effectRef idx="0">
-            <a:schemeClr val="accent1"/>
-          </a:effectRef>
-          <a:fontRef idx="minor">
-            <a:schemeClr val="tx1"/>
-          </a:fontRef>
-        </p:style>
-      </p:cxnSp>
       <p:sp>
         <p:nvSpPr>
           <p:cNvPr id="70" name="Rectángulo: esquinas redondeadas 69">
@@ -11156,6 +11074,13 @@
           <a:solidFill>
             <a:schemeClr val="bg1"/>
           </a:solidFill>
+          <a:effectLst>
+            <a:outerShdw blurRad="50800" dist="38100" dir="2700000" algn="tl" rotWithShape="0">
+              <a:prstClr val="black">
+                <a:alpha val="40000"/>
+              </a:prstClr>
+            </a:outerShdw>
+          </a:effectLst>
         </p:spPr>
         <p:style>
           <a:lnRef idx="2">
@@ -11817,6 +11742,13 @@
           <a:solidFill>
             <a:srgbClr val="D5D5F4"/>
           </a:solidFill>
+          <a:effectLst>
+            <a:outerShdw blurRad="50800" dist="38100" dir="2700000" algn="tl" rotWithShape="0">
+              <a:prstClr val="black">
+                <a:alpha val="40000"/>
+              </a:prstClr>
+            </a:outerShdw>
+          </a:effectLst>
         </p:spPr>
         <p:style>
           <a:lnRef idx="2">
@@ -12632,6 +12564,13 @@
           <a:solidFill>
             <a:srgbClr val="D5D5F4"/>
           </a:solidFill>
+          <a:effectLst>
+            <a:outerShdw blurRad="50800" dist="38100" dir="2700000" algn="tl" rotWithShape="0">
+              <a:prstClr val="black">
+                <a:alpha val="40000"/>
+              </a:prstClr>
+            </a:outerShdw>
+          </a:effectLst>
         </p:spPr>
         <p:style>
           <a:lnRef idx="2">
@@ -13600,44 +13539,6 @@
             </a:p>
           </p:txBody>
         </p:sp>
-        <p:cxnSp>
-          <p:nvCxnSpPr>
-            <p:cNvPr id="6" name="Conector recto 5">
-              <a:extLst>
-                <a:ext uri="{FF2B5EF4-FFF2-40B4-BE49-F238E27FC236}">
-                  <a16:creationId xmlns:a16="http://schemas.microsoft.com/office/drawing/2014/main" id="{84D96FA1-9695-0666-EBEB-10327926C452}"/>
-                </a:ext>
-              </a:extLst>
-            </p:cNvPr>
-            <p:cNvCxnSpPr>
-              <a:cxnSpLocks/>
-            </p:cNvCxnSpPr>
-            <p:nvPr/>
-          </p:nvCxnSpPr>
-          <p:spPr>
-            <a:xfrm>
-              <a:off x="216799" y="5096568"/>
-              <a:ext cx="3643686" cy="0"/>
-            </a:xfrm>
-            <a:prstGeom prst="line">
-              <a:avLst/>
-            </a:prstGeom>
-          </p:spPr>
-          <p:style>
-            <a:lnRef idx="1">
-              <a:schemeClr val="accent1"/>
-            </a:lnRef>
-            <a:fillRef idx="0">
-              <a:schemeClr val="accent1"/>
-            </a:fillRef>
-            <a:effectRef idx="0">
-              <a:schemeClr val="accent1"/>
-            </a:effectRef>
-            <a:fontRef idx="minor">
-              <a:schemeClr val="tx1"/>
-            </a:fontRef>
-          </p:style>
-        </p:cxnSp>
         <p:pic>
           <p:nvPicPr>
             <p:cNvPr id="7" name="Gráfico 6" descr="Engranaje único con relleno sólido">
@@ -13887,7 +13788,7 @@
         </p:nvGrpSpPr>
         <p:grpSpPr>
           <a:xfrm>
-            <a:off x="8203456" y="5030402"/>
+            <a:off x="8203456" y="5047654"/>
             <a:ext cx="3780975" cy="822021"/>
             <a:chOff x="155751" y="5047928"/>
             <a:chExt cx="3780975" cy="822021"/>
@@ -13944,44 +13845,6 @@
             </a:p>
           </p:txBody>
         </p:sp>
-        <p:cxnSp>
-          <p:nvCxnSpPr>
-            <p:cNvPr id="18" name="Conector recto 17">
-              <a:extLst>
-                <a:ext uri="{FF2B5EF4-FFF2-40B4-BE49-F238E27FC236}">
-                  <a16:creationId xmlns:a16="http://schemas.microsoft.com/office/drawing/2014/main" id="{B902D184-E38E-D65A-ADE5-3A3D35AC933A}"/>
-                </a:ext>
-              </a:extLst>
-            </p:cNvPr>
-            <p:cNvCxnSpPr>
-              <a:cxnSpLocks/>
-            </p:cNvCxnSpPr>
-            <p:nvPr/>
-          </p:nvCxnSpPr>
-          <p:spPr>
-            <a:xfrm>
-              <a:off x="216799" y="5096568"/>
-              <a:ext cx="3643686" cy="0"/>
-            </a:xfrm>
-            <a:prstGeom prst="line">
-              <a:avLst/>
-            </a:prstGeom>
-          </p:spPr>
-          <p:style>
-            <a:lnRef idx="1">
-              <a:schemeClr val="accent1"/>
-            </a:lnRef>
-            <a:fillRef idx="0">
-              <a:schemeClr val="accent1"/>
-            </a:fillRef>
-            <a:effectRef idx="0">
-              <a:schemeClr val="accent1"/>
-            </a:effectRef>
-            <a:fontRef idx="minor">
-              <a:schemeClr val="tx1"/>
-            </a:fontRef>
-          </p:style>
-        </p:cxnSp>
         <p:pic>
           <p:nvPicPr>
             <p:cNvPr id="19" name="Gráfico 18" descr="Engranaje único con relleno sólido">
@@ -14230,7 +14093,7 @@
 </p:sld>
 </file>
 
-<file path=ppt/slides/slide5.xml><?xml version="1.0" encoding="utf-8"?>
+<file path=ppt/slides/slide4.xml><?xml version="1.0" encoding="utf-8"?>
 <p:sld xmlns:a="http://schemas.openxmlformats.org/drawingml/2006/main" xmlns:r="http://schemas.openxmlformats.org/officeDocument/2006/relationships" xmlns:p="http://schemas.openxmlformats.org/presentationml/2006/main">
   <p:cSld>
     <p:spTree>
@@ -14313,7 +14176,7 @@
         </p:nvSpPr>
         <p:spPr>
           <a:xfrm>
-            <a:off x="1359802" y="584176"/>
+            <a:off x="1495075" y="586064"/>
             <a:ext cx="1528762" cy="369332"/>
           </a:xfrm>
           <a:prstGeom prst="rect">
@@ -14417,7 +14280,7 @@
         </p:blipFill>
         <p:spPr>
           <a:xfrm>
-            <a:off x="970927" y="503410"/>
+            <a:off x="1106200" y="505298"/>
             <a:ext cx="433220" cy="433220"/>
           </a:xfrm>
           <a:prstGeom prst="rect">
@@ -14502,6 +14365,13 @@
           <a:solidFill>
             <a:srgbClr val="D5D5F4"/>
           </a:solidFill>
+          <a:effectLst>
+            <a:outerShdw blurRad="50800" dist="38100" dir="2700000" algn="tl" rotWithShape="0">
+              <a:prstClr val="black">
+                <a:alpha val="40000"/>
+              </a:prstClr>
+            </a:outerShdw>
+          </a:effectLst>
         </p:spPr>
         <p:style>
           <a:lnRef idx="2">
@@ -15626,12 +15496,19 @@
           </a:xfrm>
           <a:prstGeom prst="roundRect">
             <a:avLst>
-              <a:gd name="adj" fmla="val 7606"/>
+              <a:gd name="adj" fmla="val 4124"/>
             </a:avLst>
           </a:prstGeom>
           <a:solidFill>
             <a:srgbClr val="D5D5F4"/>
           </a:solidFill>
+          <a:effectLst>
+            <a:outerShdw blurRad="50800" dist="38100" dir="2700000" algn="tl" rotWithShape="0">
+              <a:prstClr val="black">
+                <a:alpha val="40000"/>
+              </a:prstClr>
+            </a:outerShdw>
+          </a:effectLst>
         </p:spPr>
         <p:style>
           <a:lnRef idx="2">
@@ -15691,7 +15568,7 @@
                 <a:latin typeface="Posterama" panose="020B0504020200020000" pitchFamily="34" charset="0"/>
                 <a:cs typeface="Posterama" panose="020B0504020200020000" pitchFamily="34" charset="0"/>
               </a:rPr>
-              <a:t>06/07/23</a:t>
+              <a:t>06/11/23</a:t>
             </a:r>
           </a:p>
         </p:txBody>
@@ -15983,7 +15860,7 @@
         </p:nvSpPr>
         <p:spPr>
           <a:xfrm>
-            <a:off x="8439708" y="4304358"/>
+            <a:off x="9352212" y="4206942"/>
             <a:ext cx="1469927" cy="329825"/>
           </a:xfrm>
           <a:prstGeom prst="roundRect">
@@ -16031,51 +15908,14 @@
                 <a:solidFill>
                   <a:schemeClr val="bg1"/>
                 </a:solidFill>
+                <a:latin typeface="Posterama" panose="020B0504020200020000" pitchFamily="34" charset="0"/>
+                <a:cs typeface="Posterama" panose="020B0504020200020000" pitchFamily="34" charset="0"/>
               </a:rPr>
               <a:t>Confirmar</a:t>
             </a:r>
           </a:p>
         </p:txBody>
       </p:sp>
-      <p:pic>
-        <p:nvPicPr>
-          <p:cNvPr id="54" name="Gráfico 53" descr="Marca de insignia1 con relleno sólido">
-            <a:extLst>
-              <a:ext uri="{FF2B5EF4-FFF2-40B4-BE49-F238E27FC236}">
-                <a16:creationId xmlns:a16="http://schemas.microsoft.com/office/drawing/2014/main" id="{2C612C4A-32CB-F2AA-A1D0-3F687BA05259}"/>
-              </a:ext>
-            </a:extLst>
-          </p:cNvPr>
-          <p:cNvPicPr>
-            <a:picLocks noChangeAspect="1"/>
-          </p:cNvPicPr>
-          <p:nvPr/>
-        </p:nvPicPr>
-        <p:blipFill>
-          <a:blip r:embed="rId8">
-            <a:extLst>
-              <a:ext uri="{28A0092B-C50C-407E-A947-70E740481C1C}">
-                <a14:useLocalDpi xmlns:a14="http://schemas.microsoft.com/office/drawing/2010/main" val="0"/>
-              </a:ext>
-              <a:ext uri="{96DAC541-7B7A-43D3-8B79-37D633B846F1}">
-                <asvg:svgBlip xmlns:asvg="http://schemas.microsoft.com/office/drawing/2016/SVG/main" r:embed="rId9"/>
-              </a:ext>
-            </a:extLst>
-          </a:blip>
-          <a:stretch>
-            <a:fillRect/>
-          </a:stretch>
-        </p:blipFill>
-        <p:spPr>
-          <a:xfrm>
-            <a:off x="9983963" y="4264647"/>
-            <a:ext cx="418900" cy="418900"/>
-          </a:xfrm>
-          <a:prstGeom prst="rect">
-            <a:avLst/>
-          </a:prstGeom>
-        </p:spPr>
-      </p:pic>
       <p:sp>
         <p:nvSpPr>
           <p:cNvPr id="56" name="CuadroTexto 55">
@@ -16134,7 +15974,7 @@
           <p:nvPr/>
         </p:nvPicPr>
         <p:blipFill>
-          <a:blip r:embed="rId10"/>
+          <a:blip r:embed="rId8"/>
           <a:stretch>
             <a:fillRect/>
           </a:stretch>
@@ -16348,6 +16188,8 @@
                 <a:solidFill>
                   <a:schemeClr val="bg1"/>
                 </a:solidFill>
+                <a:latin typeface="Posterama" panose="020B0504020200020000" pitchFamily="34" charset="0"/>
+                <a:cs typeface="Posterama" panose="020B0504020200020000" pitchFamily="34" charset="0"/>
               </a:rPr>
               <a:t>Continuar</a:t>
             </a:r>
@@ -16438,13 +16280,13 @@
           <p:nvPr/>
         </p:nvPicPr>
         <p:blipFill>
-          <a:blip r:embed="rId11">
+          <a:blip r:embed="rId9">
             <a:extLst>
               <a:ext uri="{28A0092B-C50C-407E-A947-70E740481C1C}">
                 <a14:useLocalDpi xmlns:a14="http://schemas.microsoft.com/office/drawing/2010/main" val="0"/>
               </a:ext>
               <a:ext uri="{96DAC541-7B7A-43D3-8B79-37D633B846F1}">
-                <asvg:svgBlip xmlns:asvg="http://schemas.microsoft.com/office/drawing/2016/SVG/main" r:embed="rId12"/>
+                <asvg:svgBlip xmlns:asvg="http://schemas.microsoft.com/office/drawing/2016/SVG/main" r:embed="rId10"/>
               </a:ext>
             </a:extLst>
           </a:blip>
@@ -16977,13 +16819,13 @@
             <p:nvPr/>
           </p:nvPicPr>
           <p:blipFill>
-            <a:blip r:embed="rId13">
+            <a:blip r:embed="rId11">
               <a:extLst>
                 <a:ext uri="{28A0092B-C50C-407E-A947-70E740481C1C}">
                   <a14:useLocalDpi xmlns:a14="http://schemas.microsoft.com/office/drawing/2010/main" val="0"/>
                 </a:ext>
                 <a:ext uri="{96DAC541-7B7A-43D3-8B79-37D633B846F1}">
-                  <asvg:svgBlip xmlns:asvg="http://schemas.microsoft.com/office/drawing/2016/SVG/main" r:embed="rId14"/>
+                  <asvg:svgBlip xmlns:asvg="http://schemas.microsoft.com/office/drawing/2016/SVG/main" r:embed="rId12"/>
                 </a:ext>
               </a:extLst>
             </a:blip>
@@ -17055,13 +16897,13 @@
             <p:nvPr/>
           </p:nvPicPr>
           <p:blipFill>
-            <a:blip r:embed="rId15">
+            <a:blip r:embed="rId13">
               <a:extLst>
                 <a:ext uri="{28A0092B-C50C-407E-A947-70E740481C1C}">
                   <a14:useLocalDpi xmlns:a14="http://schemas.microsoft.com/office/drawing/2010/main" val="0"/>
                 </a:ext>
                 <a:ext uri="{96DAC541-7B7A-43D3-8B79-37D633B846F1}">
-                  <asvg:svgBlip xmlns:asvg="http://schemas.microsoft.com/office/drawing/2016/SVG/main" r:embed="rId16"/>
+                  <asvg:svgBlip xmlns:asvg="http://schemas.microsoft.com/office/drawing/2016/SVG/main" r:embed="rId14"/>
                 </a:ext>
               </a:extLst>
             </a:blip>
@@ -17133,13 +16975,13 @@
             <p:nvPr/>
           </p:nvPicPr>
           <p:blipFill>
-            <a:blip r:embed="rId17">
+            <a:blip r:embed="rId15">
               <a:extLst>
                 <a:ext uri="{28A0092B-C50C-407E-A947-70E740481C1C}">
                   <a14:useLocalDpi xmlns:a14="http://schemas.microsoft.com/office/drawing/2010/main" val="0"/>
                 </a:ext>
                 <a:ext uri="{96DAC541-7B7A-43D3-8B79-37D633B846F1}">
-                  <asvg:svgBlip xmlns:asvg="http://schemas.microsoft.com/office/drawing/2016/SVG/main" r:embed="rId18"/>
+                  <asvg:svgBlip xmlns:asvg="http://schemas.microsoft.com/office/drawing/2016/SVG/main" r:embed="rId16"/>
                 </a:ext>
               </a:extLst>
             </a:blip>
@@ -17318,7 +17160,7 @@
 </p:sld>
 </file>
 
-<file path=ppt/slides/slide6.xml><?xml version="1.0" encoding="utf-8"?>
+<file path=ppt/slides/slide5.xml><?xml version="1.0" encoding="utf-8"?>
 <p:sld xmlns:a="http://schemas.openxmlformats.org/drawingml/2006/main" xmlns:r="http://schemas.openxmlformats.org/officeDocument/2006/relationships" xmlns:p="http://schemas.openxmlformats.org/presentationml/2006/main">
   <p:cSld>
     <p:spTree>
@@ -17522,7 +17364,7 @@
             </a:avLst>
           </a:prstGeom>
           <a:solidFill>
-            <a:srgbClr val="557C55"/>
+            <a:srgbClr val="4845CD"/>
           </a:solidFill>
           <a:ln>
             <a:noFill/>
@@ -17567,6 +17409,45 @@
           </a:p>
         </p:txBody>
       </p:sp>
+      <p:pic>
+        <p:nvPicPr>
+          <p:cNvPr id="5" name="Gráfico 4" descr="Marca de insignia1 con relleno sólido">
+            <a:extLst>
+              <a:ext uri="{FF2B5EF4-FFF2-40B4-BE49-F238E27FC236}">
+                <a16:creationId xmlns:a16="http://schemas.microsoft.com/office/drawing/2014/main" id="{86FAF0CD-D9FA-E356-1A5F-6CA045275C45}"/>
+              </a:ext>
+            </a:extLst>
+          </p:cNvPr>
+          <p:cNvPicPr>
+            <a:picLocks noChangeAspect="1"/>
+          </p:cNvPicPr>
+          <p:nvPr/>
+        </p:nvPicPr>
+        <p:blipFill>
+          <a:blip r:embed="rId2">
+            <a:extLst>
+              <a:ext uri="{28A0092B-C50C-407E-A947-70E740481C1C}">
+                <a14:useLocalDpi xmlns:a14="http://schemas.microsoft.com/office/drawing/2010/main" val="0"/>
+              </a:ext>
+              <a:ext uri="{96DAC541-7B7A-43D3-8B79-37D633B846F1}">
+                <asvg:svgBlip xmlns:asvg="http://schemas.microsoft.com/office/drawing/2016/SVG/main" r:embed="rId3"/>
+              </a:ext>
+            </a:extLst>
+          </a:blip>
+          <a:stretch>
+            <a:fillRect/>
+          </a:stretch>
+        </p:blipFill>
+        <p:spPr>
+          <a:xfrm>
+            <a:off x="1968725" y="3317906"/>
+            <a:ext cx="418900" cy="418900"/>
+          </a:xfrm>
+          <a:prstGeom prst="rect">
+            <a:avLst/>
+          </a:prstGeom>
+        </p:spPr>
+      </p:pic>
     </p:spTree>
     <p:extLst>
       <p:ext uri="{BB962C8B-B14F-4D97-AF65-F5344CB8AC3E}">
@@ -17580,7 +17461,7 @@
 </p:sld>
 </file>
 
-<file path=ppt/slides/slide7.xml><?xml version="1.0" encoding="utf-8"?>
+<file path=ppt/slides/slide6.xml><?xml version="1.0" encoding="utf-8"?>
 <p:sld xmlns:a="http://schemas.openxmlformats.org/drawingml/2006/main" xmlns:r="http://schemas.openxmlformats.org/officeDocument/2006/relationships" xmlns:p="http://schemas.openxmlformats.org/presentationml/2006/main">
   <p:cSld>
     <p:bg>
@@ -21684,7 +21565,7 @@
 </p:sld>
 </file>
 
-<file path=ppt/slides/slide8.xml><?xml version="1.0" encoding="utf-8"?>
+<file path=ppt/slides/slide7.xml><?xml version="1.0" encoding="utf-8"?>
 <p:sld xmlns:a="http://schemas.openxmlformats.org/drawingml/2006/main" xmlns:r="http://schemas.openxmlformats.org/officeDocument/2006/relationships" xmlns:p="http://schemas.openxmlformats.org/presentationml/2006/main">
   <p:cSld>
     <p:spTree>
@@ -21852,6 +21733,13 @@
           <a:solidFill>
             <a:srgbClr val="D5D5F4"/>
           </a:solidFill>
+          <a:effectLst>
+            <a:outerShdw blurRad="50800" dist="38100" dir="2700000" algn="tl" rotWithShape="0">
+              <a:prstClr val="black">
+                <a:alpha val="40000"/>
+              </a:prstClr>
+            </a:outerShdw>
+          </a:effectLst>
         </p:spPr>
         <p:style>
           <a:lnRef idx="2">
@@ -22946,7 +22834,7 @@
         </p:nvSpPr>
         <p:spPr>
           <a:xfrm>
-            <a:off x="4545338" y="5263853"/>
+            <a:off x="4651710" y="5263665"/>
             <a:ext cx="1469927" cy="329825"/>
           </a:xfrm>
           <a:prstGeom prst="roundRect">
@@ -22994,8 +22882,10 @@
                 <a:solidFill>
                   <a:schemeClr val="bg1"/>
                 </a:solidFill>
+                <a:latin typeface="Posterama" panose="020B0504020200020000" pitchFamily="34" charset="0"/>
+                <a:cs typeface="Posterama" panose="020B0504020200020000" pitchFamily="34" charset="0"/>
               </a:rPr>
-              <a:t>Continuar</a:t>
+              <a:t>Confirmar</a:t>
             </a:r>
           </a:p>
         </p:txBody>
@@ -23725,7 +23615,7 @@
         </p:nvSpPr>
         <p:spPr>
           <a:xfrm>
-            <a:off x="8674225" y="1720304"/>
+            <a:off x="8742480" y="1741691"/>
             <a:ext cx="2667000" cy="1406444"/>
           </a:xfrm>
           <a:prstGeom prst="roundRect">
@@ -23792,7 +23682,7 @@
         </p:nvSpPr>
         <p:spPr>
           <a:xfrm>
-            <a:off x="8710129" y="3382234"/>
+            <a:off x="8755533" y="3364541"/>
             <a:ext cx="2667000" cy="1406444"/>
           </a:xfrm>
           <a:prstGeom prst="roundRect">
@@ -23861,6 +23751,76 @@
           <a:xfrm>
             <a:off x="9308665" y="5060505"/>
             <a:ext cx="1469927" cy="329825"/>
+          </a:xfrm>
+          <a:prstGeom prst="roundRect">
+            <a:avLst>
+              <a:gd name="adj" fmla="val 16215"/>
+            </a:avLst>
+          </a:prstGeom>
+          <a:solidFill>
+            <a:srgbClr val="4845CD"/>
+          </a:solidFill>
+          <a:ln>
+            <a:noFill/>
+          </a:ln>
+          <a:effectLst>
+            <a:outerShdw blurRad="50800" dist="38100" dir="2700000" algn="tl" rotWithShape="0">
+              <a:prstClr val="black">
+                <a:alpha val="40000"/>
+              </a:prstClr>
+            </a:outerShdw>
+          </a:effectLst>
+        </p:spPr>
+        <p:style>
+          <a:lnRef idx="2">
+            <a:schemeClr val="accent1">
+              <a:shade val="15000"/>
+            </a:schemeClr>
+          </a:lnRef>
+          <a:fillRef idx="1">
+            <a:schemeClr val="accent1"/>
+          </a:fillRef>
+          <a:effectRef idx="0">
+            <a:schemeClr val="accent1"/>
+          </a:effectRef>
+          <a:fontRef idx="minor">
+            <a:schemeClr val="lt1"/>
+          </a:fontRef>
+        </p:style>
+        <p:txBody>
+          <a:bodyPr rtlCol="0" anchor="ctr"/>
+          <a:lstStyle/>
+          <a:p>
+            <a:pPr algn="ctr"/>
+            <a:r>
+              <a:rPr lang="es-UY" sz="1400" dirty="0">
+                <a:solidFill>
+                  <a:schemeClr val="bg1"/>
+                </a:solidFill>
+                <a:latin typeface="Posterama" panose="020B0504020200020000" pitchFamily="34" charset="0"/>
+                <a:cs typeface="Posterama" panose="020B0504020200020000" pitchFamily="34" charset="0"/>
+              </a:rPr>
+              <a:t>Volver</a:t>
+            </a:r>
+          </a:p>
+        </p:txBody>
+      </p:sp>
+      <p:sp>
+        <p:nvSpPr>
+          <p:cNvPr id="83" name="Rectángulo: esquinas redondeadas 82">
+            <a:extLst>
+              <a:ext uri="{FF2B5EF4-FFF2-40B4-BE49-F238E27FC236}">
+                <a16:creationId xmlns:a16="http://schemas.microsoft.com/office/drawing/2014/main" id="{EB3E95F1-866D-28C6-7CD5-75F4FFBE3AE6}"/>
+              </a:ext>
+            </a:extLst>
+          </p:cNvPr>
+          <p:cNvSpPr/>
+          <p:nvPr/>
+        </p:nvSpPr>
+        <p:spPr>
+          <a:xfrm>
+            <a:off x="5041060" y="6346996"/>
+            <a:ext cx="806588" cy="329825"/>
           </a:xfrm>
           <a:prstGeom prst="roundRect">
             <a:avLst>
@@ -23903,22 +23863,24 @@
           <a:p>
             <a:pPr algn="ctr"/>
             <a:r>
-              <a:rPr lang="es-UY" sz="1400" dirty="0">
+              <a:rPr lang="es-UY" sz="1100" dirty="0">
                 <a:solidFill>
                   <a:schemeClr val="bg1"/>
                 </a:solidFill>
+                <a:latin typeface="Posterama" panose="020B0504020200020000" pitchFamily="34" charset="0"/>
+                <a:cs typeface="Posterama" panose="020B0504020200020000" pitchFamily="34" charset="0"/>
               </a:rPr>
-              <a:t>Volver</a:t>
+              <a:t>Enviado</a:t>
             </a:r>
           </a:p>
         </p:txBody>
       </p:sp>
       <p:sp>
         <p:nvSpPr>
-          <p:cNvPr id="83" name="Rectángulo: esquinas redondeadas 82">
-            <a:extLst>
-              <a:ext uri="{FF2B5EF4-FFF2-40B4-BE49-F238E27FC236}">
-                <a16:creationId xmlns:a16="http://schemas.microsoft.com/office/drawing/2014/main" id="{EB3E95F1-866D-28C6-7CD5-75F4FFBE3AE6}"/>
+          <p:cNvPr id="84" name="Rectángulo: esquinas redondeadas 83">
+            <a:extLst>
+              <a:ext uri="{FF2B5EF4-FFF2-40B4-BE49-F238E27FC236}">
+                <a16:creationId xmlns:a16="http://schemas.microsoft.com/office/drawing/2014/main" id="{5977B8ED-96A1-E023-1A26-63DB7D4FE839}"/>
               </a:ext>
             </a:extLst>
           </p:cNvPr>
@@ -23927,7 +23889,7 @@
         </p:nvSpPr>
         <p:spPr>
           <a:xfrm>
-            <a:off x="5041060" y="6346996"/>
+            <a:off x="2806020" y="3127842"/>
             <a:ext cx="806588" cy="329825"/>
           </a:xfrm>
           <a:prstGeom prst="roundRect">
@@ -23985,10 +23947,10 @@
       </p:sp>
       <p:sp>
         <p:nvSpPr>
-          <p:cNvPr id="84" name="Rectángulo: esquinas redondeadas 83">
-            <a:extLst>
-              <a:ext uri="{FF2B5EF4-FFF2-40B4-BE49-F238E27FC236}">
-                <a16:creationId xmlns:a16="http://schemas.microsoft.com/office/drawing/2014/main" id="{5977B8ED-96A1-E023-1A26-63DB7D4FE839}"/>
+          <p:cNvPr id="85" name="Rectángulo: esquinas redondeadas 84">
+            <a:extLst>
+              <a:ext uri="{FF2B5EF4-FFF2-40B4-BE49-F238E27FC236}">
+                <a16:creationId xmlns:a16="http://schemas.microsoft.com/office/drawing/2014/main" id="{91201B88-61E3-197B-96F3-18BEAE4F1864}"/>
               </a:ext>
             </a:extLst>
           </p:cNvPr>
@@ -23997,7 +23959,7 @@
         </p:nvSpPr>
         <p:spPr>
           <a:xfrm>
-            <a:off x="2806020" y="3127842"/>
+            <a:off x="2819583" y="3561897"/>
             <a:ext cx="806588" cy="329825"/>
           </a:xfrm>
           <a:prstGeom prst="roundRect">
@@ -24055,10 +24017,234 @@
       </p:sp>
       <p:sp>
         <p:nvSpPr>
-          <p:cNvPr id="85" name="Rectángulo: esquinas redondeadas 84">
-            <a:extLst>
-              <a:ext uri="{FF2B5EF4-FFF2-40B4-BE49-F238E27FC236}">
-                <a16:creationId xmlns:a16="http://schemas.microsoft.com/office/drawing/2014/main" id="{91201B88-61E3-197B-96F3-18BEAE4F1864}"/>
+          <p:cNvPr id="86" name="CuadroTexto 85">
+            <a:extLst>
+              <a:ext uri="{FF2B5EF4-FFF2-40B4-BE49-F238E27FC236}">
+                <a16:creationId xmlns:a16="http://schemas.microsoft.com/office/drawing/2014/main" id="{D0C4BD8A-2891-AA8C-8E92-DF2089B80927}"/>
+              </a:ext>
+            </a:extLst>
+          </p:cNvPr>
+          <p:cNvSpPr txBox="1"/>
+          <p:nvPr/>
+        </p:nvSpPr>
+        <p:spPr>
+          <a:xfrm>
+            <a:off x="1909125" y="2540251"/>
+            <a:ext cx="901263" cy="261610"/>
+          </a:xfrm>
+          <a:prstGeom prst="rect">
+            <a:avLst/>
+          </a:prstGeom>
+          <a:noFill/>
+        </p:spPr>
+        <p:txBody>
+          <a:bodyPr wrap="square" rtlCol="0">
+            <a:spAutoFit/>
+          </a:bodyPr>
+          <a:lstStyle/>
+          <a:p>
+            <a:r>
+              <a:rPr lang="es-UY" sz="1100" b="1" dirty="0">
+                <a:latin typeface="Posterama" panose="020B0504020200020000" pitchFamily="34" charset="0"/>
+                <a:cs typeface="Posterama" panose="020B0504020200020000" pitchFamily="34" charset="0"/>
+              </a:rPr>
+              <a:t>Inicio-Fin</a:t>
+            </a:r>
+          </a:p>
+        </p:txBody>
+      </p:sp>
+      <p:sp>
+        <p:nvSpPr>
+          <p:cNvPr id="87" name="CuadroTexto 86">
+            <a:extLst>
+              <a:ext uri="{FF2B5EF4-FFF2-40B4-BE49-F238E27FC236}">
+                <a16:creationId xmlns:a16="http://schemas.microsoft.com/office/drawing/2014/main" id="{7C78D9FA-EEF2-5D1A-A367-94F99C54EF6F}"/>
+              </a:ext>
+            </a:extLst>
+          </p:cNvPr>
+          <p:cNvSpPr txBox="1"/>
+          <p:nvPr/>
+        </p:nvSpPr>
+        <p:spPr>
+          <a:xfrm>
+            <a:off x="1938747" y="2740959"/>
+            <a:ext cx="916603" cy="430887"/>
+          </a:xfrm>
+          <a:prstGeom prst="rect">
+            <a:avLst/>
+          </a:prstGeom>
+          <a:noFill/>
+        </p:spPr>
+        <p:txBody>
+          <a:bodyPr wrap="square">
+            <a:spAutoFit/>
+          </a:bodyPr>
+          <a:lstStyle/>
+          <a:p>
+            <a:r>
+              <a:rPr lang="es-UY" sz="1100" dirty="0">
+                <a:latin typeface="Posterama" panose="020B0504020200020000" pitchFamily="34" charset="0"/>
+                <a:cs typeface="Posterama" panose="020B0504020200020000" pitchFamily="34" charset="0"/>
+              </a:rPr>
+              <a:t>01/10/23 a 31/10/23</a:t>
+            </a:r>
+            <a:endParaRPr lang="es-UY" sz="1100" dirty="0"/>
+          </a:p>
+        </p:txBody>
+      </p:sp>
+      <p:sp>
+        <p:nvSpPr>
+          <p:cNvPr id="88" name="CuadroTexto 87">
+            <a:extLst>
+              <a:ext uri="{FF2B5EF4-FFF2-40B4-BE49-F238E27FC236}">
+                <a16:creationId xmlns:a16="http://schemas.microsoft.com/office/drawing/2014/main" id="{85DC5980-BE8B-D863-CCD9-B265AAD98CCF}"/>
+              </a:ext>
+            </a:extLst>
+          </p:cNvPr>
+          <p:cNvSpPr txBox="1"/>
+          <p:nvPr/>
+        </p:nvSpPr>
+        <p:spPr>
+          <a:xfrm>
+            <a:off x="1920753" y="3141374"/>
+            <a:ext cx="916603" cy="430887"/>
+          </a:xfrm>
+          <a:prstGeom prst="rect">
+            <a:avLst/>
+          </a:prstGeom>
+          <a:noFill/>
+        </p:spPr>
+        <p:txBody>
+          <a:bodyPr wrap="square">
+            <a:spAutoFit/>
+          </a:bodyPr>
+          <a:lstStyle/>
+          <a:p>
+            <a:r>
+              <a:rPr lang="es-UY" sz="1100" dirty="0">
+                <a:latin typeface="Posterama" panose="020B0504020200020000" pitchFamily="34" charset="0"/>
+                <a:cs typeface="Posterama" panose="020B0504020200020000" pitchFamily="34" charset="0"/>
+              </a:rPr>
+              <a:t>01/10/23 a 31/10/23</a:t>
+            </a:r>
+            <a:endParaRPr lang="es-UY" sz="1100" dirty="0"/>
+          </a:p>
+        </p:txBody>
+      </p:sp>
+      <p:sp>
+        <p:nvSpPr>
+          <p:cNvPr id="89" name="CuadroTexto 88">
+            <a:extLst>
+              <a:ext uri="{FF2B5EF4-FFF2-40B4-BE49-F238E27FC236}">
+                <a16:creationId xmlns:a16="http://schemas.microsoft.com/office/drawing/2014/main" id="{F09033CD-58F6-1ED7-6AE5-E4A4EE0B01CE}"/>
+              </a:ext>
+            </a:extLst>
+          </p:cNvPr>
+          <p:cNvSpPr txBox="1"/>
+          <p:nvPr/>
+        </p:nvSpPr>
+        <p:spPr>
+          <a:xfrm>
+            <a:off x="1920753" y="3540957"/>
+            <a:ext cx="916603" cy="430887"/>
+          </a:xfrm>
+          <a:prstGeom prst="rect">
+            <a:avLst/>
+          </a:prstGeom>
+          <a:noFill/>
+        </p:spPr>
+        <p:txBody>
+          <a:bodyPr wrap="square">
+            <a:spAutoFit/>
+          </a:bodyPr>
+          <a:lstStyle/>
+          <a:p>
+            <a:r>
+              <a:rPr lang="es-UY" sz="1100" dirty="0">
+                <a:latin typeface="Posterama" panose="020B0504020200020000" pitchFamily="34" charset="0"/>
+                <a:cs typeface="Posterama" panose="020B0504020200020000" pitchFamily="34" charset="0"/>
+              </a:rPr>
+              <a:t>01/09/23 a 30/09/23</a:t>
+            </a:r>
+            <a:endParaRPr lang="es-UY" sz="1100" dirty="0"/>
+          </a:p>
+        </p:txBody>
+      </p:sp>
+      <p:pic>
+        <p:nvPicPr>
+          <p:cNvPr id="2" name="Gráfico 1" descr="Marca de insignia1 con relleno sólido">
+            <a:extLst>
+              <a:ext uri="{FF2B5EF4-FFF2-40B4-BE49-F238E27FC236}">
+                <a16:creationId xmlns:a16="http://schemas.microsoft.com/office/drawing/2014/main" id="{9E1E25C0-F50A-55E2-EAEF-B5C1508784C9}"/>
+              </a:ext>
+            </a:extLst>
+          </p:cNvPr>
+          <p:cNvPicPr>
+            <a:picLocks noChangeAspect="1"/>
+          </p:cNvPicPr>
+          <p:nvPr/>
+        </p:nvPicPr>
+        <p:blipFill>
+          <a:blip r:embed="rId13">
+            <a:extLst>
+              <a:ext uri="{28A0092B-C50C-407E-A947-70E740481C1C}">
+                <a14:useLocalDpi xmlns:a14="http://schemas.microsoft.com/office/drawing/2010/main" val="0"/>
+              </a:ext>
+              <a:ext uri="{96DAC541-7B7A-43D3-8B79-37D633B846F1}">
+                <asvg:svgBlip xmlns:asvg="http://schemas.microsoft.com/office/drawing/2016/SVG/main" r:embed="rId14"/>
+              </a:ext>
+            </a:extLst>
+          </a:blip>
+          <a:stretch>
+            <a:fillRect/>
+          </a:stretch>
+        </p:blipFill>
+        <p:spPr>
+          <a:xfrm>
+            <a:off x="9879583" y="1220017"/>
+            <a:ext cx="418900" cy="418900"/>
+          </a:xfrm>
+          <a:prstGeom prst="rect">
+            <a:avLst/>
+          </a:prstGeom>
+        </p:spPr>
+      </p:pic>
+    </p:spTree>
+    <p:extLst>
+      <p:ext uri="{BB962C8B-B14F-4D97-AF65-F5344CB8AC3E}">
+        <p14:creationId xmlns:p14="http://schemas.microsoft.com/office/powerpoint/2010/main" val="185228725"/>
+      </p:ext>
+    </p:extLst>
+  </p:cSld>
+  <p:clrMapOvr>
+    <a:masterClrMapping/>
+  </p:clrMapOvr>
+</p:sld>
+</file>
+
+<file path=ppt/slides/slide8.xml><?xml version="1.0" encoding="utf-8"?>
+<p:sld xmlns:a="http://schemas.openxmlformats.org/drawingml/2006/main" xmlns:r="http://schemas.openxmlformats.org/officeDocument/2006/relationships" xmlns:p="http://schemas.openxmlformats.org/presentationml/2006/main">
+  <p:cSld>
+    <p:spTree>
+      <p:nvGrpSpPr>
+        <p:cNvPr id="1" name=""/>
+        <p:cNvGrpSpPr/>
+        <p:nvPr/>
+      </p:nvGrpSpPr>
+      <p:grpSpPr>
+        <a:xfrm>
+          <a:off x="0" y="0"/>
+          <a:ext cx="0" cy="0"/>
+          <a:chOff x="0" y="0"/>
+          <a:chExt cx="0" cy="0"/>
+        </a:xfrm>
+      </p:grpSpPr>
+      <p:sp>
+        <p:nvSpPr>
+          <p:cNvPr id="2" name="Rectángulo: esquinas redondeadas 1">
+            <a:extLst>
+              <a:ext uri="{FF2B5EF4-FFF2-40B4-BE49-F238E27FC236}">
+                <a16:creationId xmlns:a16="http://schemas.microsoft.com/office/drawing/2014/main" id="{C0B25F3D-EAAC-E394-D386-A9578E8AC0F5}"/>
               </a:ext>
             </a:extLst>
           </p:cNvPr>
@@ -24067,27 +24253,18 @@
         </p:nvSpPr>
         <p:spPr>
           <a:xfrm>
-            <a:off x="2819583" y="3561897"/>
-            <a:ext cx="806588" cy="329825"/>
+            <a:off x="178023" y="398174"/>
+            <a:ext cx="3704734" cy="5486400"/>
           </a:xfrm>
           <a:prstGeom prst="roundRect">
             <a:avLst>
-              <a:gd name="adj" fmla="val 16215"/>
+              <a:gd name="adj" fmla="val 8931"/>
             </a:avLst>
           </a:prstGeom>
           <a:solidFill>
-            <a:srgbClr val="557C55"/>
+            <a:schemeClr val="bg1"/>
           </a:solidFill>
-          <a:ln>
-            <a:noFill/>
-          </a:ln>
-          <a:effectLst>
-            <a:outerShdw blurRad="50800" dist="38100" dir="2700000" algn="tl" rotWithShape="0">
-              <a:prstClr val="black">
-                <a:alpha val="40000"/>
-              </a:prstClr>
-            </a:outerShdw>
-          </a:effectLst>
+          <a:ln w="76200"/>
         </p:spPr>
         <p:style>
           <a:lnRef idx="2">
@@ -24110,252 +24287,6 @@
           <a:lstStyle/>
           <a:p>
             <a:pPr algn="ctr"/>
-            <a:r>
-              <a:rPr lang="es-UY" sz="1100" dirty="0">
-                <a:solidFill>
-                  <a:schemeClr val="bg1"/>
-                </a:solidFill>
-                <a:latin typeface="Posterama" panose="020B0504020200020000" pitchFamily="34" charset="0"/>
-                <a:cs typeface="Posterama" panose="020B0504020200020000" pitchFamily="34" charset="0"/>
-              </a:rPr>
-              <a:t>Enviado</a:t>
-            </a:r>
-          </a:p>
-        </p:txBody>
-      </p:sp>
-      <p:sp>
-        <p:nvSpPr>
-          <p:cNvPr id="86" name="CuadroTexto 85">
-            <a:extLst>
-              <a:ext uri="{FF2B5EF4-FFF2-40B4-BE49-F238E27FC236}">
-                <a16:creationId xmlns:a16="http://schemas.microsoft.com/office/drawing/2014/main" id="{D0C4BD8A-2891-AA8C-8E92-DF2089B80927}"/>
-              </a:ext>
-            </a:extLst>
-          </p:cNvPr>
-          <p:cNvSpPr txBox="1"/>
-          <p:nvPr/>
-        </p:nvSpPr>
-        <p:spPr>
-          <a:xfrm>
-            <a:off x="1909125" y="2540251"/>
-            <a:ext cx="901263" cy="261610"/>
-          </a:xfrm>
-          <a:prstGeom prst="rect">
-            <a:avLst/>
-          </a:prstGeom>
-          <a:noFill/>
-        </p:spPr>
-        <p:txBody>
-          <a:bodyPr wrap="square" rtlCol="0">
-            <a:spAutoFit/>
-          </a:bodyPr>
-          <a:lstStyle/>
-          <a:p>
-            <a:r>
-              <a:rPr lang="es-UY" sz="1100" b="1" dirty="0">
-                <a:latin typeface="Posterama" panose="020B0504020200020000" pitchFamily="34" charset="0"/>
-                <a:cs typeface="Posterama" panose="020B0504020200020000" pitchFamily="34" charset="0"/>
-              </a:rPr>
-              <a:t>Inicio-Fin</a:t>
-            </a:r>
-          </a:p>
-        </p:txBody>
-      </p:sp>
-      <p:sp>
-        <p:nvSpPr>
-          <p:cNvPr id="87" name="CuadroTexto 86">
-            <a:extLst>
-              <a:ext uri="{FF2B5EF4-FFF2-40B4-BE49-F238E27FC236}">
-                <a16:creationId xmlns:a16="http://schemas.microsoft.com/office/drawing/2014/main" id="{7C78D9FA-EEF2-5D1A-A367-94F99C54EF6F}"/>
-              </a:ext>
-            </a:extLst>
-          </p:cNvPr>
-          <p:cNvSpPr txBox="1"/>
-          <p:nvPr/>
-        </p:nvSpPr>
-        <p:spPr>
-          <a:xfrm>
-            <a:off x="1938747" y="2740959"/>
-            <a:ext cx="916603" cy="430887"/>
-          </a:xfrm>
-          <a:prstGeom prst="rect">
-            <a:avLst/>
-          </a:prstGeom>
-          <a:noFill/>
-        </p:spPr>
-        <p:txBody>
-          <a:bodyPr wrap="square">
-            <a:spAutoFit/>
-          </a:bodyPr>
-          <a:lstStyle/>
-          <a:p>
-            <a:r>
-              <a:rPr lang="es-UY" sz="1100" dirty="0">
-                <a:latin typeface="Posterama" panose="020B0504020200020000" pitchFamily="34" charset="0"/>
-                <a:cs typeface="Posterama" panose="020B0504020200020000" pitchFamily="34" charset="0"/>
-              </a:rPr>
-              <a:t>01/10/23 a 31/10/23</a:t>
-            </a:r>
-            <a:endParaRPr lang="es-UY" sz="1100" dirty="0"/>
-          </a:p>
-        </p:txBody>
-      </p:sp>
-      <p:sp>
-        <p:nvSpPr>
-          <p:cNvPr id="88" name="CuadroTexto 87">
-            <a:extLst>
-              <a:ext uri="{FF2B5EF4-FFF2-40B4-BE49-F238E27FC236}">
-                <a16:creationId xmlns:a16="http://schemas.microsoft.com/office/drawing/2014/main" id="{85DC5980-BE8B-D863-CCD9-B265AAD98CCF}"/>
-              </a:ext>
-            </a:extLst>
-          </p:cNvPr>
-          <p:cNvSpPr txBox="1"/>
-          <p:nvPr/>
-        </p:nvSpPr>
-        <p:spPr>
-          <a:xfrm>
-            <a:off x="1920753" y="3141374"/>
-            <a:ext cx="916603" cy="430887"/>
-          </a:xfrm>
-          <a:prstGeom prst="rect">
-            <a:avLst/>
-          </a:prstGeom>
-          <a:noFill/>
-        </p:spPr>
-        <p:txBody>
-          <a:bodyPr wrap="square">
-            <a:spAutoFit/>
-          </a:bodyPr>
-          <a:lstStyle/>
-          <a:p>
-            <a:r>
-              <a:rPr lang="es-UY" sz="1100" dirty="0">
-                <a:latin typeface="Posterama" panose="020B0504020200020000" pitchFamily="34" charset="0"/>
-                <a:cs typeface="Posterama" panose="020B0504020200020000" pitchFamily="34" charset="0"/>
-              </a:rPr>
-              <a:t>01/10/23 a 31/10/23</a:t>
-            </a:r>
-            <a:endParaRPr lang="es-UY" sz="1100" dirty="0"/>
-          </a:p>
-        </p:txBody>
-      </p:sp>
-      <p:sp>
-        <p:nvSpPr>
-          <p:cNvPr id="89" name="CuadroTexto 88">
-            <a:extLst>
-              <a:ext uri="{FF2B5EF4-FFF2-40B4-BE49-F238E27FC236}">
-                <a16:creationId xmlns:a16="http://schemas.microsoft.com/office/drawing/2014/main" id="{F09033CD-58F6-1ED7-6AE5-E4A4EE0B01CE}"/>
-              </a:ext>
-            </a:extLst>
-          </p:cNvPr>
-          <p:cNvSpPr txBox="1"/>
-          <p:nvPr/>
-        </p:nvSpPr>
-        <p:spPr>
-          <a:xfrm>
-            <a:off x="1920753" y="3540957"/>
-            <a:ext cx="916603" cy="430887"/>
-          </a:xfrm>
-          <a:prstGeom prst="rect">
-            <a:avLst/>
-          </a:prstGeom>
-          <a:noFill/>
-        </p:spPr>
-        <p:txBody>
-          <a:bodyPr wrap="square">
-            <a:spAutoFit/>
-          </a:bodyPr>
-          <a:lstStyle/>
-          <a:p>
-            <a:r>
-              <a:rPr lang="es-UY" sz="1100" dirty="0">
-                <a:latin typeface="Posterama" panose="020B0504020200020000" pitchFamily="34" charset="0"/>
-                <a:cs typeface="Posterama" panose="020B0504020200020000" pitchFamily="34" charset="0"/>
-              </a:rPr>
-              <a:t>01/09/23 a 30/09/23</a:t>
-            </a:r>
-            <a:endParaRPr lang="es-UY" sz="1100" dirty="0"/>
-          </a:p>
-        </p:txBody>
-      </p:sp>
-    </p:spTree>
-    <p:extLst>
-      <p:ext uri="{BB962C8B-B14F-4D97-AF65-F5344CB8AC3E}">
-        <p14:creationId xmlns:p14="http://schemas.microsoft.com/office/powerpoint/2010/main" val="185228725"/>
-      </p:ext>
-    </p:extLst>
-  </p:cSld>
-  <p:clrMapOvr>
-    <a:masterClrMapping/>
-  </p:clrMapOvr>
-</p:sld>
-</file>
-
-<file path=ppt/slides/slide9.xml><?xml version="1.0" encoding="utf-8"?>
-<p:sld xmlns:a="http://schemas.openxmlformats.org/drawingml/2006/main" xmlns:r="http://schemas.openxmlformats.org/officeDocument/2006/relationships" xmlns:p="http://schemas.openxmlformats.org/presentationml/2006/main">
-  <p:cSld>
-    <p:spTree>
-      <p:nvGrpSpPr>
-        <p:cNvPr id="1" name=""/>
-        <p:cNvGrpSpPr/>
-        <p:nvPr/>
-      </p:nvGrpSpPr>
-      <p:grpSpPr>
-        <a:xfrm>
-          <a:off x="0" y="0"/>
-          <a:ext cx="0" cy="0"/>
-          <a:chOff x="0" y="0"/>
-          <a:chExt cx="0" cy="0"/>
-        </a:xfrm>
-      </p:grpSpPr>
-      <p:sp>
-        <p:nvSpPr>
-          <p:cNvPr id="2" name="Rectángulo: esquinas redondeadas 1">
-            <a:extLst>
-              <a:ext uri="{FF2B5EF4-FFF2-40B4-BE49-F238E27FC236}">
-                <a16:creationId xmlns:a16="http://schemas.microsoft.com/office/drawing/2014/main" id="{C0B25F3D-EAAC-E394-D386-A9578E8AC0F5}"/>
-              </a:ext>
-            </a:extLst>
-          </p:cNvPr>
-          <p:cNvSpPr/>
-          <p:nvPr/>
-        </p:nvSpPr>
-        <p:spPr>
-          <a:xfrm>
-            <a:off x="178023" y="398174"/>
-            <a:ext cx="3704734" cy="5486400"/>
-          </a:xfrm>
-          <a:prstGeom prst="roundRect">
-            <a:avLst>
-              <a:gd name="adj" fmla="val 8931"/>
-            </a:avLst>
-          </a:prstGeom>
-          <a:solidFill>
-            <a:schemeClr val="bg1"/>
-          </a:solidFill>
-          <a:ln w="76200"/>
-        </p:spPr>
-        <p:style>
-          <a:lnRef idx="2">
-            <a:schemeClr val="accent1">
-              <a:shade val="15000"/>
-            </a:schemeClr>
-          </a:lnRef>
-          <a:fillRef idx="1">
-            <a:schemeClr val="accent1"/>
-          </a:fillRef>
-          <a:effectRef idx="0">
-            <a:schemeClr val="accent1"/>
-          </a:effectRef>
-          <a:fontRef idx="minor">
-            <a:schemeClr val="lt1"/>
-          </a:fontRef>
-        </p:style>
-        <p:txBody>
-          <a:bodyPr rtlCol="0" anchor="ctr"/>
-          <a:lstStyle/>
-          <a:p>
-            <a:pPr algn="ctr"/>
             <a:endParaRPr lang="es-UY"/>
           </a:p>
         </p:txBody>
@@ -24459,6 +24390,13 @@
           <a:solidFill>
             <a:srgbClr val="D5D5F4"/>
           </a:solidFill>
+          <a:effectLst>
+            <a:outerShdw blurRad="50800" dist="38100" dir="2700000" algn="tl" rotWithShape="0">
+              <a:prstClr val="black">
+                <a:alpha val="40000"/>
+              </a:prstClr>
+            </a:outerShdw>
+          </a:effectLst>
         </p:spPr>
         <p:style>
           <a:lnRef idx="2">

--- a/prototipos.pptx
+++ b/prototipos.pptx
@@ -122,7 +122,7 @@
 <file path=ppt/revisionInfo.xml><?xml version="1.0" encoding="utf-8"?>
 <p1510:revInfo xmlns:a="http://schemas.openxmlformats.org/drawingml/2006/main" xmlns:r="http://schemas.openxmlformats.org/officeDocument/2006/relationships" xmlns:p1510="http://schemas.microsoft.com/office/powerpoint/2015/10/main">
   <p1510:revLst>
-    <p1510:client id="{B8CC3017-52E7-4B02-94ED-C1AE866536DE}" v="150" dt="2023-11-09T11:53:18.216"/>
+    <p1510:client id="{B8CC3017-52E7-4B02-94ED-C1AE866536DE}" v="151" dt="2023-11-12T01:36:21.930"/>
   </p1510:revLst>
 </p1510:revInfo>
 </file>
@@ -132,7 +132,7 @@
   <pc:docChgLst>
     <pc:chgData name="Sofi Fernández" userId="5dcd86d9bf03d87f" providerId="LiveId" clId="{B8CC3017-52E7-4B02-94ED-C1AE866536DE}"/>
     <pc:docChg chg="undo redo custSel addSld delSld modSld sldOrd">
-      <pc:chgData name="Sofi Fernández" userId="5dcd86d9bf03d87f" providerId="LiveId" clId="{B8CC3017-52E7-4B02-94ED-C1AE866536DE}" dt="2023-11-09T11:55:19.742" v="2631" actId="1076"/>
+      <pc:chgData name="Sofi Fernández" userId="5dcd86d9bf03d87f" providerId="LiveId" clId="{B8CC3017-52E7-4B02-94ED-C1AE866536DE}" dt="2023-11-12T01:36:21.930" v="2635"/>
       <pc:docMkLst>
         <pc:docMk/>
       </pc:docMkLst>
@@ -3564,7 +3564,7 @@
         </pc:cxnChg>
       </pc:sldChg>
       <pc:sldChg chg="addSp delSp modSp new mod setBg">
-        <pc:chgData name="Sofi Fernández" userId="5dcd86d9bf03d87f" providerId="LiveId" clId="{B8CC3017-52E7-4B02-94ED-C1AE866536DE}" dt="2023-11-07T13:50:01.743" v="1374" actId="14734"/>
+        <pc:chgData name="Sofi Fernández" userId="5dcd86d9bf03d87f" providerId="LiveId" clId="{B8CC3017-52E7-4B02-94ED-C1AE866536DE}" dt="2023-11-12T01:36:21.930" v="2635"/>
         <pc:sldMkLst>
           <pc:docMk/>
           <pc:sldMk cId="1466720539" sldId="261"/>
@@ -3681,6 +3681,14 @@
             <ac:spMk id="36" creationId="{3ECA69A1-7536-43AC-85EF-C7106179F5ED}"/>
           </ac:spMkLst>
         </pc:spChg>
+        <pc:graphicFrameChg chg="add mod">
+          <ac:chgData name="Sofi Fernández" userId="5dcd86d9bf03d87f" providerId="LiveId" clId="{B8CC3017-52E7-4B02-94ED-C1AE866536DE}" dt="2023-11-12T01:36:21.930" v="2635"/>
+          <ac:graphicFrameMkLst>
+            <pc:docMk/>
+            <pc:sldMk cId="1466720539" sldId="261"/>
+            <ac:graphicFrameMk id="2" creationId="{928CBB6D-866E-BBE5-67CB-6F98D950AB75}"/>
+          </ac:graphicFrameMkLst>
+        </pc:graphicFrameChg>
         <pc:graphicFrameChg chg="add del mod modGraphic">
           <ac:chgData name="Sofi Fernández" userId="5dcd86d9bf03d87f" providerId="LiveId" clId="{B8CC3017-52E7-4B02-94ED-C1AE866536DE}" dt="2023-11-07T13:37:04.764" v="1266" actId="478"/>
           <ac:graphicFrameMkLst>
@@ -3689,8 +3697,8 @@
             <ac:graphicFrameMk id="2" creationId="{C1CB6DDA-6BC2-9BAA-CD10-A291D616EB9C}"/>
           </ac:graphicFrameMkLst>
         </pc:graphicFrameChg>
-        <pc:graphicFrameChg chg="add mod modGraphic">
-          <ac:chgData name="Sofi Fernández" userId="5dcd86d9bf03d87f" providerId="LiveId" clId="{B8CC3017-52E7-4B02-94ED-C1AE866536DE}" dt="2023-11-07T13:46:22.154" v="1312"/>
+        <pc:graphicFrameChg chg="add del mod modGraphic">
+          <ac:chgData name="Sofi Fernández" userId="5dcd86d9bf03d87f" providerId="LiveId" clId="{B8CC3017-52E7-4B02-94ED-C1AE866536DE}" dt="2023-11-12T01:36:20.599" v="2634" actId="478"/>
           <ac:graphicFrameMkLst>
             <pc:docMk/>
             <pc:sldMk cId="1466720539" sldId="261"/>
@@ -3713,8 +3721,8 @@
             <ac:graphicFrameMk id="6" creationId="{E2D3EB38-24E9-10E0-5982-BD4870289CBA}"/>
           </ac:graphicFrameMkLst>
         </pc:graphicFrameChg>
-        <pc:graphicFrameChg chg="add mod modGraphic">
-          <ac:chgData name="Sofi Fernández" userId="5dcd86d9bf03d87f" providerId="LiveId" clId="{B8CC3017-52E7-4B02-94ED-C1AE866536DE}" dt="2023-11-07T13:50:01.743" v="1374" actId="14734"/>
+        <pc:graphicFrameChg chg="add del mod modGraphic">
+          <ac:chgData name="Sofi Fernández" userId="5dcd86d9bf03d87f" providerId="LiveId" clId="{B8CC3017-52E7-4B02-94ED-C1AE866536DE}" dt="2023-11-12T01:36:20.599" v="2634" actId="478"/>
           <ac:graphicFrameMkLst>
             <pc:docMk/>
             <pc:sldMk cId="1466720539" sldId="261"/>
@@ -4800,7 +4808,7 @@
         </pc:cxnChg>
       </pc:sldChg>
       <pc:sldChg chg="addSp delSp modSp new mod">
-        <pc:chgData name="Sofi Fernández" userId="5dcd86d9bf03d87f" providerId="LiveId" clId="{B8CC3017-52E7-4B02-94ED-C1AE866536DE}" dt="2023-11-09T11:51:48.111" v="2579" actId="207"/>
+        <pc:chgData name="Sofi Fernández" userId="5dcd86d9bf03d87f" providerId="LiveId" clId="{B8CC3017-52E7-4B02-94ED-C1AE866536DE}" dt="2023-11-12T01:24:07.376" v="2633" actId="1076"/>
         <pc:sldMkLst>
           <pc:docMk/>
           <pc:sldMk cId="2194165721" sldId="265"/>
@@ -4846,7 +4854,7 @@
           </ac:spMkLst>
         </pc:spChg>
         <pc:picChg chg="add mod">
-          <ac:chgData name="Sofi Fernández" userId="5dcd86d9bf03d87f" providerId="LiveId" clId="{B8CC3017-52E7-4B02-94ED-C1AE866536DE}" dt="2023-11-09T11:49:06.723" v="2564" actId="1076"/>
+          <ac:chgData name="Sofi Fernández" userId="5dcd86d9bf03d87f" providerId="LiveId" clId="{B8CC3017-52E7-4B02-94ED-C1AE866536DE}" dt="2023-11-12T01:24:07.376" v="2633" actId="1076"/>
           <ac:picMkLst>
             <pc:docMk/>
             <pc:sldMk cId="2194165721" sldId="265"/>
@@ -5008,7 +5016,7 @@
           <a:p>
             <a:fld id="{050BA77E-7AB4-4C04-A3CC-28DE878560B2}" type="datetimeFigureOut">
               <a:rPr lang="es-UY" smtClean="0"/>
-              <a:t>9 Nov. 2023</a:t>
+              <a:t>11 Nov. 2023</a:t>
             </a:fld>
             <a:endParaRPr lang="es-UY"/>
           </a:p>
@@ -5208,7 +5216,7 @@
           <a:p>
             <a:fld id="{050BA77E-7AB4-4C04-A3CC-28DE878560B2}" type="datetimeFigureOut">
               <a:rPr lang="es-UY" smtClean="0"/>
-              <a:t>9 Nov. 2023</a:t>
+              <a:t>11 Nov. 2023</a:t>
             </a:fld>
             <a:endParaRPr lang="es-UY"/>
           </a:p>
@@ -5418,7 +5426,7 @@
           <a:p>
             <a:fld id="{050BA77E-7AB4-4C04-A3CC-28DE878560B2}" type="datetimeFigureOut">
               <a:rPr lang="es-UY" smtClean="0"/>
-              <a:t>9 Nov. 2023</a:t>
+              <a:t>11 Nov. 2023</a:t>
             </a:fld>
             <a:endParaRPr lang="es-UY"/>
           </a:p>
@@ -5618,7 +5626,7 @@
           <a:p>
             <a:fld id="{050BA77E-7AB4-4C04-A3CC-28DE878560B2}" type="datetimeFigureOut">
               <a:rPr lang="es-UY" smtClean="0"/>
-              <a:t>9 Nov. 2023</a:t>
+              <a:t>11 Nov. 2023</a:t>
             </a:fld>
             <a:endParaRPr lang="es-UY"/>
           </a:p>
@@ -5894,7 +5902,7 @@
           <a:p>
             <a:fld id="{050BA77E-7AB4-4C04-A3CC-28DE878560B2}" type="datetimeFigureOut">
               <a:rPr lang="es-UY" smtClean="0"/>
-              <a:t>9 Nov. 2023</a:t>
+              <a:t>11 Nov. 2023</a:t>
             </a:fld>
             <a:endParaRPr lang="es-UY"/>
           </a:p>
@@ -6162,7 +6170,7 @@
           <a:p>
             <a:fld id="{050BA77E-7AB4-4C04-A3CC-28DE878560B2}" type="datetimeFigureOut">
               <a:rPr lang="es-UY" smtClean="0"/>
-              <a:t>9 Nov. 2023</a:t>
+              <a:t>11 Nov. 2023</a:t>
             </a:fld>
             <a:endParaRPr lang="es-UY"/>
           </a:p>
@@ -6577,7 +6585,7 @@
           <a:p>
             <a:fld id="{050BA77E-7AB4-4C04-A3CC-28DE878560B2}" type="datetimeFigureOut">
               <a:rPr lang="es-UY" smtClean="0"/>
-              <a:t>9 Nov. 2023</a:t>
+              <a:t>11 Nov. 2023</a:t>
             </a:fld>
             <a:endParaRPr lang="es-UY"/>
           </a:p>
@@ -6719,7 +6727,7 @@
           <a:p>
             <a:fld id="{050BA77E-7AB4-4C04-A3CC-28DE878560B2}" type="datetimeFigureOut">
               <a:rPr lang="es-UY" smtClean="0"/>
-              <a:t>9 Nov. 2023</a:t>
+              <a:t>11 Nov. 2023</a:t>
             </a:fld>
             <a:endParaRPr lang="es-UY"/>
           </a:p>
@@ -6832,7 +6840,7 @@
           <a:p>
             <a:fld id="{050BA77E-7AB4-4C04-A3CC-28DE878560B2}" type="datetimeFigureOut">
               <a:rPr lang="es-UY" smtClean="0"/>
-              <a:t>9 Nov. 2023</a:t>
+              <a:t>11 Nov. 2023</a:t>
             </a:fld>
             <a:endParaRPr lang="es-UY"/>
           </a:p>
@@ -7145,7 +7153,7 @@
           <a:p>
             <a:fld id="{050BA77E-7AB4-4C04-A3CC-28DE878560B2}" type="datetimeFigureOut">
               <a:rPr lang="es-UY" smtClean="0"/>
-              <a:t>9 Nov. 2023</a:t>
+              <a:t>11 Nov. 2023</a:t>
             </a:fld>
             <a:endParaRPr lang="es-UY"/>
           </a:p>
@@ -7434,7 +7442,7 @@
           <a:p>
             <a:fld id="{050BA77E-7AB4-4C04-A3CC-28DE878560B2}" type="datetimeFigureOut">
               <a:rPr lang="es-UY" smtClean="0"/>
-              <a:t>9 Nov. 2023</a:t>
+              <a:t>11 Nov. 2023</a:t>
             </a:fld>
             <a:endParaRPr lang="es-UY"/>
           </a:p>
@@ -7677,7 +7685,7 @@
           <a:p>
             <a:fld id="{050BA77E-7AB4-4C04-A3CC-28DE878560B2}" type="datetimeFigureOut">
               <a:rPr lang="es-UY" smtClean="0"/>
-              <a:t>9 Nov. 2023</a:t>
+              <a:t>11 Nov. 2023</a:t>
             </a:fld>
             <a:endParaRPr lang="es-UY"/>
           </a:p>
@@ -17440,8 +17448,8 @@
         </p:blipFill>
         <p:spPr>
           <a:xfrm>
-            <a:off x="1968725" y="3317906"/>
-            <a:ext cx="418900" cy="418900"/>
+            <a:off x="1754909" y="3309064"/>
+            <a:ext cx="749127" cy="749127"/>
           </a:xfrm>
           <a:prstGeom prst="rect">
             <a:avLst/>
@@ -18037,124 +18045,129 @@
       </p:sp>
       <p:graphicFrame>
         <p:nvGraphicFramePr>
-          <p:cNvPr id="4" name="Tabla 3">
-            <a:extLst>
-              <a:ext uri="{FF2B5EF4-FFF2-40B4-BE49-F238E27FC236}">
-                <a16:creationId xmlns:a16="http://schemas.microsoft.com/office/drawing/2014/main" id="{295B71A8-AFED-07A4-6CA0-6FB9B4996D88}"/>
+          <p:cNvPr id="2" name="Tabla 1">
+            <a:extLst>
+              <a:ext uri="{FF2B5EF4-FFF2-40B4-BE49-F238E27FC236}">
+                <a16:creationId xmlns:a16="http://schemas.microsoft.com/office/drawing/2014/main" id="{928CBB6D-866E-BBE5-67CB-6F98D950AB75}"/>
               </a:ext>
             </a:extLst>
           </p:cNvPr>
           <p:cNvGraphicFramePr>
             <a:graphicFrameLocks noGrp="1"/>
           </p:cNvGraphicFramePr>
-          <p:nvPr>
-            <p:extLst>
-              <p:ext uri="{D42A27DB-BD31-4B8C-83A1-F6EECF244321}">
-                <p14:modId xmlns:p14="http://schemas.microsoft.com/office/powerpoint/2010/main" val="2447783111"/>
-              </p:ext>
-            </p:extLst>
-          </p:nvPr>
+          <p:nvPr/>
         </p:nvGraphicFramePr>
         <p:xfrm>
-          <a:off x="488792" y="288485"/>
-          <a:ext cx="11061763" cy="2676363"/>
+          <a:off x="2616200" y="2481263"/>
+          <a:ext cx="6959601" cy="1897380"/>
         </p:xfrm>
         <a:graphic>
           <a:graphicData uri="http://schemas.openxmlformats.org/drawingml/2006/table">
             <a:tbl>
-              <a:tblPr firstRow="1" bandRow="1">
-                <a:solidFill>
-                  <a:schemeClr val="bg1"/>
-                </a:solidFill>
+              <a:tblPr>
                 <a:tableStyleId>{5C22544A-7EE6-4342-B048-85BDC9FD1C3A}</a:tableStyleId>
               </a:tblPr>
               <a:tblGrid>
-                <a:gridCol w="1142912">
+                <a:gridCol w="1470171">
                   <a:extLst>
                     <a:ext uri="{9D8B030D-6E8A-4147-A177-3AD203B41FA5}">
-                      <a16:colId xmlns:a16="http://schemas.microsoft.com/office/drawing/2014/main" val="3032844135"/>
+                      <a16:colId xmlns:a16="http://schemas.microsoft.com/office/drawing/2014/main" val="2440333651"/>
                     </a:ext>
                   </a:extLst>
                 </a:gridCol>
-                <a:gridCol w="1111496">
+                <a:gridCol w="1470171">
                   <a:extLst>
                     <a:ext uri="{9D8B030D-6E8A-4147-A177-3AD203B41FA5}">
-                      <a16:colId xmlns:a16="http://schemas.microsoft.com/office/drawing/2014/main" val="503112361"/>
+                      <a16:colId xmlns:a16="http://schemas.microsoft.com/office/drawing/2014/main" val="2667312454"/>
                     </a:ext>
                   </a:extLst>
                 </a:gridCol>
-                <a:gridCol w="1207293">
+                <a:gridCol w="661577">
                   <a:extLst>
                     <a:ext uri="{9D8B030D-6E8A-4147-A177-3AD203B41FA5}">
-                      <a16:colId xmlns:a16="http://schemas.microsoft.com/office/drawing/2014/main" val="4218084573"/>
+                      <a16:colId xmlns:a16="http://schemas.microsoft.com/office/drawing/2014/main" val="4290161478"/>
                     </a:ext>
                   </a:extLst>
                 </a:gridCol>
-                <a:gridCol w="590626">
+                <a:gridCol w="241867">
                   <a:extLst>
                     <a:ext uri="{9D8B030D-6E8A-4147-A177-3AD203B41FA5}">
-                      <a16:colId xmlns:a16="http://schemas.microsoft.com/office/drawing/2014/main" val="3725086588"/>
+                      <a16:colId xmlns:a16="http://schemas.microsoft.com/office/drawing/2014/main" val="3053868136"/>
                     </a:ext>
                   </a:extLst>
                 </a:gridCol>
-                <a:gridCol w="605969">
+                <a:gridCol w="213412">
                   <a:extLst>
                     <a:ext uri="{9D8B030D-6E8A-4147-A177-3AD203B41FA5}">
-                      <a16:colId xmlns:a16="http://schemas.microsoft.com/office/drawing/2014/main" val="3433987409"/>
+                      <a16:colId xmlns:a16="http://schemas.microsoft.com/office/drawing/2014/main" val="3456672688"/>
                     </a:ext>
                   </a:extLst>
                 </a:gridCol>
-                <a:gridCol w="616816">
+                <a:gridCol w="220526">
                   <a:extLst>
                     <a:ext uri="{9D8B030D-6E8A-4147-A177-3AD203B41FA5}">
-                      <a16:colId xmlns:a16="http://schemas.microsoft.com/office/drawing/2014/main" val="3623045919"/>
+                      <a16:colId xmlns:a16="http://schemas.microsoft.com/office/drawing/2014/main" val="1010295323"/>
                     </a:ext>
                   </a:extLst>
                 </a:gridCol>
-                <a:gridCol w="1151381">
+                <a:gridCol w="661577">
                   <a:extLst>
                     <a:ext uri="{9D8B030D-6E8A-4147-A177-3AD203B41FA5}">
-                      <a16:colId xmlns:a16="http://schemas.microsoft.com/office/drawing/2014/main" val="1025646753"/>
+                      <a16:colId xmlns:a16="http://schemas.microsoft.com/office/drawing/2014/main" val="2407998732"/>
                     </a:ext>
                   </a:extLst>
                 </a:gridCol>
-                <a:gridCol w="590626">
+                <a:gridCol w="241867">
                   <a:extLst>
                     <a:ext uri="{9D8B030D-6E8A-4147-A177-3AD203B41FA5}">
-                      <a16:colId xmlns:a16="http://schemas.microsoft.com/office/drawing/2014/main" val="3088505593"/>
+                      <a16:colId xmlns:a16="http://schemas.microsoft.com/office/drawing/2014/main" val="1317050945"/>
                     </a:ext>
                   </a:extLst>
                 </a:gridCol>
-                <a:gridCol w="605969">
+                <a:gridCol w="213412">
                   <a:extLst>
                     <a:ext uri="{9D8B030D-6E8A-4147-A177-3AD203B41FA5}">
-                      <a16:colId xmlns:a16="http://schemas.microsoft.com/office/drawing/2014/main" val="1524872430"/>
+                      <a16:colId xmlns:a16="http://schemas.microsoft.com/office/drawing/2014/main" val="2944485460"/>
                     </a:ext>
                   </a:extLst>
                 </a:gridCol>
-                <a:gridCol w="1311705">
+                <a:gridCol w="220526">
                   <a:extLst>
                     <a:ext uri="{9D8B030D-6E8A-4147-A177-3AD203B41FA5}">
-                      <a16:colId xmlns:a16="http://schemas.microsoft.com/office/drawing/2014/main" val="719256121"/>
+                      <a16:colId xmlns:a16="http://schemas.microsoft.com/office/drawing/2014/main" val="3853970957"/>
                     </a:ext>
                   </a:extLst>
                 </a:gridCol>
-                <a:gridCol w="1076092">
+                <a:gridCol w="661577">
                   <a:extLst>
                     <a:ext uri="{9D8B030D-6E8A-4147-A177-3AD203B41FA5}">
-                      <a16:colId xmlns:a16="http://schemas.microsoft.com/office/drawing/2014/main" val="1457065503"/>
+                      <a16:colId xmlns:a16="http://schemas.microsoft.com/office/drawing/2014/main" val="2100290218"/>
                     </a:ext>
                   </a:extLst>
                 </a:gridCol>
-                <a:gridCol w="1050878">
+                <a:gridCol w="241867">
                   <a:extLst>
                     <a:ext uri="{9D8B030D-6E8A-4147-A177-3AD203B41FA5}">
-                      <a16:colId xmlns:a16="http://schemas.microsoft.com/office/drawing/2014/main" val="2065538520"/>
+                      <a16:colId xmlns:a16="http://schemas.microsoft.com/office/drawing/2014/main" val="2938188571"/>
+                    </a:ext>
+                  </a:extLst>
+                </a:gridCol>
+                <a:gridCol w="213412">
+                  <a:extLst>
+                    <a:ext uri="{9D8B030D-6E8A-4147-A177-3AD203B41FA5}">
+                      <a16:colId xmlns:a16="http://schemas.microsoft.com/office/drawing/2014/main" val="2310357826"/>
+                    </a:ext>
+                  </a:extLst>
+                </a:gridCol>
+                <a:gridCol w="227639">
+                  <a:extLst>
+                    <a:ext uri="{9D8B030D-6E8A-4147-A177-3AD203B41FA5}">
+                      <a16:colId xmlns:a16="http://schemas.microsoft.com/office/drawing/2014/main" val="16418835"/>
                     </a:ext>
                   </a:extLst>
                 </a:gridCol>
               </a:tblGrid>
-              <a:tr h="892121">
+              <a:tr h="232410">
                 <a:tc>
                   <a:txBody>
                     <a:bodyPr/>
@@ -18162,64 +18175,21 @@
                     <a:p>
                       <a:pPr algn="ctr" fontAlgn="b"/>
                       <a:r>
-                        <a:rPr lang="es-UY" sz="1600" b="0" u="none" strike="noStrike" cap="none" spc="0" dirty="0">
-                          <a:solidFill>
-                            <a:schemeClr val="bg1"/>
-                          </a:solidFill>
+                        <a:rPr lang="es-UY" sz="1100" u="none" strike="noStrike">
                           <a:effectLst/>
                         </a:rPr>
-                        <a:t>NOMBRE</a:t>
+                        <a:t> </a:t>
                       </a:r>
-                      <a:endParaRPr lang="es-UY" sz="1600" b="0" i="0" u="none" strike="noStrike" cap="none" spc="0" dirty="0">
+                      <a:endParaRPr lang="es-UY" sz="1100" b="1" i="0" u="none" strike="noStrike">
                         <a:solidFill>
-                          <a:schemeClr val="bg1"/>
+                          <a:srgbClr val="000000"/>
                         </a:solidFill>
                         <a:effectLst/>
                         <a:latin typeface="Calibri" panose="020F0502020204030204" pitchFamily="34" charset="0"/>
                       </a:endParaRPr>
                     </a:p>
                   </a:txBody>
-                  <a:tcPr marL="164116" marR="5260" marT="126243" marB="126243" anchor="ctr">
-                    <a:lnL w="12700" cap="flat" cmpd="sng" algn="ctr">
-                      <a:solidFill>
-                        <a:schemeClr val="tx1"/>
-                      </a:solidFill>
-                      <a:prstDash val="solid"/>
-                      <a:round/>
-                      <a:headEnd type="none" w="med" len="med"/>
-                      <a:tailEnd type="none" w="med" len="med"/>
-                    </a:lnL>
-                    <a:lnR w="12700" cap="flat" cmpd="sng" algn="ctr">
-                      <a:solidFill>
-                        <a:schemeClr val="tx1"/>
-                      </a:solidFill>
-                      <a:prstDash val="solid"/>
-                      <a:round/>
-                      <a:headEnd type="none" w="med" len="med"/>
-                      <a:tailEnd type="none" w="med" len="med"/>
-                    </a:lnR>
-                    <a:lnT w="12700" cap="flat" cmpd="sng" algn="ctr">
-                      <a:solidFill>
-                        <a:schemeClr val="tx1"/>
-                      </a:solidFill>
-                      <a:prstDash val="solid"/>
-                      <a:round/>
-                      <a:headEnd type="none" w="med" len="med"/>
-                      <a:tailEnd type="none" w="med" len="med"/>
-                    </a:lnT>
-                    <a:lnB w="12700" cap="flat" cmpd="sng" algn="ctr">
-                      <a:solidFill>
-                        <a:schemeClr val="tx1"/>
-                      </a:solidFill>
-                      <a:prstDash val="solid"/>
-                      <a:round/>
-                      <a:headEnd type="none" w="med" len="med"/>
-                      <a:tailEnd type="none" w="med" len="med"/>
-                    </a:lnB>
-                    <a:solidFill>
-                      <a:schemeClr val="tx1"/>
-                    </a:solidFill>
-                  </a:tcPr>
+                  <a:tcPr marL="3810" marR="3810" marT="3810" marB="0" anchor="b"/>
                 </a:tc>
                 <a:tc>
                   <a:txBody>
@@ -18228,52 +18198,210 @@
                     <a:p>
                       <a:pPr algn="ctr" fontAlgn="b"/>
                       <a:r>
-                        <a:rPr lang="es-UY" sz="1600" b="0" u="none" strike="noStrike" cap="none" spc="0">
-                          <a:solidFill>
-                            <a:schemeClr val="bg1"/>
-                          </a:solidFill>
+                        <a:rPr lang="es-UY" sz="1100" u="none" strike="noStrike">
                           <a:effectLst/>
                         </a:rPr>
-                        <a:t>OBRA</a:t>
+                        <a:t> </a:t>
                       </a:r>
-                      <a:endParaRPr lang="es-UY" sz="1600" b="0" i="0" u="none" strike="noStrike" cap="none" spc="0">
+                      <a:endParaRPr lang="es-UY" sz="1100" b="1" i="0" u="none" strike="noStrike">
                         <a:solidFill>
-                          <a:schemeClr val="bg1"/>
+                          <a:srgbClr val="000000"/>
                         </a:solidFill>
                         <a:effectLst/>
                         <a:latin typeface="Calibri" panose="020F0502020204030204" pitchFamily="34" charset="0"/>
                       </a:endParaRPr>
                     </a:p>
                   </a:txBody>
-                  <a:tcPr marL="164116" marR="5260" marT="126243" marB="126243" anchor="ctr">
-                    <a:lnL w="12700" cap="flat" cmpd="sng" algn="ctr">
-                      <a:solidFill>
-                        <a:schemeClr val="tx1"/>
-                      </a:solidFill>
-                      <a:prstDash val="solid"/>
-                      <a:round/>
-                      <a:headEnd type="none" w="med" len="med"/>
-                      <a:tailEnd type="none" w="med" len="med"/>
-                    </a:lnL>
-                    <a:lnR w="12700" cmpd="sng">
-                      <a:noFill/>
-                    </a:lnR>
-                    <a:lnT w="12700" cap="flat" cmpd="sng" algn="ctr">
-                      <a:solidFill>
-                        <a:schemeClr val="tx1"/>
-                      </a:solidFill>
-                      <a:prstDash val="solid"/>
-                      <a:round/>
-                      <a:headEnd type="none" w="med" len="med"/>
-                      <a:tailEnd type="none" w="med" len="med"/>
-                    </a:lnT>
-                    <a:lnB w="38100" cmpd="sng">
-                      <a:noFill/>
-                    </a:lnB>
-                    <a:solidFill>
-                      <a:schemeClr val="tx1"/>
-                    </a:solidFill>
-                  </a:tcPr>
+                  <a:tcPr marL="3810" marR="3810" marT="3810" marB="0" anchor="b"/>
+                </a:tc>
+                <a:tc gridSpan="4">
+                  <a:txBody>
+                    <a:bodyPr/>
+                    <a:lstStyle/>
+                    <a:p>
+                      <a:pPr algn="ctr" fontAlgn="b"/>
+                      <a:r>
+                        <a:rPr lang="es-UY" sz="1100" u="none" strike="noStrike">
+                          <a:effectLst/>
+                        </a:rPr>
+                        <a:t>2 Oct 23</a:t>
+                      </a:r>
+                      <a:endParaRPr lang="es-UY" sz="1100" b="1" i="0" u="none" strike="noStrike">
+                        <a:solidFill>
+                          <a:srgbClr val="000000"/>
+                        </a:solidFill>
+                        <a:effectLst/>
+                        <a:latin typeface="Calibri" panose="020F0502020204030204" pitchFamily="34" charset="0"/>
+                      </a:endParaRPr>
+                    </a:p>
+                  </a:txBody>
+                  <a:tcPr marL="3810" marR="3810" marT="3810" marB="0" anchor="b"/>
+                </a:tc>
+                <a:tc hMerge="1">
+                  <a:txBody>
+                    <a:bodyPr/>
+                    <a:lstStyle/>
+                    <a:p>
+                      <a:endParaRPr lang="es-UY"/>
+                    </a:p>
+                  </a:txBody>
+                  <a:tcPr/>
+                </a:tc>
+                <a:tc hMerge="1">
+                  <a:txBody>
+                    <a:bodyPr/>
+                    <a:lstStyle/>
+                    <a:p>
+                      <a:endParaRPr lang="es-UY"/>
+                    </a:p>
+                  </a:txBody>
+                  <a:tcPr/>
+                </a:tc>
+                <a:tc hMerge="1">
+                  <a:txBody>
+                    <a:bodyPr/>
+                    <a:lstStyle/>
+                    <a:p>
+                      <a:endParaRPr lang="es-UY"/>
+                    </a:p>
+                  </a:txBody>
+                  <a:tcPr/>
+                </a:tc>
+                <a:tc gridSpan="4">
+                  <a:txBody>
+                    <a:bodyPr/>
+                    <a:lstStyle/>
+                    <a:p>
+                      <a:pPr algn="ctr" fontAlgn="b"/>
+                      <a:r>
+                        <a:rPr lang="es-UY" sz="1100" u="none" strike="noStrike">
+                          <a:effectLst/>
+                        </a:rPr>
+                        <a:t>3 Oct 23</a:t>
+                      </a:r>
+                      <a:endParaRPr lang="es-UY" sz="1100" b="1" i="0" u="none" strike="noStrike">
+                        <a:solidFill>
+                          <a:srgbClr val="000000"/>
+                        </a:solidFill>
+                        <a:effectLst/>
+                        <a:latin typeface="Calibri" panose="020F0502020204030204" pitchFamily="34" charset="0"/>
+                      </a:endParaRPr>
+                    </a:p>
+                  </a:txBody>
+                  <a:tcPr marL="3810" marR="3810" marT="3810" marB="0" anchor="b"/>
+                </a:tc>
+                <a:tc hMerge="1">
+                  <a:txBody>
+                    <a:bodyPr/>
+                    <a:lstStyle/>
+                    <a:p>
+                      <a:endParaRPr lang="es-UY"/>
+                    </a:p>
+                  </a:txBody>
+                  <a:tcPr/>
+                </a:tc>
+                <a:tc hMerge="1">
+                  <a:txBody>
+                    <a:bodyPr/>
+                    <a:lstStyle/>
+                    <a:p>
+                      <a:endParaRPr lang="es-UY"/>
+                    </a:p>
+                  </a:txBody>
+                  <a:tcPr/>
+                </a:tc>
+                <a:tc hMerge="1">
+                  <a:txBody>
+                    <a:bodyPr/>
+                    <a:lstStyle/>
+                    <a:p>
+                      <a:endParaRPr lang="es-UY"/>
+                    </a:p>
+                  </a:txBody>
+                  <a:tcPr/>
+                </a:tc>
+                <a:tc gridSpan="4">
+                  <a:txBody>
+                    <a:bodyPr/>
+                    <a:lstStyle/>
+                    <a:p>
+                      <a:pPr algn="ctr" fontAlgn="b"/>
+                      <a:r>
+                        <a:rPr lang="es-UY" sz="1100" u="none" strike="noStrike">
+                          <a:effectLst/>
+                        </a:rPr>
+                        <a:t>4 Oct 23</a:t>
+                      </a:r>
+                      <a:endParaRPr lang="es-UY" sz="1100" b="1" i="0" u="none" strike="noStrike">
+                        <a:solidFill>
+                          <a:srgbClr val="000000"/>
+                        </a:solidFill>
+                        <a:effectLst/>
+                        <a:latin typeface="Calibri" panose="020F0502020204030204" pitchFamily="34" charset="0"/>
+                      </a:endParaRPr>
+                    </a:p>
+                  </a:txBody>
+                  <a:tcPr marL="3810" marR="3810" marT="3810" marB="0" anchor="b"/>
+                </a:tc>
+                <a:tc hMerge="1">
+                  <a:txBody>
+                    <a:bodyPr/>
+                    <a:lstStyle/>
+                    <a:p>
+                      <a:endParaRPr lang="es-UY"/>
+                    </a:p>
+                  </a:txBody>
+                  <a:tcPr/>
+                </a:tc>
+                <a:tc hMerge="1">
+                  <a:txBody>
+                    <a:bodyPr/>
+                    <a:lstStyle/>
+                    <a:p>
+                      <a:endParaRPr lang="es-UY"/>
+                    </a:p>
+                  </a:txBody>
+                  <a:tcPr/>
+                </a:tc>
+                <a:tc hMerge="1">
+                  <a:txBody>
+                    <a:bodyPr/>
+                    <a:lstStyle/>
+                    <a:p>
+                      <a:endParaRPr lang="es-UY"/>
+                    </a:p>
+                  </a:txBody>
+                  <a:tcPr/>
+                </a:tc>
+                <a:extLst>
+                  <a:ext uri="{0D108BD9-81ED-4DB2-BD59-A6C34878D82A}">
+                    <a16:rowId xmlns:a16="http://schemas.microsoft.com/office/drawing/2014/main" val="3810801407"/>
+                  </a:ext>
+                </a:extLst>
+              </a:tr>
+              <a:tr h="182880">
+                <a:tc>
+                  <a:txBody>
+                    <a:bodyPr/>
+                    <a:lstStyle/>
+                    <a:p>
+                      <a:pPr algn="ctr" fontAlgn="b"/>
+                      <a:r>
+                        <a:rPr lang="es-UY" sz="1100" u="none" strike="noStrike">
+                          <a:effectLst/>
+                        </a:rPr>
+                        <a:t> </a:t>
+                      </a:r>
+                      <a:endParaRPr lang="es-UY" sz="1100" b="1" i="0" u="none" strike="noStrike">
+                        <a:solidFill>
+                          <a:srgbClr val="000000"/>
+                        </a:solidFill>
+                        <a:effectLst/>
+                        <a:latin typeface="Calibri" panose="020F0502020204030204" pitchFamily="34" charset="0"/>
+                      </a:endParaRPr>
+                    </a:p>
+                  </a:txBody>
+                  <a:tcPr marL="3810" marR="3810" marT="3810" marB="0" anchor="b"/>
                 </a:tc>
                 <a:tc>
                   <a:txBody>
@@ -18282,46 +18410,210 @@
                     <a:p>
                       <a:pPr algn="ctr" fontAlgn="b"/>
                       <a:r>
-                        <a:rPr lang="es-UY" sz="1600" b="0" u="none" strike="noStrike" cap="none" spc="0" dirty="0">
-                          <a:solidFill>
-                            <a:schemeClr val="bg1"/>
-                          </a:solidFill>
+                        <a:rPr lang="es-UY" sz="1100" u="none" strike="noStrike">
                           <a:effectLst/>
                         </a:rPr>
-                        <a:t>1 Nov 23</a:t>
+                        <a:t> </a:t>
                       </a:r>
-                      <a:endParaRPr lang="es-UY" sz="1600" b="0" i="0" u="none" strike="noStrike" cap="none" spc="0" dirty="0">
+                      <a:endParaRPr lang="es-UY" sz="1100" b="1" i="0" u="none" strike="noStrike">
                         <a:solidFill>
-                          <a:schemeClr val="bg1"/>
+                          <a:srgbClr val="000000"/>
                         </a:solidFill>
                         <a:effectLst/>
                         <a:latin typeface="Calibri" panose="020F0502020204030204" pitchFamily="34" charset="0"/>
                       </a:endParaRPr>
                     </a:p>
                   </a:txBody>
-                  <a:tcPr marL="164116" marR="5260" marT="126243" marB="126243" anchor="ctr">
-                    <a:lnL w="12700" cmpd="sng">
-                      <a:noFill/>
-                    </a:lnL>
-                    <a:lnR w="12700" cmpd="sng">
-                      <a:noFill/>
-                    </a:lnR>
-                    <a:lnT w="12700" cap="flat" cmpd="sng" algn="ctr">
-                      <a:solidFill>
-                        <a:schemeClr val="tx1"/>
-                      </a:solidFill>
-                      <a:prstDash val="solid"/>
-                      <a:round/>
-                      <a:headEnd type="none" w="med" len="med"/>
-                      <a:tailEnd type="none" w="med" len="med"/>
-                    </a:lnT>
-                    <a:lnB w="38100" cmpd="sng">
-                      <a:noFill/>
-                    </a:lnB>
-                    <a:solidFill>
-                      <a:schemeClr val="tx1"/>
-                    </a:solidFill>
-                  </a:tcPr>
+                  <a:tcPr marL="3810" marR="3810" marT="3810" marB="0" anchor="b"/>
+                </a:tc>
+                <a:tc gridSpan="4">
+                  <a:txBody>
+                    <a:bodyPr/>
+                    <a:lstStyle/>
+                    <a:p>
+                      <a:pPr algn="ctr" fontAlgn="b"/>
+                      <a:r>
+                        <a:rPr lang="es-UY" sz="1100" u="none" strike="noStrike">
+                          <a:effectLst/>
+                        </a:rPr>
+                        <a:t>Lunes</a:t>
+                      </a:r>
+                      <a:endParaRPr lang="es-UY" sz="1100" b="1" i="0" u="none" strike="noStrike">
+                        <a:solidFill>
+                          <a:srgbClr val="000000"/>
+                        </a:solidFill>
+                        <a:effectLst/>
+                        <a:latin typeface="Calibri" panose="020F0502020204030204" pitchFamily="34" charset="0"/>
+                      </a:endParaRPr>
+                    </a:p>
+                  </a:txBody>
+                  <a:tcPr marL="3810" marR="3810" marT="3810" marB="0" anchor="b"/>
+                </a:tc>
+                <a:tc hMerge="1">
+                  <a:txBody>
+                    <a:bodyPr/>
+                    <a:lstStyle/>
+                    <a:p>
+                      <a:endParaRPr lang="es-UY"/>
+                    </a:p>
+                  </a:txBody>
+                  <a:tcPr/>
+                </a:tc>
+                <a:tc hMerge="1">
+                  <a:txBody>
+                    <a:bodyPr/>
+                    <a:lstStyle/>
+                    <a:p>
+                      <a:endParaRPr lang="es-UY"/>
+                    </a:p>
+                  </a:txBody>
+                  <a:tcPr/>
+                </a:tc>
+                <a:tc hMerge="1">
+                  <a:txBody>
+                    <a:bodyPr/>
+                    <a:lstStyle/>
+                    <a:p>
+                      <a:endParaRPr lang="es-UY"/>
+                    </a:p>
+                  </a:txBody>
+                  <a:tcPr/>
+                </a:tc>
+                <a:tc gridSpan="4">
+                  <a:txBody>
+                    <a:bodyPr/>
+                    <a:lstStyle/>
+                    <a:p>
+                      <a:pPr algn="ctr" fontAlgn="b"/>
+                      <a:r>
+                        <a:rPr lang="es-UY" sz="1100" u="none" strike="noStrike">
+                          <a:effectLst/>
+                        </a:rPr>
+                        <a:t>Martes</a:t>
+                      </a:r>
+                      <a:endParaRPr lang="es-UY" sz="1100" b="1" i="0" u="none" strike="noStrike">
+                        <a:solidFill>
+                          <a:srgbClr val="000000"/>
+                        </a:solidFill>
+                        <a:effectLst/>
+                        <a:latin typeface="Calibri" panose="020F0502020204030204" pitchFamily="34" charset="0"/>
+                      </a:endParaRPr>
+                    </a:p>
+                  </a:txBody>
+                  <a:tcPr marL="3810" marR="3810" marT="3810" marB="0" anchor="b"/>
+                </a:tc>
+                <a:tc hMerge="1">
+                  <a:txBody>
+                    <a:bodyPr/>
+                    <a:lstStyle/>
+                    <a:p>
+                      <a:endParaRPr lang="es-UY"/>
+                    </a:p>
+                  </a:txBody>
+                  <a:tcPr/>
+                </a:tc>
+                <a:tc hMerge="1">
+                  <a:txBody>
+                    <a:bodyPr/>
+                    <a:lstStyle/>
+                    <a:p>
+                      <a:endParaRPr lang="es-UY"/>
+                    </a:p>
+                  </a:txBody>
+                  <a:tcPr/>
+                </a:tc>
+                <a:tc hMerge="1">
+                  <a:txBody>
+                    <a:bodyPr/>
+                    <a:lstStyle/>
+                    <a:p>
+                      <a:endParaRPr lang="es-UY"/>
+                    </a:p>
+                  </a:txBody>
+                  <a:tcPr/>
+                </a:tc>
+                <a:tc gridSpan="4">
+                  <a:txBody>
+                    <a:bodyPr/>
+                    <a:lstStyle/>
+                    <a:p>
+                      <a:pPr algn="ctr" fontAlgn="b"/>
+                      <a:r>
+                        <a:rPr lang="es-UY" sz="1100" u="none" strike="noStrike">
+                          <a:effectLst/>
+                        </a:rPr>
+                        <a:t>Miércoles</a:t>
+                      </a:r>
+                      <a:endParaRPr lang="es-UY" sz="1100" b="1" i="0" u="none" strike="noStrike">
+                        <a:solidFill>
+                          <a:srgbClr val="000000"/>
+                        </a:solidFill>
+                        <a:effectLst/>
+                        <a:latin typeface="Calibri" panose="020F0502020204030204" pitchFamily="34" charset="0"/>
+                      </a:endParaRPr>
+                    </a:p>
+                  </a:txBody>
+                  <a:tcPr marL="3810" marR="3810" marT="3810" marB="0" anchor="b"/>
+                </a:tc>
+                <a:tc hMerge="1">
+                  <a:txBody>
+                    <a:bodyPr/>
+                    <a:lstStyle/>
+                    <a:p>
+                      <a:endParaRPr lang="es-UY"/>
+                    </a:p>
+                  </a:txBody>
+                  <a:tcPr/>
+                </a:tc>
+                <a:tc hMerge="1">
+                  <a:txBody>
+                    <a:bodyPr/>
+                    <a:lstStyle/>
+                    <a:p>
+                      <a:endParaRPr lang="es-UY"/>
+                    </a:p>
+                  </a:txBody>
+                  <a:tcPr/>
+                </a:tc>
+                <a:tc hMerge="1">
+                  <a:txBody>
+                    <a:bodyPr/>
+                    <a:lstStyle/>
+                    <a:p>
+                      <a:endParaRPr lang="es-UY"/>
+                    </a:p>
+                  </a:txBody>
+                  <a:tcPr/>
+                </a:tc>
+                <a:extLst>
+                  <a:ext uri="{0D108BD9-81ED-4DB2-BD59-A6C34878D82A}">
+                    <a16:rowId xmlns:a16="http://schemas.microsoft.com/office/drawing/2014/main" val="776879203"/>
+                  </a:ext>
+                </a:extLst>
+              </a:tr>
+              <a:tr h="285750">
+                <a:tc>
+                  <a:txBody>
+                    <a:bodyPr/>
+                    <a:lstStyle/>
+                    <a:p>
+                      <a:pPr algn="ctr" fontAlgn="b"/>
+                      <a:r>
+                        <a:rPr lang="es-UY" sz="1100" u="none" strike="noStrike">
+                          <a:effectLst/>
+                        </a:rPr>
+                        <a:t>Apellido</a:t>
+                      </a:r>
+                      <a:endParaRPr lang="es-UY" sz="1100" b="1" i="0" u="none" strike="noStrike">
+                        <a:solidFill>
+                          <a:srgbClr val="000000"/>
+                        </a:solidFill>
+                        <a:effectLst/>
+                        <a:latin typeface="Calibri" panose="020F0502020204030204" pitchFamily="34" charset="0"/>
+                      </a:endParaRPr>
+                    </a:p>
+                  </a:txBody>
+                  <a:tcPr marL="3810" marR="3810" marT="3810" marB="0" anchor="b"/>
                 </a:tc>
                 <a:tc>
                   <a:txBody>
@@ -18330,46 +18622,21 @@
                     <a:p>
                       <a:pPr algn="ctr" fontAlgn="b"/>
                       <a:r>
-                        <a:rPr lang="es-UY" sz="1600" b="0" u="none" strike="noStrike" cap="none" spc="0" dirty="0">
-                          <a:solidFill>
-                            <a:schemeClr val="bg1"/>
-                          </a:solidFill>
+                        <a:rPr lang="es-UY" sz="1100" u="none" strike="noStrike">
                           <a:effectLst/>
                         </a:rPr>
-                        <a:t>LL</a:t>
+                        <a:t>Nombre</a:t>
                       </a:r>
-                      <a:endParaRPr lang="es-UY" sz="1600" b="0" i="0" u="none" strike="noStrike" cap="none" spc="0" dirty="0">
+                      <a:endParaRPr lang="es-UY" sz="1100" b="1" i="0" u="none" strike="noStrike">
                         <a:solidFill>
-                          <a:schemeClr val="bg1"/>
+                          <a:srgbClr val="000000"/>
                         </a:solidFill>
                         <a:effectLst/>
                         <a:latin typeface="Calibri" panose="020F0502020204030204" pitchFamily="34" charset="0"/>
                       </a:endParaRPr>
                     </a:p>
                   </a:txBody>
-                  <a:tcPr marL="164116" marR="5260" marT="126243" marB="126243" anchor="ctr">
-                    <a:lnL w="12700" cmpd="sng">
-                      <a:noFill/>
-                    </a:lnL>
-                    <a:lnR w="12700" cmpd="sng">
-                      <a:noFill/>
-                    </a:lnR>
-                    <a:lnT w="12700" cap="flat" cmpd="sng" algn="ctr">
-                      <a:solidFill>
-                        <a:schemeClr val="tx1"/>
-                      </a:solidFill>
-                      <a:prstDash val="solid"/>
-                      <a:round/>
-                      <a:headEnd type="none" w="med" len="med"/>
-                      <a:tailEnd type="none" w="med" len="med"/>
-                    </a:lnT>
-                    <a:lnB w="38100" cmpd="sng">
-                      <a:noFill/>
-                    </a:lnB>
-                    <a:solidFill>
-                      <a:schemeClr val="tx1"/>
-                    </a:solidFill>
-                  </a:tcPr>
+                  <a:tcPr marL="3810" marR="3810" marT="3810" marB="0" anchor="b"/>
                 </a:tc>
                 <a:tc>
                   <a:txBody>
@@ -18378,46 +18645,21 @@
                     <a:p>
                       <a:pPr algn="ctr" fontAlgn="b"/>
                       <a:r>
-                        <a:rPr lang="es-UY" sz="1600" b="0" u="none" strike="noStrike" cap="none" spc="0">
-                          <a:solidFill>
-                            <a:schemeClr val="bg1"/>
-                          </a:solidFill>
+                        <a:rPr lang="es-UY" sz="1100" u="none" strike="noStrike">
                           <a:effectLst/>
                         </a:rPr>
-                        <a:t>Ex</a:t>
+                        <a:t>Obra</a:t>
                       </a:r>
-                      <a:endParaRPr lang="es-UY" sz="1600" b="0" i="0" u="none" strike="noStrike" cap="none" spc="0">
+                      <a:endParaRPr lang="es-UY" sz="1100" b="1" i="0" u="none" strike="noStrike">
                         <a:solidFill>
-                          <a:schemeClr val="bg1"/>
+                          <a:srgbClr val="000000"/>
                         </a:solidFill>
                         <a:effectLst/>
                         <a:latin typeface="Calibri" panose="020F0502020204030204" pitchFamily="34" charset="0"/>
                       </a:endParaRPr>
                     </a:p>
                   </a:txBody>
-                  <a:tcPr marL="164116" marR="5260" marT="126243" marB="126243" anchor="ctr">
-                    <a:lnL w="12700" cmpd="sng">
-                      <a:noFill/>
-                    </a:lnL>
-                    <a:lnR w="12700" cmpd="sng">
-                      <a:noFill/>
-                    </a:lnR>
-                    <a:lnT w="12700" cap="flat" cmpd="sng" algn="ctr">
-                      <a:solidFill>
-                        <a:schemeClr val="tx1"/>
-                      </a:solidFill>
-                      <a:prstDash val="solid"/>
-                      <a:round/>
-                      <a:headEnd type="none" w="med" len="med"/>
-                      <a:tailEnd type="none" w="med" len="med"/>
-                    </a:lnT>
-                    <a:lnB w="38100" cmpd="sng">
-                      <a:noFill/>
-                    </a:lnB>
-                    <a:solidFill>
-                      <a:schemeClr val="tx1"/>
-                    </a:solidFill>
-                  </a:tcPr>
+                  <a:tcPr marL="3810" marR="3810" marT="3810" marB="0" anchor="b"/>
                 </a:tc>
                 <a:tc>
                   <a:txBody>
@@ -18426,40 +18668,21 @@
                     <a:p>
                       <a:pPr algn="ctr" fontAlgn="b"/>
                       <a:r>
-                        <a:rPr lang="es-UY" sz="1600" b="0" i="0" u="none" strike="noStrike" cap="none" spc="0" dirty="0">
-                          <a:solidFill>
-                            <a:schemeClr val="bg1"/>
-                          </a:solidFill>
+                        <a:rPr lang="es-UY" sz="1100" u="none" strike="noStrike">
                           <a:effectLst/>
-                          <a:latin typeface="Calibri" panose="020F0502020204030204" pitchFamily="34" charset="0"/>
                         </a:rPr>
-                        <a:t>…</a:t>
+                        <a:t>Hs</a:t>
                       </a:r>
+                      <a:endParaRPr lang="es-UY" sz="1100" b="1" i="0" u="none" strike="noStrike">
+                        <a:solidFill>
+                          <a:srgbClr val="000000"/>
+                        </a:solidFill>
+                        <a:effectLst/>
+                        <a:latin typeface="Calibri" panose="020F0502020204030204" pitchFamily="34" charset="0"/>
+                      </a:endParaRPr>
                     </a:p>
                   </a:txBody>
-                  <a:tcPr marL="164116" marR="5260" marT="126243" marB="126243" anchor="ctr">
-                    <a:lnL w="12700" cmpd="sng">
-                      <a:noFill/>
-                    </a:lnL>
-                    <a:lnR w="12700" cmpd="sng">
-                      <a:noFill/>
-                    </a:lnR>
-                    <a:lnT w="12700" cap="flat" cmpd="sng" algn="ctr">
-                      <a:solidFill>
-                        <a:schemeClr val="tx1"/>
-                      </a:solidFill>
-                      <a:prstDash val="solid"/>
-                      <a:round/>
-                      <a:headEnd type="none" w="med" len="med"/>
-                      <a:tailEnd type="none" w="med" len="med"/>
-                    </a:lnT>
-                    <a:lnB w="38100" cmpd="sng">
-                      <a:noFill/>
-                    </a:lnB>
-                    <a:solidFill>
-                      <a:schemeClr val="tx1"/>
-                    </a:solidFill>
-                  </a:tcPr>
+                  <a:tcPr marL="3810" marR="3810" marT="3810" marB="0" anchor="b"/>
                 </a:tc>
                 <a:tc>
                   <a:txBody>
@@ -18468,46 +18691,21 @@
                     <a:p>
                       <a:pPr algn="ctr" fontAlgn="b"/>
                       <a:r>
-                        <a:rPr lang="es-UY" sz="1600" b="0" u="none" strike="noStrike" cap="none" spc="0" dirty="0">
-                          <a:solidFill>
-                            <a:schemeClr val="bg1"/>
-                          </a:solidFill>
+                        <a:rPr lang="es-UY" sz="1100" u="none" strike="noStrike">
                           <a:effectLst/>
                         </a:rPr>
-                        <a:t>30 Nov 23</a:t>
+                        <a:t>H-LL</a:t>
                       </a:r>
-                      <a:endParaRPr lang="es-UY" sz="1600" b="0" i="0" u="none" strike="noStrike" cap="none" spc="0" dirty="0">
+                      <a:endParaRPr lang="es-UY" sz="1100" b="1" i="0" u="none" strike="noStrike">
                         <a:solidFill>
-                          <a:schemeClr val="bg1"/>
+                          <a:srgbClr val="000000"/>
                         </a:solidFill>
                         <a:effectLst/>
                         <a:latin typeface="Calibri" panose="020F0502020204030204" pitchFamily="34" charset="0"/>
                       </a:endParaRPr>
                     </a:p>
                   </a:txBody>
-                  <a:tcPr marL="164116" marR="5260" marT="126243" marB="126243" anchor="ctr">
-                    <a:lnL w="12700" cmpd="sng">
-                      <a:noFill/>
-                    </a:lnL>
-                    <a:lnR w="12700" cmpd="sng">
-                      <a:noFill/>
-                    </a:lnR>
-                    <a:lnT w="12700" cap="flat" cmpd="sng" algn="ctr">
-                      <a:solidFill>
-                        <a:schemeClr val="tx1"/>
-                      </a:solidFill>
-                      <a:prstDash val="solid"/>
-                      <a:round/>
-                      <a:headEnd type="none" w="med" len="med"/>
-                      <a:tailEnd type="none" w="med" len="med"/>
-                    </a:lnT>
-                    <a:lnB w="38100" cmpd="sng">
-                      <a:noFill/>
-                    </a:lnB>
-                    <a:solidFill>
-                      <a:schemeClr val="tx1"/>
-                    </a:solidFill>
-                  </a:tcPr>
+                  <a:tcPr marL="3810" marR="3810" marT="3810" marB="0" anchor="b"/>
                 </a:tc>
                 <a:tc>
                   <a:txBody>
@@ -18516,46 +18714,21 @@
                     <a:p>
                       <a:pPr algn="ctr" fontAlgn="b"/>
                       <a:r>
-                        <a:rPr lang="es-UY" sz="1600" b="0" u="none" strike="noStrike" cap="none" spc="0">
-                          <a:solidFill>
-                            <a:schemeClr val="bg1"/>
-                          </a:solidFill>
+                        <a:rPr lang="es-UY" sz="1100" u="none" strike="noStrike">
                           <a:effectLst/>
                         </a:rPr>
-                        <a:t>LL</a:t>
+                        <a:t>H-Ex</a:t>
                       </a:r>
-                      <a:endParaRPr lang="es-UY" sz="1600" b="0" i="0" u="none" strike="noStrike" cap="none" spc="0">
+                      <a:endParaRPr lang="es-UY" sz="1100" b="1" i="0" u="none" strike="noStrike">
                         <a:solidFill>
-                          <a:schemeClr val="bg1"/>
+                          <a:srgbClr val="000000"/>
                         </a:solidFill>
                         <a:effectLst/>
                         <a:latin typeface="Calibri" panose="020F0502020204030204" pitchFamily="34" charset="0"/>
                       </a:endParaRPr>
                     </a:p>
                   </a:txBody>
-                  <a:tcPr marL="164116" marR="5260" marT="126243" marB="126243" anchor="ctr">
-                    <a:lnL w="12700" cmpd="sng">
-                      <a:noFill/>
-                    </a:lnL>
-                    <a:lnR w="12700" cmpd="sng">
-                      <a:noFill/>
-                    </a:lnR>
-                    <a:lnT w="12700" cap="flat" cmpd="sng" algn="ctr">
-                      <a:solidFill>
-                        <a:schemeClr val="tx1"/>
-                      </a:solidFill>
-                      <a:prstDash val="solid"/>
-                      <a:round/>
-                      <a:headEnd type="none" w="med" len="med"/>
-                      <a:tailEnd type="none" w="med" len="med"/>
-                    </a:lnT>
-                    <a:lnB w="38100" cmpd="sng">
-                      <a:noFill/>
-                    </a:lnB>
-                    <a:solidFill>
-                      <a:schemeClr val="tx1"/>
-                    </a:solidFill>
-                  </a:tcPr>
+                  <a:tcPr marL="3810" marR="3810" marT="3810" marB="0" anchor="b"/>
                 </a:tc>
                 <a:tc>
                   <a:txBody>
@@ -18564,46 +18737,21 @@
                     <a:p>
                       <a:pPr algn="ctr" fontAlgn="b"/>
                       <a:r>
-                        <a:rPr lang="es-UY" sz="1600" b="0" u="none" strike="noStrike" cap="none" spc="0">
-                          <a:solidFill>
-                            <a:schemeClr val="bg1"/>
-                          </a:solidFill>
+                        <a:rPr lang="es-UY" sz="1100" u="none" strike="noStrike">
                           <a:effectLst/>
                         </a:rPr>
-                        <a:t>Ex</a:t>
+                        <a:t>Obra</a:t>
                       </a:r>
-                      <a:endParaRPr lang="es-UY" sz="1600" b="0" i="0" u="none" strike="noStrike" cap="none" spc="0">
+                      <a:endParaRPr lang="es-UY" sz="1100" b="1" i="0" u="none" strike="noStrike">
                         <a:solidFill>
-                          <a:schemeClr val="bg1"/>
+                          <a:srgbClr val="000000"/>
                         </a:solidFill>
                         <a:effectLst/>
                         <a:latin typeface="Calibri" panose="020F0502020204030204" pitchFamily="34" charset="0"/>
                       </a:endParaRPr>
                     </a:p>
                   </a:txBody>
-                  <a:tcPr marL="164116" marR="5260" marT="126243" marB="126243" anchor="ctr">
-                    <a:lnL w="12700" cmpd="sng">
-                      <a:noFill/>
-                    </a:lnL>
-                    <a:lnR w="12700" cmpd="sng">
-                      <a:noFill/>
-                    </a:lnR>
-                    <a:lnT w="12700" cap="flat" cmpd="sng" algn="ctr">
-                      <a:solidFill>
-                        <a:schemeClr val="tx1"/>
-                      </a:solidFill>
-                      <a:prstDash val="solid"/>
-                      <a:round/>
-                      <a:headEnd type="none" w="med" len="med"/>
-                      <a:tailEnd type="none" w="med" len="med"/>
-                    </a:lnT>
-                    <a:lnB w="38100" cmpd="sng">
-                      <a:noFill/>
-                    </a:lnB>
-                    <a:solidFill>
-                      <a:schemeClr val="tx1"/>
-                    </a:solidFill>
-                  </a:tcPr>
+                  <a:tcPr marL="3810" marR="3810" marT="3810" marB="0" anchor="b"/>
                 </a:tc>
                 <a:tc>
                   <a:txBody>
@@ -18612,48 +18760,21 @@
                     <a:p>
                       <a:pPr algn="ctr" fontAlgn="b"/>
                       <a:r>
-                        <a:rPr lang="es-UY" sz="1600" b="0" u="none" strike="noStrike" cap="none" spc="0" dirty="0">
-                          <a:solidFill>
-                            <a:schemeClr val="bg1"/>
-                          </a:solidFill>
+                        <a:rPr lang="es-UY" sz="1100" u="none" strike="noStrike">
                           <a:effectLst/>
                         </a:rPr>
-                        <a:t>Horas comunes</a:t>
+                        <a:t>Hs</a:t>
                       </a:r>
-                      <a:endParaRPr lang="es-UY" sz="1600" b="0" i="0" u="none" strike="noStrike" cap="none" spc="0" dirty="0">
+                      <a:endParaRPr lang="es-UY" sz="1100" b="1" i="0" u="none" strike="noStrike">
                         <a:solidFill>
-                          <a:schemeClr val="bg1"/>
+                          <a:srgbClr val="000000"/>
                         </a:solidFill>
                         <a:effectLst/>
                         <a:latin typeface="Calibri" panose="020F0502020204030204" pitchFamily="34" charset="0"/>
                       </a:endParaRPr>
                     </a:p>
                   </a:txBody>
-                  <a:tcPr marL="164116" marR="5260" marT="126243" marB="126243" anchor="ctr">
-                    <a:lnL w="12700" cmpd="sng">
-                      <a:noFill/>
-                    </a:lnL>
-                    <a:lnR w="12700" cmpd="sng">
-                      <a:noFill/>
-                    </a:lnR>
-                    <a:lnT w="12700" cap="flat" cmpd="sng" algn="ctr">
-                      <a:solidFill>
-                        <a:schemeClr val="tx1"/>
-                      </a:solidFill>
-                      <a:prstDash val="solid"/>
-                      <a:round/>
-                      <a:headEnd type="none" w="med" len="med"/>
-                      <a:tailEnd type="none" w="med" len="med"/>
-                    </a:lnT>
-                    <a:lnB w="38100" cmpd="sng">
-                      <a:noFill/>
-                    </a:lnB>
-                    <a:solidFill>
-                      <a:schemeClr val="accent1">
-                        <a:lumMod val="75000"/>
-                      </a:schemeClr>
-                    </a:solidFill>
-                  </a:tcPr>
+                  <a:tcPr marL="3810" marR="3810" marT="3810" marB="0" anchor="b"/>
                 </a:tc>
                 <a:tc>
                   <a:txBody>
@@ -18662,48 +18783,21 @@
                     <a:p>
                       <a:pPr algn="ctr" fontAlgn="b"/>
                       <a:r>
-                        <a:rPr lang="es-UY" sz="1600" b="0" u="none" strike="noStrike" cap="none" spc="0" dirty="0">
-                          <a:solidFill>
-                            <a:schemeClr val="bg1"/>
-                          </a:solidFill>
+                        <a:rPr lang="es-UY" sz="1100" u="none" strike="noStrike">
                           <a:effectLst/>
                         </a:rPr>
-                        <a:t>Horas lluvia</a:t>
+                        <a:t>H-LL</a:t>
                       </a:r>
-                      <a:endParaRPr lang="es-UY" sz="1600" b="0" i="0" u="none" strike="noStrike" cap="none" spc="0" dirty="0">
+                      <a:endParaRPr lang="es-UY" sz="1100" b="1" i="0" u="none" strike="noStrike">
                         <a:solidFill>
-                          <a:schemeClr val="bg1"/>
+                          <a:srgbClr val="000000"/>
                         </a:solidFill>
                         <a:effectLst/>
                         <a:latin typeface="Calibri" panose="020F0502020204030204" pitchFamily="34" charset="0"/>
                       </a:endParaRPr>
                     </a:p>
                   </a:txBody>
-                  <a:tcPr marL="164116" marR="5260" marT="126243" marB="126243" anchor="ctr">
-                    <a:lnL w="12700" cmpd="sng">
-                      <a:noFill/>
-                    </a:lnL>
-                    <a:lnR w="12700" cmpd="sng">
-                      <a:noFill/>
-                    </a:lnR>
-                    <a:lnT w="12700" cap="flat" cmpd="sng" algn="ctr">
-                      <a:solidFill>
-                        <a:schemeClr val="tx1"/>
-                      </a:solidFill>
-                      <a:prstDash val="solid"/>
-                      <a:round/>
-                      <a:headEnd type="none" w="med" len="med"/>
-                      <a:tailEnd type="none" w="med" len="med"/>
-                    </a:lnT>
-                    <a:lnB w="38100" cmpd="sng">
-                      <a:noFill/>
-                    </a:lnB>
-                    <a:solidFill>
-                      <a:schemeClr val="accent1">
-                        <a:lumMod val="75000"/>
-                      </a:schemeClr>
-                    </a:solidFill>
-                  </a:tcPr>
+                  <a:tcPr marL="3810" marR="3810" marT="3810" marB="0" anchor="b"/>
                 </a:tc>
                 <a:tc>
                   <a:txBody>
@@ -18712,125 +18806,21 @@
                     <a:p>
                       <a:pPr algn="ctr" fontAlgn="b"/>
                       <a:r>
-                        <a:rPr lang="es-UY" sz="1600" b="0" u="none" strike="noStrike" cap="none" spc="0" dirty="0">
-                          <a:solidFill>
-                            <a:schemeClr val="bg1"/>
-                          </a:solidFill>
+                        <a:rPr lang="es-UY" sz="1100" u="none" strike="noStrike">
                           <a:effectLst/>
                         </a:rPr>
-                        <a:t>Horas extra</a:t>
+                        <a:t>H-Ex</a:t>
                       </a:r>
-                      <a:endParaRPr lang="es-UY" sz="1600" b="0" i="0" u="none" strike="noStrike" cap="none" spc="0" dirty="0">
+                      <a:endParaRPr lang="es-UY" sz="1100" b="1" i="0" u="none" strike="noStrike">
                         <a:solidFill>
-                          <a:schemeClr val="bg1"/>
+                          <a:srgbClr val="000000"/>
                         </a:solidFill>
                         <a:effectLst/>
                         <a:latin typeface="Calibri" panose="020F0502020204030204" pitchFamily="34" charset="0"/>
                       </a:endParaRPr>
                     </a:p>
                   </a:txBody>
-                  <a:tcPr marL="164116" marR="5260" marT="126243" marB="126243" anchor="ctr">
-                    <a:lnL w="12700" cmpd="sng">
-                      <a:noFill/>
-                    </a:lnL>
-                    <a:lnR w="12700" cap="flat" cmpd="sng" algn="ctr">
-                      <a:solidFill>
-                        <a:schemeClr val="tx1"/>
-                      </a:solidFill>
-                      <a:prstDash val="solid"/>
-                      <a:round/>
-                      <a:headEnd type="none" w="med" len="med"/>
-                      <a:tailEnd type="none" w="med" len="med"/>
-                    </a:lnR>
-                    <a:lnT w="12700" cap="flat" cmpd="sng" algn="ctr">
-                      <a:solidFill>
-                        <a:schemeClr val="tx1"/>
-                      </a:solidFill>
-                      <a:prstDash val="solid"/>
-                      <a:round/>
-                      <a:headEnd type="none" w="med" len="med"/>
-                      <a:tailEnd type="none" w="med" len="med"/>
-                    </a:lnT>
-                    <a:lnB w="38100" cmpd="sng">
-                      <a:noFill/>
-                    </a:lnB>
-                    <a:solidFill>
-                      <a:schemeClr val="accent1">
-                        <a:lumMod val="75000"/>
-                      </a:schemeClr>
-                    </a:solidFill>
-                  </a:tcPr>
-                </a:tc>
-                <a:extLst>
-                  <a:ext uri="{0D108BD9-81ED-4DB2-BD59-A6C34878D82A}">
-                    <a16:rowId xmlns:a16="http://schemas.microsoft.com/office/drawing/2014/main" val="3171790978"/>
-                  </a:ext>
-                </a:extLst>
-              </a:tr>
-              <a:tr h="892121">
-                <a:tc>
-                  <a:txBody>
-                    <a:bodyPr/>
-                    <a:lstStyle/>
-                    <a:p>
-                      <a:pPr algn="ctr" fontAlgn="b"/>
-                      <a:r>
-                        <a:rPr lang="es-UY" sz="1600" u="none" strike="noStrike" cap="none" spc="0">
-                          <a:solidFill>
-                            <a:schemeClr val="tx1"/>
-                          </a:solidFill>
-                          <a:effectLst/>
-                        </a:rPr>
-                        <a:t>Juan Perez</a:t>
-                      </a:r>
-                      <a:endParaRPr lang="es-UY" sz="1600" b="0" i="0" u="none" strike="noStrike" cap="none" spc="0">
-                        <a:solidFill>
-                          <a:schemeClr val="tx1"/>
-                        </a:solidFill>
-                        <a:effectLst/>
-                        <a:latin typeface="Calibri" panose="020F0502020204030204" pitchFamily="34" charset="0"/>
-                      </a:endParaRPr>
-                    </a:p>
-                  </a:txBody>
-                  <a:tcPr marL="164116" marR="5260" marT="126243" marB="126243" anchor="b">
-                    <a:lnL w="12700" cap="flat" cmpd="sng" algn="ctr">
-                      <a:solidFill>
-                        <a:schemeClr val="tx1"/>
-                      </a:solidFill>
-                      <a:prstDash val="solid"/>
-                      <a:round/>
-                      <a:headEnd type="none" w="med" len="med"/>
-                      <a:tailEnd type="none" w="med" len="med"/>
-                    </a:lnL>
-                    <a:lnR w="6350" cap="flat" cmpd="sng" algn="ctr">
-                      <a:solidFill>
-                        <a:schemeClr val="tx1">
-                          <a:lumMod val="50000"/>
-                          <a:lumOff val="50000"/>
-                        </a:schemeClr>
-                      </a:solidFill>
-                      <a:prstDash val="solid"/>
-                    </a:lnR>
-                    <a:lnT w="12700" cap="flat" cmpd="sng" algn="ctr">
-                      <a:solidFill>
-                        <a:schemeClr val="tx1"/>
-                      </a:solidFill>
-                      <a:prstDash val="solid"/>
-                      <a:round/>
-                      <a:headEnd type="none" w="med" len="med"/>
-                      <a:tailEnd type="none" w="med" len="med"/>
-                    </a:lnT>
-                    <a:lnB w="6350" cap="flat" cmpd="sng" algn="ctr">
-                      <a:solidFill>
-                        <a:schemeClr val="tx1">
-                          <a:lumMod val="50000"/>
-                          <a:lumOff val="50000"/>
-                        </a:schemeClr>
-                      </a:solidFill>
-                      <a:prstDash val="solid"/>
-                    </a:lnB>
-                    <a:noFill/>
-                  </a:tcPr>
+                  <a:tcPr marL="3810" marR="3810" marT="3810" marB="0" anchor="b"/>
                 </a:tc>
                 <a:tc>
                   <a:txBody>
@@ -18839,56 +18829,21 @@
                     <a:p>
                       <a:pPr algn="ctr" fontAlgn="b"/>
                       <a:r>
-                        <a:rPr lang="es-UY" sz="1600" u="none" strike="noStrike" cap="none" spc="0">
-                          <a:solidFill>
-                            <a:schemeClr val="tx1"/>
-                          </a:solidFill>
+                        <a:rPr lang="es-UY" sz="1100" u="none" strike="noStrike">
                           <a:effectLst/>
                         </a:rPr>
-                        <a:t>Sarubi</a:t>
+                        <a:t>Obra</a:t>
                       </a:r>
-                      <a:endParaRPr lang="es-UY" sz="1600" b="0" i="0" u="none" strike="noStrike" cap="none" spc="0">
+                      <a:endParaRPr lang="es-UY" sz="1100" b="1" i="0" u="none" strike="noStrike">
                         <a:solidFill>
-                          <a:schemeClr val="tx1"/>
+                          <a:srgbClr val="000000"/>
                         </a:solidFill>
                         <a:effectLst/>
                         <a:latin typeface="Calibri" panose="020F0502020204030204" pitchFamily="34" charset="0"/>
                       </a:endParaRPr>
                     </a:p>
                   </a:txBody>
-                  <a:tcPr marL="164116" marR="5260" marT="126243" marB="126243" anchor="b">
-                    <a:lnL w="6350" cap="flat" cmpd="sng" algn="ctr">
-                      <a:solidFill>
-                        <a:schemeClr val="tx1">
-                          <a:lumMod val="50000"/>
-                          <a:lumOff val="50000"/>
-                        </a:schemeClr>
-                      </a:solidFill>
-                      <a:prstDash val="solid"/>
-                    </a:lnL>
-                    <a:lnR w="6350" cap="flat" cmpd="sng" algn="ctr">
-                      <a:solidFill>
-                        <a:schemeClr val="tx1">
-                          <a:lumMod val="50000"/>
-                          <a:lumOff val="50000"/>
-                        </a:schemeClr>
-                      </a:solidFill>
-                      <a:prstDash val="solid"/>
-                    </a:lnR>
-                    <a:lnT w="38100" cmpd="sng">
-                      <a:noFill/>
-                    </a:lnT>
-                    <a:lnB w="6350" cap="flat" cmpd="sng" algn="ctr">
-                      <a:solidFill>
-                        <a:schemeClr val="tx1">
-                          <a:lumMod val="50000"/>
-                          <a:lumOff val="50000"/>
-                        </a:schemeClr>
-                      </a:solidFill>
-                      <a:prstDash val="solid"/>
-                    </a:lnB>
-                    <a:noFill/>
-                  </a:tcPr>
+                  <a:tcPr marL="3810" marR="3810" marT="3810" marB="0" anchor="b"/>
                 </a:tc>
                 <a:tc>
                   <a:txBody>
@@ -18897,56 +18852,21 @@
                     <a:p>
                       <a:pPr algn="ctr" fontAlgn="b"/>
                       <a:r>
-                        <a:rPr lang="es-UY" sz="1600" u="none" strike="noStrike" cap="none" spc="0">
-                          <a:solidFill>
-                            <a:schemeClr val="tx1"/>
-                          </a:solidFill>
+                        <a:rPr lang="es-UY" sz="1100" u="none" strike="noStrike">
                           <a:effectLst/>
                         </a:rPr>
-                        <a:t>8</a:t>
+                        <a:t>Hs</a:t>
                       </a:r>
-                      <a:endParaRPr lang="es-UY" sz="1600" b="0" i="0" u="none" strike="noStrike" cap="none" spc="0">
+                      <a:endParaRPr lang="es-UY" sz="1100" b="1" i="0" u="none" strike="noStrike">
                         <a:solidFill>
-                          <a:schemeClr val="tx1"/>
+                          <a:srgbClr val="000000"/>
                         </a:solidFill>
                         <a:effectLst/>
                         <a:latin typeface="Calibri" panose="020F0502020204030204" pitchFamily="34" charset="0"/>
                       </a:endParaRPr>
                     </a:p>
                   </a:txBody>
-                  <a:tcPr marL="164116" marR="5260" marT="126243" marB="126243" anchor="b">
-                    <a:lnL w="6350" cap="flat" cmpd="sng" algn="ctr">
-                      <a:solidFill>
-                        <a:schemeClr val="tx1">
-                          <a:lumMod val="50000"/>
-                          <a:lumOff val="50000"/>
-                        </a:schemeClr>
-                      </a:solidFill>
-                      <a:prstDash val="solid"/>
-                    </a:lnL>
-                    <a:lnR w="6350" cap="flat" cmpd="sng" algn="ctr">
-                      <a:solidFill>
-                        <a:schemeClr val="tx1">
-                          <a:lumMod val="50000"/>
-                          <a:lumOff val="50000"/>
-                        </a:schemeClr>
-                      </a:solidFill>
-                      <a:prstDash val="solid"/>
-                    </a:lnR>
-                    <a:lnT w="38100" cmpd="sng">
-                      <a:noFill/>
-                    </a:lnT>
-                    <a:lnB w="6350" cap="flat" cmpd="sng" algn="ctr">
-                      <a:solidFill>
-                        <a:schemeClr val="tx1">
-                          <a:lumMod val="50000"/>
-                          <a:lumOff val="50000"/>
-                        </a:schemeClr>
-                      </a:solidFill>
-                      <a:prstDash val="solid"/>
-                    </a:lnB>
-                    <a:noFill/>
-                  </a:tcPr>
+                  <a:tcPr marL="3810" marR="3810" marT="3810" marB="0" anchor="b"/>
                 </a:tc>
                 <a:tc>
                   <a:txBody>
@@ -18955,56 +18875,21 @@
                     <a:p>
                       <a:pPr algn="ctr" fontAlgn="b"/>
                       <a:r>
-                        <a:rPr lang="es-UY" sz="1600" u="none" strike="noStrike" cap="none" spc="0">
-                          <a:solidFill>
-                            <a:schemeClr val="tx1"/>
-                          </a:solidFill>
+                        <a:rPr lang="es-UY" sz="1100" u="none" strike="noStrike">
                           <a:effectLst/>
                         </a:rPr>
-                        <a:t>0</a:t>
+                        <a:t>H-LL</a:t>
                       </a:r>
-                      <a:endParaRPr lang="es-UY" sz="1600" b="0" i="0" u="none" strike="noStrike" cap="none" spc="0">
+                      <a:endParaRPr lang="es-UY" sz="1100" b="1" i="0" u="none" strike="noStrike">
                         <a:solidFill>
-                          <a:schemeClr val="tx1"/>
+                          <a:srgbClr val="000000"/>
                         </a:solidFill>
                         <a:effectLst/>
                         <a:latin typeface="Calibri" panose="020F0502020204030204" pitchFamily="34" charset="0"/>
                       </a:endParaRPr>
                     </a:p>
                   </a:txBody>
-                  <a:tcPr marL="164116" marR="5260" marT="126243" marB="126243" anchor="b">
-                    <a:lnL w="6350" cap="flat" cmpd="sng" algn="ctr">
-                      <a:solidFill>
-                        <a:schemeClr val="tx1">
-                          <a:lumMod val="50000"/>
-                          <a:lumOff val="50000"/>
-                        </a:schemeClr>
-                      </a:solidFill>
-                      <a:prstDash val="solid"/>
-                    </a:lnL>
-                    <a:lnR w="6350" cap="flat" cmpd="sng" algn="ctr">
-                      <a:solidFill>
-                        <a:schemeClr val="tx1">
-                          <a:lumMod val="50000"/>
-                          <a:lumOff val="50000"/>
-                        </a:schemeClr>
-                      </a:solidFill>
-                      <a:prstDash val="solid"/>
-                    </a:lnR>
-                    <a:lnT w="38100" cmpd="sng">
-                      <a:noFill/>
-                    </a:lnT>
-                    <a:lnB w="6350" cap="flat" cmpd="sng" algn="ctr">
-                      <a:solidFill>
-                        <a:schemeClr val="tx1">
-                          <a:lumMod val="50000"/>
-                          <a:lumOff val="50000"/>
-                        </a:schemeClr>
-                      </a:solidFill>
-                      <a:prstDash val="solid"/>
-                    </a:lnB>
-                    <a:noFill/>
-                  </a:tcPr>
+                  <a:tcPr marL="3810" marR="3810" marT="3810" marB="0" anchor="b"/>
                 </a:tc>
                 <a:tc>
                   <a:txBody>
@@ -19013,105 +18898,51 @@
                     <a:p>
                       <a:pPr algn="ctr" fontAlgn="b"/>
                       <a:r>
-                        <a:rPr lang="es-UY" sz="1600" u="none" strike="noStrike" cap="none" spc="0">
-                          <a:solidFill>
-                            <a:schemeClr val="tx1"/>
-                          </a:solidFill>
+                        <a:rPr lang="es-UY" sz="1100" u="none" strike="noStrike">
                           <a:effectLst/>
                         </a:rPr>
-                        <a:t>0</a:t>
+                        <a:t>H-Ex</a:t>
                       </a:r>
-                      <a:endParaRPr lang="es-UY" sz="1600" b="0" i="0" u="none" strike="noStrike" cap="none" spc="0">
+                      <a:endParaRPr lang="es-UY" sz="1100" b="1" i="0" u="none" strike="noStrike">
                         <a:solidFill>
-                          <a:schemeClr val="tx1"/>
+                          <a:srgbClr val="000000"/>
                         </a:solidFill>
                         <a:effectLst/>
                         <a:latin typeface="Calibri" panose="020F0502020204030204" pitchFamily="34" charset="0"/>
                       </a:endParaRPr>
                     </a:p>
                   </a:txBody>
-                  <a:tcPr marL="164116" marR="5260" marT="126243" marB="126243" anchor="b">
-                    <a:lnL w="6350" cap="flat" cmpd="sng" algn="ctr">
-                      <a:solidFill>
-                        <a:schemeClr val="tx1">
-                          <a:lumMod val="50000"/>
-                          <a:lumOff val="50000"/>
-                        </a:schemeClr>
-                      </a:solidFill>
-                      <a:prstDash val="solid"/>
-                    </a:lnL>
-                    <a:lnR w="6350" cap="flat" cmpd="sng" algn="ctr">
-                      <a:solidFill>
-                        <a:schemeClr val="tx1">
-                          <a:lumMod val="50000"/>
-                          <a:lumOff val="50000"/>
-                        </a:schemeClr>
-                      </a:solidFill>
-                      <a:prstDash val="solid"/>
-                    </a:lnR>
-                    <a:lnT w="38100" cmpd="sng">
-                      <a:noFill/>
-                    </a:lnT>
-                    <a:lnB w="6350" cap="flat" cmpd="sng" algn="ctr">
-                      <a:solidFill>
-                        <a:schemeClr val="tx1">
-                          <a:lumMod val="50000"/>
-                          <a:lumOff val="50000"/>
-                        </a:schemeClr>
-                      </a:solidFill>
-                      <a:prstDash val="solid"/>
-                    </a:lnB>
-                    <a:noFill/>
-                  </a:tcPr>
+                  <a:tcPr marL="3810" marR="3810" marT="3810" marB="0" anchor="b"/>
                 </a:tc>
+                <a:extLst>
+                  <a:ext uri="{0D108BD9-81ED-4DB2-BD59-A6C34878D82A}">
+                    <a16:rowId xmlns:a16="http://schemas.microsoft.com/office/drawing/2014/main" val="34744981"/>
+                  </a:ext>
+                </a:extLst>
+              </a:tr>
+              <a:tr h="285750">
                 <a:tc>
                   <a:txBody>
                     <a:bodyPr/>
                     <a:lstStyle/>
                     <a:p>
                       <a:pPr algn="ctr" fontAlgn="b"/>
-                      <a:endParaRPr lang="es-UY" sz="1600" b="0" i="0" u="none" strike="noStrike" cap="none" spc="0">
+                      <a:r>
+                        <a:rPr lang="es-UY" sz="1100" u="none" strike="noStrike">
+                          <a:effectLst/>
+                        </a:rPr>
+                        <a:t> </a:t>
+                      </a:r>
+                      <a:endParaRPr lang="es-UY" sz="1100" b="0" i="0" u="none" strike="noStrike">
                         <a:solidFill>
-                          <a:schemeClr val="tx1"/>
+                          <a:srgbClr val="000000"/>
                         </a:solidFill>
                         <a:effectLst/>
                         <a:latin typeface="Calibri" panose="020F0502020204030204" pitchFamily="34" charset="0"/>
                       </a:endParaRPr>
                     </a:p>
                   </a:txBody>
-                  <a:tcPr marL="164116" marR="5260" marT="126243" marB="126243" anchor="b">
-                    <a:lnL w="6350" cap="flat" cmpd="sng" algn="ctr">
-                      <a:solidFill>
-                        <a:schemeClr val="tx1">
-                          <a:lumMod val="50000"/>
-                          <a:lumOff val="50000"/>
-                        </a:schemeClr>
-                      </a:solidFill>
-                      <a:prstDash val="solid"/>
-                    </a:lnL>
-                    <a:lnR w="6350" cap="flat" cmpd="sng" algn="ctr">
-                      <a:solidFill>
-                        <a:schemeClr val="tx1">
-                          <a:lumMod val="50000"/>
-                          <a:lumOff val="50000"/>
-                        </a:schemeClr>
-                      </a:solidFill>
-                      <a:prstDash val="solid"/>
-                    </a:lnR>
-                    <a:lnT w="38100" cmpd="sng">
-                      <a:noFill/>
-                    </a:lnT>
-                    <a:lnB w="6350" cap="flat" cmpd="sng" algn="ctr">
-                      <a:solidFill>
-                        <a:schemeClr val="tx1">
-                          <a:lumMod val="50000"/>
-                          <a:lumOff val="50000"/>
-                        </a:schemeClr>
-                      </a:solidFill>
-                      <a:prstDash val="solid"/>
-                    </a:lnB>
-                    <a:noFill/>
-                  </a:tcPr>
+                  <a:tcPr marL="3810" marR="3810" marT="3810" marB="0" anchor="b"/>
                 </a:tc>
                 <a:tc>
                   <a:txBody>
@@ -19120,56 +18951,21 @@
                     <a:p>
                       <a:pPr algn="ctr" fontAlgn="b"/>
                       <a:r>
-                        <a:rPr lang="es-UY" sz="1600" u="none" strike="noStrike" cap="none" spc="0">
-                          <a:solidFill>
-                            <a:schemeClr val="tx1"/>
-                          </a:solidFill>
+                        <a:rPr lang="es-UY" sz="1100" u="none" strike="noStrike">
                           <a:effectLst/>
                         </a:rPr>
-                        <a:t>8</a:t>
+                        <a:t> </a:t>
                       </a:r>
-                      <a:endParaRPr lang="es-UY" sz="1600" b="0" i="0" u="none" strike="noStrike" cap="none" spc="0">
+                      <a:endParaRPr lang="es-UY" sz="1100" b="0" i="0" u="none" strike="noStrike">
                         <a:solidFill>
-                          <a:schemeClr val="tx1"/>
+                          <a:srgbClr val="000000"/>
                         </a:solidFill>
                         <a:effectLst/>
                         <a:latin typeface="Calibri" panose="020F0502020204030204" pitchFamily="34" charset="0"/>
                       </a:endParaRPr>
                     </a:p>
                   </a:txBody>
-                  <a:tcPr marL="164116" marR="5260" marT="126243" marB="126243" anchor="b">
-                    <a:lnL w="6350" cap="flat" cmpd="sng" algn="ctr">
-                      <a:solidFill>
-                        <a:schemeClr val="tx1">
-                          <a:lumMod val="50000"/>
-                          <a:lumOff val="50000"/>
-                        </a:schemeClr>
-                      </a:solidFill>
-                      <a:prstDash val="solid"/>
-                    </a:lnL>
-                    <a:lnR w="6350" cap="flat" cmpd="sng" algn="ctr">
-                      <a:solidFill>
-                        <a:schemeClr val="tx1">
-                          <a:lumMod val="50000"/>
-                          <a:lumOff val="50000"/>
-                        </a:schemeClr>
-                      </a:solidFill>
-                      <a:prstDash val="solid"/>
-                    </a:lnR>
-                    <a:lnT w="38100" cmpd="sng">
-                      <a:noFill/>
-                    </a:lnT>
-                    <a:lnB w="6350" cap="flat" cmpd="sng" algn="ctr">
-                      <a:solidFill>
-                        <a:schemeClr val="tx1">
-                          <a:lumMod val="50000"/>
-                          <a:lumOff val="50000"/>
-                        </a:schemeClr>
-                      </a:solidFill>
-                      <a:prstDash val="solid"/>
-                    </a:lnB>
-                    <a:noFill/>
-                  </a:tcPr>
+                  <a:tcPr marL="3810" marR="3810" marT="3810" marB="0" anchor="b"/>
                 </a:tc>
                 <a:tc>
                   <a:txBody>
@@ -19178,56 +18974,21 @@
                     <a:p>
                       <a:pPr algn="ctr" fontAlgn="b"/>
                       <a:r>
-                        <a:rPr lang="es-UY" sz="1600" u="none" strike="noStrike" cap="none" spc="0">
-                          <a:solidFill>
-                            <a:schemeClr val="tx1"/>
-                          </a:solidFill>
+                        <a:rPr lang="es-UY" sz="1100" u="none" strike="noStrike">
                           <a:effectLst/>
                         </a:rPr>
-                        <a:t>0</a:t>
+                        <a:t> </a:t>
                       </a:r>
-                      <a:endParaRPr lang="es-UY" sz="1600" b="0" i="0" u="none" strike="noStrike" cap="none" spc="0">
+                      <a:endParaRPr lang="es-UY" sz="1100" b="0" i="0" u="none" strike="noStrike">
                         <a:solidFill>
-                          <a:schemeClr val="tx1"/>
+                          <a:srgbClr val="000000"/>
                         </a:solidFill>
                         <a:effectLst/>
                         <a:latin typeface="Calibri" panose="020F0502020204030204" pitchFamily="34" charset="0"/>
                       </a:endParaRPr>
                     </a:p>
                   </a:txBody>
-                  <a:tcPr marL="164116" marR="5260" marT="126243" marB="126243" anchor="b">
-                    <a:lnL w="6350" cap="flat" cmpd="sng" algn="ctr">
-                      <a:solidFill>
-                        <a:schemeClr val="tx1">
-                          <a:lumMod val="50000"/>
-                          <a:lumOff val="50000"/>
-                        </a:schemeClr>
-                      </a:solidFill>
-                      <a:prstDash val="solid"/>
-                    </a:lnL>
-                    <a:lnR w="6350" cap="flat" cmpd="sng" algn="ctr">
-                      <a:solidFill>
-                        <a:schemeClr val="tx1">
-                          <a:lumMod val="50000"/>
-                          <a:lumOff val="50000"/>
-                        </a:schemeClr>
-                      </a:solidFill>
-                      <a:prstDash val="solid"/>
-                    </a:lnR>
-                    <a:lnT w="38100" cmpd="sng">
-                      <a:noFill/>
-                    </a:lnT>
-                    <a:lnB w="6350" cap="flat" cmpd="sng" algn="ctr">
-                      <a:solidFill>
-                        <a:schemeClr val="tx1">
-                          <a:lumMod val="50000"/>
-                          <a:lumOff val="50000"/>
-                        </a:schemeClr>
-                      </a:solidFill>
-                      <a:prstDash val="solid"/>
-                    </a:lnB>
-                    <a:noFill/>
-                  </a:tcPr>
+                  <a:tcPr marL="3810" marR="3810" marT="3810" marB="0" anchor="b"/>
                 </a:tc>
                 <a:tc>
                   <a:txBody>
@@ -19236,278 +18997,21 @@
                     <a:p>
                       <a:pPr algn="ctr" fontAlgn="b"/>
                       <a:r>
-                        <a:rPr lang="es-UY" sz="1600" u="none" strike="noStrike" cap="none" spc="0">
-                          <a:solidFill>
-                            <a:schemeClr val="tx1"/>
-                          </a:solidFill>
+                        <a:rPr lang="es-UY" sz="1100" u="none" strike="noStrike">
                           <a:effectLst/>
                         </a:rPr>
-                        <a:t>0</a:t>
+                        <a:t> </a:t>
                       </a:r>
-                      <a:endParaRPr lang="es-UY" sz="1600" b="0" i="0" u="none" strike="noStrike" cap="none" spc="0">
+                      <a:endParaRPr lang="es-UY" sz="1100" b="0" i="0" u="none" strike="noStrike">
                         <a:solidFill>
-                          <a:schemeClr val="tx1"/>
+                          <a:srgbClr val="000000"/>
                         </a:solidFill>
                         <a:effectLst/>
                         <a:latin typeface="Calibri" panose="020F0502020204030204" pitchFamily="34" charset="0"/>
                       </a:endParaRPr>
                     </a:p>
                   </a:txBody>
-                  <a:tcPr marL="164116" marR="5260" marT="126243" marB="126243" anchor="b">
-                    <a:lnL w="6350" cap="flat" cmpd="sng" algn="ctr">
-                      <a:solidFill>
-                        <a:schemeClr val="tx1">
-                          <a:lumMod val="50000"/>
-                          <a:lumOff val="50000"/>
-                        </a:schemeClr>
-                      </a:solidFill>
-                      <a:prstDash val="solid"/>
-                    </a:lnL>
-                    <a:lnR w="6350" cap="flat" cmpd="sng" algn="ctr">
-                      <a:solidFill>
-                        <a:schemeClr val="tx1">
-                          <a:lumMod val="50000"/>
-                          <a:lumOff val="50000"/>
-                        </a:schemeClr>
-                      </a:solidFill>
-                      <a:prstDash val="solid"/>
-                    </a:lnR>
-                    <a:lnT w="38100" cmpd="sng">
-                      <a:noFill/>
-                    </a:lnT>
-                    <a:lnB w="6350" cap="flat" cmpd="sng" algn="ctr">
-                      <a:solidFill>
-                        <a:schemeClr val="tx1">
-                          <a:lumMod val="50000"/>
-                          <a:lumOff val="50000"/>
-                        </a:schemeClr>
-                      </a:solidFill>
-                      <a:prstDash val="solid"/>
-                    </a:lnB>
-                    <a:noFill/>
-                  </a:tcPr>
-                </a:tc>
-                <a:tc>
-                  <a:txBody>
-                    <a:bodyPr/>
-                    <a:lstStyle/>
-                    <a:p>
-                      <a:pPr algn="ctr" fontAlgn="b"/>
-                      <a:endParaRPr lang="es-UY" sz="1600" b="0" i="0" u="none" strike="noStrike" cap="none" spc="0">
-                        <a:solidFill>
-                          <a:schemeClr val="tx1"/>
-                        </a:solidFill>
-                        <a:effectLst/>
-                        <a:latin typeface="Calibri" panose="020F0502020204030204" pitchFamily="34" charset="0"/>
-                      </a:endParaRPr>
-                    </a:p>
-                  </a:txBody>
-                  <a:tcPr marL="164116" marR="5260" marT="126243" marB="126243" anchor="b">
-                    <a:lnL w="6350" cap="flat" cmpd="sng" algn="ctr">
-                      <a:solidFill>
-                        <a:schemeClr val="tx1">
-                          <a:lumMod val="50000"/>
-                          <a:lumOff val="50000"/>
-                        </a:schemeClr>
-                      </a:solidFill>
-                      <a:prstDash val="solid"/>
-                    </a:lnL>
-                    <a:lnR w="6350" cap="flat" cmpd="sng" algn="ctr">
-                      <a:solidFill>
-                        <a:schemeClr val="tx1">
-                          <a:lumMod val="50000"/>
-                          <a:lumOff val="50000"/>
-                        </a:schemeClr>
-                      </a:solidFill>
-                      <a:prstDash val="solid"/>
-                    </a:lnR>
-                    <a:lnT w="38100" cmpd="sng">
-                      <a:noFill/>
-                    </a:lnT>
-                    <a:lnB w="6350" cap="flat" cmpd="sng" algn="ctr">
-                      <a:solidFill>
-                        <a:schemeClr val="tx1">
-                          <a:lumMod val="50000"/>
-                          <a:lumOff val="50000"/>
-                        </a:schemeClr>
-                      </a:solidFill>
-                      <a:prstDash val="solid"/>
-                    </a:lnB>
-                    <a:noFill/>
-                  </a:tcPr>
-                </a:tc>
-                <a:tc>
-                  <a:txBody>
-                    <a:bodyPr/>
-                    <a:lstStyle/>
-                    <a:p>
-                      <a:pPr algn="ctr" fontAlgn="b"/>
-                      <a:endParaRPr lang="es-UY" sz="1600" b="0" i="0" u="none" strike="noStrike" cap="none" spc="0">
-                        <a:solidFill>
-                          <a:schemeClr val="tx1"/>
-                        </a:solidFill>
-                        <a:effectLst/>
-                        <a:latin typeface="Calibri" panose="020F0502020204030204" pitchFamily="34" charset="0"/>
-                      </a:endParaRPr>
-                    </a:p>
-                  </a:txBody>
-                  <a:tcPr marL="164116" marR="5260" marT="126243" marB="126243" anchor="b">
-                    <a:lnL w="6350" cap="flat" cmpd="sng" algn="ctr">
-                      <a:solidFill>
-                        <a:schemeClr val="tx1">
-                          <a:lumMod val="50000"/>
-                          <a:lumOff val="50000"/>
-                        </a:schemeClr>
-                      </a:solidFill>
-                      <a:prstDash val="solid"/>
-                    </a:lnL>
-                    <a:lnR w="6350" cap="flat" cmpd="sng" algn="ctr">
-                      <a:solidFill>
-                        <a:schemeClr val="tx1">
-                          <a:lumMod val="50000"/>
-                          <a:lumOff val="50000"/>
-                        </a:schemeClr>
-                      </a:solidFill>
-                      <a:prstDash val="solid"/>
-                    </a:lnR>
-                    <a:lnT w="38100" cmpd="sng">
-                      <a:noFill/>
-                    </a:lnT>
-                    <a:lnB w="6350" cap="flat" cmpd="sng" algn="ctr">
-                      <a:solidFill>
-                        <a:schemeClr val="tx1">
-                          <a:lumMod val="50000"/>
-                          <a:lumOff val="50000"/>
-                        </a:schemeClr>
-                      </a:solidFill>
-                      <a:prstDash val="solid"/>
-                    </a:lnB>
-                    <a:noFill/>
-                  </a:tcPr>
-                </a:tc>
-                <a:tc>
-                  <a:txBody>
-                    <a:bodyPr/>
-                    <a:lstStyle/>
-                    <a:p>
-                      <a:pPr algn="ctr" fontAlgn="b"/>
-                      <a:endParaRPr lang="es-UY" sz="1600" b="0" i="0" u="none" strike="noStrike" cap="none" spc="0">
-                        <a:solidFill>
-                          <a:schemeClr val="tx1"/>
-                        </a:solidFill>
-                        <a:effectLst/>
-                        <a:latin typeface="Calibri" panose="020F0502020204030204" pitchFamily="34" charset="0"/>
-                      </a:endParaRPr>
-                    </a:p>
-                  </a:txBody>
-                  <a:tcPr marL="164116" marR="5260" marT="126243" marB="126243" anchor="b">
-                    <a:lnL w="6350" cap="flat" cmpd="sng" algn="ctr">
-                      <a:solidFill>
-                        <a:schemeClr val="tx1">
-                          <a:lumMod val="50000"/>
-                          <a:lumOff val="50000"/>
-                        </a:schemeClr>
-                      </a:solidFill>
-                      <a:prstDash val="solid"/>
-                    </a:lnL>
-                    <a:lnR w="12700" cap="flat" cmpd="sng" algn="ctr">
-                      <a:solidFill>
-                        <a:schemeClr val="tx1"/>
-                      </a:solidFill>
-                      <a:prstDash val="solid"/>
-                      <a:round/>
-                      <a:headEnd type="none" w="med" len="med"/>
-                      <a:tailEnd type="none" w="med" len="med"/>
-                    </a:lnR>
-                    <a:lnT w="38100" cmpd="sng">
-                      <a:noFill/>
-                    </a:lnT>
-                    <a:lnB w="6350" cap="flat" cmpd="sng" algn="ctr">
-                      <a:solidFill>
-                        <a:schemeClr val="tx1">
-                          <a:lumMod val="50000"/>
-                          <a:lumOff val="50000"/>
-                        </a:schemeClr>
-                      </a:solidFill>
-                      <a:prstDash val="solid"/>
-                    </a:lnB>
-                    <a:noFill/>
-                  </a:tcPr>
-                </a:tc>
-                <a:extLst>
-                  <a:ext uri="{0D108BD9-81ED-4DB2-BD59-A6C34878D82A}">
-                    <a16:rowId xmlns:a16="http://schemas.microsoft.com/office/drawing/2014/main" val="59093309"/>
-                  </a:ext>
-                </a:extLst>
-              </a:tr>
-              <a:tr h="892121">
-                <a:tc>
-                  <a:txBody>
-                    <a:bodyPr/>
-                    <a:lstStyle/>
-                    <a:p>
-                      <a:pPr algn="ctr" fontAlgn="b"/>
-                      <a:r>
-                        <a:rPr lang="es-UY" sz="1600" u="none" strike="noStrike" cap="none" spc="0">
-                          <a:solidFill>
-                            <a:schemeClr val="tx1"/>
-                          </a:solidFill>
-                          <a:effectLst/>
-                        </a:rPr>
-                        <a:t>Romina Gomez</a:t>
-                      </a:r>
-                      <a:endParaRPr lang="es-UY" sz="1600" b="0" i="0" u="none" strike="noStrike" cap="none" spc="0">
-                        <a:solidFill>
-                          <a:schemeClr val="tx1"/>
-                        </a:solidFill>
-                        <a:effectLst/>
-                        <a:latin typeface="Calibri" panose="020F0502020204030204" pitchFamily="34" charset="0"/>
-                      </a:endParaRPr>
-                    </a:p>
-                  </a:txBody>
-                  <a:tcPr marL="164116" marR="5260" marT="126243" marB="126243" anchor="b">
-                    <a:lnL w="12700" cap="flat" cmpd="sng" algn="ctr">
-                      <a:solidFill>
-                        <a:schemeClr val="tx1"/>
-                      </a:solidFill>
-                      <a:prstDash val="solid"/>
-                      <a:round/>
-                      <a:headEnd type="none" w="med" len="med"/>
-                      <a:tailEnd type="none" w="med" len="med"/>
-                    </a:lnL>
-                    <a:lnR w="6350" cap="flat" cmpd="sng" algn="ctr">
-                      <a:solidFill>
-                        <a:schemeClr val="tx1">
-                          <a:lumMod val="50000"/>
-                          <a:lumOff val="50000"/>
-                        </a:schemeClr>
-                      </a:solidFill>
-                      <a:prstDash val="solid"/>
-                    </a:lnR>
-                    <a:lnT w="6350" cap="flat" cmpd="sng" algn="ctr">
-                      <a:solidFill>
-                        <a:schemeClr val="tx1">
-                          <a:lumMod val="50000"/>
-                          <a:lumOff val="50000"/>
-                        </a:schemeClr>
-                      </a:solidFill>
-                      <a:prstDash val="solid"/>
-                    </a:lnT>
-                    <a:lnB w="12700" cap="flat" cmpd="sng" algn="ctr">
-                      <a:solidFill>
-                        <a:schemeClr val="tx1"/>
-                      </a:solidFill>
-                      <a:prstDash val="solid"/>
-                      <a:round/>
-                      <a:headEnd type="none" w="med" len="med"/>
-                      <a:tailEnd type="none" w="med" len="med"/>
-                    </a:lnB>
-                    <a:solidFill>
-                      <a:schemeClr val="bg1">
-                        <a:lumMod val="85000"/>
-                      </a:schemeClr>
-                    </a:solidFill>
-                  </a:tcPr>
+                  <a:tcPr marL="3810" marR="3810" marT="3810" marB="0" anchor="b"/>
                 </a:tc>
                 <a:tc>
                   <a:txBody>
@@ -19516,66 +19020,21 @@
                     <a:p>
                       <a:pPr algn="ctr" fontAlgn="b"/>
                       <a:r>
-                        <a:rPr lang="es-UY" sz="1600" u="none" strike="noStrike" cap="none" spc="0">
-                          <a:solidFill>
-                            <a:schemeClr val="tx1"/>
-                          </a:solidFill>
+                        <a:rPr lang="es-UY" sz="1100" u="none" strike="noStrike">
                           <a:effectLst/>
                         </a:rPr>
-                        <a:t>Montfrio</a:t>
+                        <a:t> </a:t>
                       </a:r>
-                      <a:endParaRPr lang="es-UY" sz="1600" b="0" i="0" u="none" strike="noStrike" cap="none" spc="0">
+                      <a:endParaRPr lang="es-UY" sz="1100" b="0" i="0" u="none" strike="noStrike">
                         <a:solidFill>
-                          <a:schemeClr val="tx1"/>
+                          <a:srgbClr val="000000"/>
                         </a:solidFill>
                         <a:effectLst/>
                         <a:latin typeface="Calibri" panose="020F0502020204030204" pitchFamily="34" charset="0"/>
                       </a:endParaRPr>
                     </a:p>
                   </a:txBody>
-                  <a:tcPr marL="164116" marR="5260" marT="126243" marB="126243" anchor="b">
-                    <a:lnL w="6350" cap="flat" cmpd="sng" algn="ctr">
-                      <a:solidFill>
-                        <a:schemeClr val="tx1">
-                          <a:lumMod val="50000"/>
-                          <a:lumOff val="50000"/>
-                        </a:schemeClr>
-                      </a:solidFill>
-                      <a:prstDash val="solid"/>
-                    </a:lnL>
-                    <a:lnR w="6350" cap="flat" cmpd="sng" algn="ctr">
-                      <a:solidFill>
-                        <a:schemeClr val="tx1">
-                          <a:lumMod val="50000"/>
-                          <a:lumOff val="50000"/>
-                        </a:schemeClr>
-                      </a:solidFill>
-                      <a:prstDash val="solid"/>
-                    </a:lnR>
-                    <a:lnT w="6350" cap="flat" cmpd="sng" algn="ctr">
-                      <a:solidFill>
-                        <a:schemeClr val="tx1">
-                          <a:lumMod val="50000"/>
-                          <a:lumOff val="50000"/>
-                        </a:schemeClr>
-                      </a:solidFill>
-                      <a:prstDash val="solid"/>
-                    </a:lnT>
-                    <a:lnB w="12700" cap="flat" cmpd="sng" algn="ctr">
-                      <a:solidFill>
-                        <a:schemeClr val="tx1"/>
-                      </a:solidFill>
-                      <a:prstDash val="solid"/>
-                      <a:round/>
-                      <a:headEnd type="none" w="med" len="med"/>
-                      <a:tailEnd type="none" w="med" len="med"/>
-                    </a:lnB>
-                    <a:solidFill>
-                      <a:schemeClr val="bg1">
-                        <a:lumMod val="85000"/>
-                      </a:schemeClr>
-                    </a:solidFill>
-                  </a:tcPr>
+                  <a:tcPr marL="3810" marR="3810" marT="3810" marB="0" anchor="b"/>
                 </a:tc>
                 <a:tc>
                   <a:txBody>
@@ -19584,66 +19043,21 @@
                     <a:p>
                       <a:pPr algn="ctr" fontAlgn="b"/>
                       <a:r>
-                        <a:rPr lang="es-UY" sz="1600" u="none" strike="noStrike" cap="none" spc="0" dirty="0">
-                          <a:solidFill>
-                            <a:schemeClr val="tx1"/>
-                          </a:solidFill>
+                        <a:rPr lang="es-UY" sz="1100" u="none" strike="noStrike">
                           <a:effectLst/>
                         </a:rPr>
-                        <a:t>2</a:t>
+                        <a:t> </a:t>
                       </a:r>
-                      <a:endParaRPr lang="es-UY" sz="1600" b="0" i="0" u="none" strike="noStrike" cap="none" spc="0" dirty="0">
+                      <a:endParaRPr lang="es-UY" sz="1100" b="0" i="0" u="none" strike="noStrike">
                         <a:solidFill>
-                          <a:schemeClr val="tx1"/>
+                          <a:srgbClr val="000000"/>
                         </a:solidFill>
                         <a:effectLst/>
                         <a:latin typeface="Calibri" panose="020F0502020204030204" pitchFamily="34" charset="0"/>
                       </a:endParaRPr>
                     </a:p>
                   </a:txBody>
-                  <a:tcPr marL="164116" marR="5260" marT="126243" marB="126243" anchor="b">
-                    <a:lnL w="6350" cap="flat" cmpd="sng" algn="ctr">
-                      <a:solidFill>
-                        <a:schemeClr val="tx1">
-                          <a:lumMod val="50000"/>
-                          <a:lumOff val="50000"/>
-                        </a:schemeClr>
-                      </a:solidFill>
-                      <a:prstDash val="solid"/>
-                    </a:lnL>
-                    <a:lnR w="6350" cap="flat" cmpd="sng" algn="ctr">
-                      <a:solidFill>
-                        <a:schemeClr val="tx1">
-                          <a:lumMod val="50000"/>
-                          <a:lumOff val="50000"/>
-                        </a:schemeClr>
-                      </a:solidFill>
-                      <a:prstDash val="solid"/>
-                    </a:lnR>
-                    <a:lnT w="6350" cap="flat" cmpd="sng" algn="ctr">
-                      <a:solidFill>
-                        <a:schemeClr val="tx1">
-                          <a:lumMod val="50000"/>
-                          <a:lumOff val="50000"/>
-                        </a:schemeClr>
-                      </a:solidFill>
-                      <a:prstDash val="solid"/>
-                    </a:lnT>
-                    <a:lnB w="12700" cap="flat" cmpd="sng" algn="ctr">
-                      <a:solidFill>
-                        <a:schemeClr val="tx1"/>
-                      </a:solidFill>
-                      <a:prstDash val="solid"/>
-                      <a:round/>
-                      <a:headEnd type="none" w="med" len="med"/>
-                      <a:tailEnd type="none" w="med" len="med"/>
-                    </a:lnB>
-                    <a:solidFill>
-                      <a:schemeClr val="bg1">
-                        <a:lumMod val="85000"/>
-                      </a:schemeClr>
-                    </a:solidFill>
-                  </a:tcPr>
+                  <a:tcPr marL="3810" marR="3810" marT="3810" marB="0" anchor="b"/>
                 </a:tc>
                 <a:tc>
                   <a:txBody>
@@ -19652,66 +19066,21 @@
                     <a:p>
                       <a:pPr algn="ctr" fontAlgn="b"/>
                       <a:r>
-                        <a:rPr lang="es-UY" sz="1600" u="none" strike="noStrike" cap="none" spc="0">
-                          <a:solidFill>
-                            <a:schemeClr val="tx1"/>
-                          </a:solidFill>
+                        <a:rPr lang="es-UY" sz="1100" u="none" strike="noStrike">
                           <a:effectLst/>
                         </a:rPr>
-                        <a:t>6</a:t>
+                        <a:t> </a:t>
                       </a:r>
-                      <a:endParaRPr lang="es-UY" sz="1600" b="0" i="0" u="none" strike="noStrike" cap="none" spc="0">
+                      <a:endParaRPr lang="es-UY" sz="1100" b="0" i="0" u="none" strike="noStrike">
                         <a:solidFill>
-                          <a:schemeClr val="tx1"/>
+                          <a:srgbClr val="000000"/>
                         </a:solidFill>
                         <a:effectLst/>
                         <a:latin typeface="Calibri" panose="020F0502020204030204" pitchFamily="34" charset="0"/>
                       </a:endParaRPr>
                     </a:p>
                   </a:txBody>
-                  <a:tcPr marL="164116" marR="5260" marT="126243" marB="126243" anchor="b">
-                    <a:lnL w="6350" cap="flat" cmpd="sng" algn="ctr">
-                      <a:solidFill>
-                        <a:schemeClr val="tx1">
-                          <a:lumMod val="50000"/>
-                          <a:lumOff val="50000"/>
-                        </a:schemeClr>
-                      </a:solidFill>
-                      <a:prstDash val="solid"/>
-                    </a:lnL>
-                    <a:lnR w="6350" cap="flat" cmpd="sng" algn="ctr">
-                      <a:solidFill>
-                        <a:schemeClr val="tx1">
-                          <a:lumMod val="50000"/>
-                          <a:lumOff val="50000"/>
-                        </a:schemeClr>
-                      </a:solidFill>
-                      <a:prstDash val="solid"/>
-                    </a:lnR>
-                    <a:lnT w="6350" cap="flat" cmpd="sng" algn="ctr">
-                      <a:solidFill>
-                        <a:schemeClr val="tx1">
-                          <a:lumMod val="50000"/>
-                          <a:lumOff val="50000"/>
-                        </a:schemeClr>
-                      </a:solidFill>
-                      <a:prstDash val="solid"/>
-                    </a:lnT>
-                    <a:lnB w="12700" cap="flat" cmpd="sng" algn="ctr">
-                      <a:solidFill>
-                        <a:schemeClr val="tx1"/>
-                      </a:solidFill>
-                      <a:prstDash val="solid"/>
-                      <a:round/>
-                      <a:headEnd type="none" w="med" len="med"/>
-                      <a:tailEnd type="none" w="med" len="med"/>
-                    </a:lnB>
-                    <a:solidFill>
-                      <a:schemeClr val="bg1">
-                        <a:lumMod val="85000"/>
-                      </a:schemeClr>
-                    </a:solidFill>
-                  </a:tcPr>
+                  <a:tcPr marL="3810" marR="3810" marT="3810" marB="0" anchor="b"/>
                 </a:tc>
                 <a:tc>
                   <a:txBody>
@@ -19720,125 +19089,21 @@
                     <a:p>
                       <a:pPr algn="ctr" fontAlgn="b"/>
                       <a:r>
-                        <a:rPr lang="es-UY" sz="1600" u="none" strike="noStrike" cap="none" spc="0">
-                          <a:solidFill>
-                            <a:schemeClr val="tx1"/>
-                          </a:solidFill>
+                        <a:rPr lang="es-UY" sz="1100" u="none" strike="noStrike">
                           <a:effectLst/>
                         </a:rPr>
-                        <a:t>0</a:t>
+                        <a:t> </a:t>
                       </a:r>
-                      <a:endParaRPr lang="es-UY" sz="1600" b="0" i="0" u="none" strike="noStrike" cap="none" spc="0">
+                      <a:endParaRPr lang="es-UY" sz="1100" b="0" i="0" u="none" strike="noStrike">
                         <a:solidFill>
-                          <a:schemeClr val="tx1"/>
+                          <a:srgbClr val="000000"/>
                         </a:solidFill>
                         <a:effectLst/>
                         <a:latin typeface="Calibri" panose="020F0502020204030204" pitchFamily="34" charset="0"/>
                       </a:endParaRPr>
                     </a:p>
                   </a:txBody>
-                  <a:tcPr marL="164116" marR="5260" marT="126243" marB="126243" anchor="b">
-                    <a:lnL w="6350" cap="flat" cmpd="sng" algn="ctr">
-                      <a:solidFill>
-                        <a:schemeClr val="tx1">
-                          <a:lumMod val="50000"/>
-                          <a:lumOff val="50000"/>
-                        </a:schemeClr>
-                      </a:solidFill>
-                      <a:prstDash val="solid"/>
-                    </a:lnL>
-                    <a:lnR w="6350" cap="flat" cmpd="sng" algn="ctr">
-                      <a:solidFill>
-                        <a:schemeClr val="tx1">
-                          <a:lumMod val="50000"/>
-                          <a:lumOff val="50000"/>
-                        </a:schemeClr>
-                      </a:solidFill>
-                      <a:prstDash val="solid"/>
-                    </a:lnR>
-                    <a:lnT w="6350" cap="flat" cmpd="sng" algn="ctr">
-                      <a:solidFill>
-                        <a:schemeClr val="tx1">
-                          <a:lumMod val="50000"/>
-                          <a:lumOff val="50000"/>
-                        </a:schemeClr>
-                      </a:solidFill>
-                      <a:prstDash val="solid"/>
-                    </a:lnT>
-                    <a:lnB w="12700" cap="flat" cmpd="sng" algn="ctr">
-                      <a:solidFill>
-                        <a:schemeClr val="tx1"/>
-                      </a:solidFill>
-                      <a:prstDash val="solid"/>
-                      <a:round/>
-                      <a:headEnd type="none" w="med" len="med"/>
-                      <a:tailEnd type="none" w="med" len="med"/>
-                    </a:lnB>
-                    <a:solidFill>
-                      <a:schemeClr val="bg1">
-                        <a:lumMod val="85000"/>
-                      </a:schemeClr>
-                    </a:solidFill>
-                  </a:tcPr>
-                </a:tc>
-                <a:tc>
-                  <a:txBody>
-                    <a:bodyPr/>
-                    <a:lstStyle/>
-                    <a:p>
-                      <a:pPr algn="ctr" fontAlgn="b"/>
-                      <a:endParaRPr lang="es-UY" sz="1600" b="0" i="0" u="none" strike="noStrike" cap="none" spc="0" dirty="0">
-                        <a:solidFill>
-                          <a:schemeClr val="tx1"/>
-                        </a:solidFill>
-                        <a:effectLst/>
-                        <a:latin typeface="Calibri" panose="020F0502020204030204" pitchFamily="34" charset="0"/>
-                      </a:endParaRPr>
-                    </a:p>
-                  </a:txBody>
-                  <a:tcPr marL="164116" marR="5260" marT="126243" marB="126243" anchor="b">
-                    <a:lnL w="6350" cap="flat" cmpd="sng" algn="ctr">
-                      <a:solidFill>
-                        <a:schemeClr val="tx1">
-                          <a:lumMod val="50000"/>
-                          <a:lumOff val="50000"/>
-                        </a:schemeClr>
-                      </a:solidFill>
-                      <a:prstDash val="solid"/>
-                    </a:lnL>
-                    <a:lnR w="6350" cap="flat" cmpd="sng" algn="ctr">
-                      <a:solidFill>
-                        <a:schemeClr val="tx1">
-                          <a:lumMod val="50000"/>
-                          <a:lumOff val="50000"/>
-                        </a:schemeClr>
-                      </a:solidFill>
-                      <a:prstDash val="solid"/>
-                    </a:lnR>
-                    <a:lnT w="6350" cap="flat" cmpd="sng" algn="ctr">
-                      <a:solidFill>
-                        <a:schemeClr val="tx1">
-                          <a:lumMod val="50000"/>
-                          <a:lumOff val="50000"/>
-                        </a:schemeClr>
-                      </a:solidFill>
-                      <a:prstDash val="solid"/>
-                    </a:lnT>
-                    <a:lnB w="12700" cap="flat" cmpd="sng" algn="ctr">
-                      <a:solidFill>
-                        <a:schemeClr val="tx1"/>
-                      </a:solidFill>
-                      <a:prstDash val="solid"/>
-                      <a:round/>
-                      <a:headEnd type="none" w="med" len="med"/>
-                      <a:tailEnd type="none" w="med" len="med"/>
-                    </a:lnB>
-                    <a:solidFill>
-                      <a:schemeClr val="bg1">
-                        <a:lumMod val="85000"/>
-                      </a:schemeClr>
-                    </a:solidFill>
-                  </a:tcPr>
+                  <a:tcPr marL="3810" marR="3810" marT="3810" marB="0" anchor="b"/>
                 </a:tc>
                 <a:tc>
                   <a:txBody>
@@ -19847,66 +19112,21 @@
                     <a:p>
                       <a:pPr algn="ctr" fontAlgn="b"/>
                       <a:r>
-                        <a:rPr lang="es-UY" sz="1600" u="none" strike="noStrike" cap="none" spc="0" dirty="0">
-                          <a:solidFill>
-                            <a:schemeClr val="tx1"/>
-                          </a:solidFill>
+                        <a:rPr lang="es-UY" sz="1100" u="none" strike="noStrike">
                           <a:effectLst/>
                         </a:rPr>
-                        <a:t>2</a:t>
+                        <a:t> </a:t>
                       </a:r>
-                      <a:endParaRPr lang="es-UY" sz="1600" b="0" i="0" u="none" strike="noStrike" cap="none" spc="0" dirty="0">
+                      <a:endParaRPr lang="es-UY" sz="1100" b="0" i="0" u="none" strike="noStrike">
                         <a:solidFill>
-                          <a:schemeClr val="tx1"/>
+                          <a:srgbClr val="000000"/>
                         </a:solidFill>
                         <a:effectLst/>
                         <a:latin typeface="Calibri" panose="020F0502020204030204" pitchFamily="34" charset="0"/>
                       </a:endParaRPr>
                     </a:p>
                   </a:txBody>
-                  <a:tcPr marL="164116" marR="5260" marT="126243" marB="126243" anchor="b">
-                    <a:lnL w="6350" cap="flat" cmpd="sng" algn="ctr">
-                      <a:solidFill>
-                        <a:schemeClr val="tx1">
-                          <a:lumMod val="50000"/>
-                          <a:lumOff val="50000"/>
-                        </a:schemeClr>
-                      </a:solidFill>
-                      <a:prstDash val="solid"/>
-                    </a:lnL>
-                    <a:lnR w="6350" cap="flat" cmpd="sng" algn="ctr">
-                      <a:solidFill>
-                        <a:schemeClr val="tx1">
-                          <a:lumMod val="50000"/>
-                          <a:lumOff val="50000"/>
-                        </a:schemeClr>
-                      </a:solidFill>
-                      <a:prstDash val="solid"/>
-                    </a:lnR>
-                    <a:lnT w="6350" cap="flat" cmpd="sng" algn="ctr">
-                      <a:solidFill>
-                        <a:schemeClr val="tx1">
-                          <a:lumMod val="50000"/>
-                          <a:lumOff val="50000"/>
-                        </a:schemeClr>
-                      </a:solidFill>
-                      <a:prstDash val="solid"/>
-                    </a:lnT>
-                    <a:lnB w="12700" cap="flat" cmpd="sng" algn="ctr">
-                      <a:solidFill>
-                        <a:schemeClr val="tx1"/>
-                      </a:solidFill>
-                      <a:prstDash val="solid"/>
-                      <a:round/>
-                      <a:headEnd type="none" w="med" len="med"/>
-                      <a:tailEnd type="none" w="med" len="med"/>
-                    </a:lnB>
-                    <a:solidFill>
-                      <a:schemeClr val="bg1">
-                        <a:lumMod val="85000"/>
-                      </a:schemeClr>
-                    </a:solidFill>
-                  </a:tcPr>
+                  <a:tcPr marL="3810" marR="3810" marT="3810" marB="0" anchor="b"/>
                 </a:tc>
                 <a:tc>
                   <a:txBody>
@@ -19915,66 +19135,21 @@
                     <a:p>
                       <a:pPr algn="ctr" fontAlgn="b"/>
                       <a:r>
-                        <a:rPr lang="es-UY" sz="1600" u="none" strike="noStrike" cap="none" spc="0">
-                          <a:solidFill>
-                            <a:schemeClr val="tx1"/>
-                          </a:solidFill>
+                        <a:rPr lang="es-UY" sz="1100" u="none" strike="noStrike">
                           <a:effectLst/>
                         </a:rPr>
-                        <a:t>6</a:t>
+                        <a:t> </a:t>
                       </a:r>
-                      <a:endParaRPr lang="es-UY" sz="1600" b="0" i="0" u="none" strike="noStrike" cap="none" spc="0">
+                      <a:endParaRPr lang="es-UY" sz="1100" b="0" i="0" u="none" strike="noStrike">
                         <a:solidFill>
-                          <a:schemeClr val="tx1"/>
+                          <a:srgbClr val="000000"/>
                         </a:solidFill>
                         <a:effectLst/>
                         <a:latin typeface="Calibri" panose="020F0502020204030204" pitchFamily="34" charset="0"/>
                       </a:endParaRPr>
                     </a:p>
                   </a:txBody>
-                  <a:tcPr marL="164116" marR="5260" marT="126243" marB="126243" anchor="b">
-                    <a:lnL w="6350" cap="flat" cmpd="sng" algn="ctr">
-                      <a:solidFill>
-                        <a:schemeClr val="tx1">
-                          <a:lumMod val="50000"/>
-                          <a:lumOff val="50000"/>
-                        </a:schemeClr>
-                      </a:solidFill>
-                      <a:prstDash val="solid"/>
-                    </a:lnL>
-                    <a:lnR w="6350" cap="flat" cmpd="sng" algn="ctr">
-                      <a:solidFill>
-                        <a:schemeClr val="tx1">
-                          <a:lumMod val="50000"/>
-                          <a:lumOff val="50000"/>
-                        </a:schemeClr>
-                      </a:solidFill>
-                      <a:prstDash val="solid"/>
-                    </a:lnR>
-                    <a:lnT w="6350" cap="flat" cmpd="sng" algn="ctr">
-                      <a:solidFill>
-                        <a:schemeClr val="tx1">
-                          <a:lumMod val="50000"/>
-                          <a:lumOff val="50000"/>
-                        </a:schemeClr>
-                      </a:solidFill>
-                      <a:prstDash val="solid"/>
-                    </a:lnT>
-                    <a:lnB w="12700" cap="flat" cmpd="sng" algn="ctr">
-                      <a:solidFill>
-                        <a:schemeClr val="tx1"/>
-                      </a:solidFill>
-                      <a:prstDash val="solid"/>
-                      <a:round/>
-                      <a:headEnd type="none" w="med" len="med"/>
-                      <a:tailEnd type="none" w="med" len="med"/>
-                    </a:lnB>
-                    <a:solidFill>
-                      <a:schemeClr val="bg1">
-                        <a:lumMod val="85000"/>
-                      </a:schemeClr>
-                    </a:solidFill>
-                  </a:tcPr>
+                  <a:tcPr marL="3810" marR="3810" marT="3810" marB="0" anchor="b"/>
                 </a:tc>
                 <a:tc>
                   <a:txBody>
@@ -19983,404 +19158,21 @@
                     <a:p>
                       <a:pPr algn="ctr" fontAlgn="b"/>
                       <a:r>
-                        <a:rPr lang="es-UY" sz="1600" u="none" strike="noStrike" cap="none" spc="0">
-                          <a:solidFill>
-                            <a:schemeClr val="tx1"/>
-                          </a:solidFill>
+                        <a:rPr lang="es-UY" sz="1100" u="none" strike="noStrike">
                           <a:effectLst/>
                         </a:rPr>
-                        <a:t>0</a:t>
+                        <a:t> </a:t>
                       </a:r>
-                      <a:endParaRPr lang="es-UY" sz="1600" b="0" i="0" u="none" strike="noStrike" cap="none" spc="0">
+                      <a:endParaRPr lang="es-UY" sz="1100" b="0" i="0" u="none" strike="noStrike">
                         <a:solidFill>
-                          <a:schemeClr val="tx1"/>
+                          <a:srgbClr val="000000"/>
                         </a:solidFill>
                         <a:effectLst/>
                         <a:latin typeface="Calibri" panose="020F0502020204030204" pitchFamily="34" charset="0"/>
                       </a:endParaRPr>
                     </a:p>
                   </a:txBody>
-                  <a:tcPr marL="164116" marR="5260" marT="126243" marB="126243" anchor="b">
-                    <a:lnL w="6350" cap="flat" cmpd="sng" algn="ctr">
-                      <a:solidFill>
-                        <a:schemeClr val="tx1">
-                          <a:lumMod val="50000"/>
-                          <a:lumOff val="50000"/>
-                        </a:schemeClr>
-                      </a:solidFill>
-                      <a:prstDash val="solid"/>
-                    </a:lnL>
-                    <a:lnR w="6350" cap="flat" cmpd="sng" algn="ctr">
-                      <a:solidFill>
-                        <a:schemeClr val="tx1">
-                          <a:lumMod val="50000"/>
-                          <a:lumOff val="50000"/>
-                        </a:schemeClr>
-                      </a:solidFill>
-                      <a:prstDash val="solid"/>
-                    </a:lnR>
-                    <a:lnT w="6350" cap="flat" cmpd="sng" algn="ctr">
-                      <a:solidFill>
-                        <a:schemeClr val="tx1">
-                          <a:lumMod val="50000"/>
-                          <a:lumOff val="50000"/>
-                        </a:schemeClr>
-                      </a:solidFill>
-                      <a:prstDash val="solid"/>
-                    </a:lnT>
-                    <a:lnB w="12700" cap="flat" cmpd="sng" algn="ctr">
-                      <a:solidFill>
-                        <a:schemeClr val="tx1"/>
-                      </a:solidFill>
-                      <a:prstDash val="solid"/>
-                      <a:round/>
-                      <a:headEnd type="none" w="med" len="med"/>
-                      <a:tailEnd type="none" w="med" len="med"/>
-                    </a:lnB>
-                    <a:solidFill>
-                      <a:schemeClr val="bg1">
-                        <a:lumMod val="85000"/>
-                      </a:schemeClr>
-                    </a:solidFill>
-                  </a:tcPr>
-                </a:tc>
-                <a:tc>
-                  <a:txBody>
-                    <a:bodyPr/>
-                    <a:lstStyle/>
-                    <a:p>
-                      <a:pPr algn="ctr" fontAlgn="b"/>
-                      <a:endParaRPr lang="es-UY" sz="1600" b="0" i="0" u="none" strike="noStrike" cap="none" spc="0">
-                        <a:solidFill>
-                          <a:schemeClr val="tx1"/>
-                        </a:solidFill>
-                        <a:effectLst/>
-                        <a:latin typeface="Calibri" panose="020F0502020204030204" pitchFamily="34" charset="0"/>
-                      </a:endParaRPr>
-                    </a:p>
-                  </a:txBody>
-                  <a:tcPr marL="164116" marR="5260" marT="126243" marB="126243" anchor="b">
-                    <a:lnL w="6350" cap="flat" cmpd="sng" algn="ctr">
-                      <a:solidFill>
-                        <a:schemeClr val="tx1">
-                          <a:lumMod val="50000"/>
-                          <a:lumOff val="50000"/>
-                        </a:schemeClr>
-                      </a:solidFill>
-                      <a:prstDash val="solid"/>
-                    </a:lnL>
-                    <a:lnR w="6350" cap="flat" cmpd="sng" algn="ctr">
-                      <a:solidFill>
-                        <a:schemeClr val="tx1">
-                          <a:lumMod val="50000"/>
-                          <a:lumOff val="50000"/>
-                        </a:schemeClr>
-                      </a:solidFill>
-                      <a:prstDash val="solid"/>
-                    </a:lnR>
-                    <a:lnT w="6350" cap="flat" cmpd="sng" algn="ctr">
-                      <a:solidFill>
-                        <a:schemeClr val="tx1">
-                          <a:lumMod val="50000"/>
-                          <a:lumOff val="50000"/>
-                        </a:schemeClr>
-                      </a:solidFill>
-                      <a:prstDash val="solid"/>
-                    </a:lnT>
-                    <a:lnB w="12700" cap="flat" cmpd="sng" algn="ctr">
-                      <a:solidFill>
-                        <a:schemeClr val="tx1"/>
-                      </a:solidFill>
-                      <a:prstDash val="solid"/>
-                      <a:round/>
-                      <a:headEnd type="none" w="med" len="med"/>
-                      <a:tailEnd type="none" w="med" len="med"/>
-                    </a:lnB>
-                    <a:solidFill>
-                      <a:schemeClr val="bg1">
-                        <a:lumMod val="85000"/>
-                      </a:schemeClr>
-                    </a:solidFill>
-                  </a:tcPr>
-                </a:tc>
-                <a:tc>
-                  <a:txBody>
-                    <a:bodyPr/>
-                    <a:lstStyle/>
-                    <a:p>
-                      <a:pPr algn="ctr" fontAlgn="b"/>
-                      <a:endParaRPr lang="es-UY" sz="1600" b="0" i="0" u="none" strike="noStrike" cap="none" spc="0">
-                        <a:solidFill>
-                          <a:schemeClr val="tx1"/>
-                        </a:solidFill>
-                        <a:effectLst/>
-                        <a:latin typeface="Calibri" panose="020F0502020204030204" pitchFamily="34" charset="0"/>
-                      </a:endParaRPr>
-                    </a:p>
-                  </a:txBody>
-                  <a:tcPr marL="164116" marR="5260" marT="126243" marB="126243" anchor="b">
-                    <a:lnL w="6350" cap="flat" cmpd="sng" algn="ctr">
-                      <a:solidFill>
-                        <a:schemeClr val="tx1">
-                          <a:lumMod val="50000"/>
-                          <a:lumOff val="50000"/>
-                        </a:schemeClr>
-                      </a:solidFill>
-                      <a:prstDash val="solid"/>
-                    </a:lnL>
-                    <a:lnR w="6350" cap="flat" cmpd="sng" algn="ctr">
-                      <a:solidFill>
-                        <a:schemeClr val="tx1">
-                          <a:lumMod val="50000"/>
-                          <a:lumOff val="50000"/>
-                        </a:schemeClr>
-                      </a:solidFill>
-                      <a:prstDash val="solid"/>
-                    </a:lnR>
-                    <a:lnT w="6350" cap="flat" cmpd="sng" algn="ctr">
-                      <a:solidFill>
-                        <a:schemeClr val="tx1">
-                          <a:lumMod val="50000"/>
-                          <a:lumOff val="50000"/>
-                        </a:schemeClr>
-                      </a:solidFill>
-                      <a:prstDash val="solid"/>
-                    </a:lnT>
-                    <a:lnB w="12700" cap="flat" cmpd="sng" algn="ctr">
-                      <a:solidFill>
-                        <a:schemeClr val="tx1"/>
-                      </a:solidFill>
-                      <a:prstDash val="solid"/>
-                      <a:round/>
-                      <a:headEnd type="none" w="med" len="med"/>
-                      <a:tailEnd type="none" w="med" len="med"/>
-                    </a:lnB>
-                    <a:solidFill>
-                      <a:schemeClr val="bg1">
-                        <a:lumMod val="85000"/>
-                      </a:schemeClr>
-                    </a:solidFill>
-                  </a:tcPr>
-                </a:tc>
-                <a:tc>
-                  <a:txBody>
-                    <a:bodyPr/>
-                    <a:lstStyle/>
-                    <a:p>
-                      <a:pPr algn="ctr" fontAlgn="b"/>
-                      <a:endParaRPr lang="es-UY" sz="1600" b="0" i="0" u="none" strike="noStrike" cap="none" spc="0" dirty="0">
-                        <a:solidFill>
-                          <a:schemeClr val="tx1"/>
-                        </a:solidFill>
-                        <a:effectLst/>
-                        <a:latin typeface="Calibri" panose="020F0502020204030204" pitchFamily="34" charset="0"/>
-                      </a:endParaRPr>
-                    </a:p>
-                  </a:txBody>
-                  <a:tcPr marL="164116" marR="5260" marT="126243" marB="126243" anchor="b">
-                    <a:lnL w="6350" cap="flat" cmpd="sng" algn="ctr">
-                      <a:solidFill>
-                        <a:schemeClr val="tx1">
-                          <a:lumMod val="50000"/>
-                          <a:lumOff val="50000"/>
-                        </a:schemeClr>
-                      </a:solidFill>
-                      <a:prstDash val="solid"/>
-                    </a:lnL>
-                    <a:lnR w="12700" cap="flat" cmpd="sng" algn="ctr">
-                      <a:solidFill>
-                        <a:schemeClr val="tx1"/>
-                      </a:solidFill>
-                      <a:prstDash val="solid"/>
-                      <a:round/>
-                      <a:headEnd type="none" w="med" len="med"/>
-                      <a:tailEnd type="none" w="med" len="med"/>
-                    </a:lnR>
-                    <a:lnT w="6350" cap="flat" cmpd="sng" algn="ctr">
-                      <a:solidFill>
-                        <a:schemeClr val="tx1">
-                          <a:lumMod val="50000"/>
-                          <a:lumOff val="50000"/>
-                        </a:schemeClr>
-                      </a:solidFill>
-                      <a:prstDash val="solid"/>
-                    </a:lnT>
-                    <a:lnB w="12700" cap="flat" cmpd="sng" algn="ctr">
-                      <a:solidFill>
-                        <a:schemeClr val="tx1"/>
-                      </a:solidFill>
-                      <a:prstDash val="solid"/>
-                      <a:round/>
-                      <a:headEnd type="none" w="med" len="med"/>
-                      <a:tailEnd type="none" w="med" len="med"/>
-                    </a:lnB>
-                    <a:solidFill>
-                      <a:schemeClr val="bg1">
-                        <a:lumMod val="85000"/>
-                      </a:schemeClr>
-                    </a:solidFill>
-                  </a:tcPr>
-                </a:tc>
-                <a:extLst>
-                  <a:ext uri="{0D108BD9-81ED-4DB2-BD59-A6C34878D82A}">
-                    <a16:rowId xmlns:a16="http://schemas.microsoft.com/office/drawing/2014/main" val="124850054"/>
-                  </a:ext>
-                </a:extLst>
-              </a:tr>
-            </a:tbl>
-          </a:graphicData>
-        </a:graphic>
-      </p:graphicFrame>
-      <p:graphicFrame>
-        <p:nvGraphicFramePr>
-          <p:cNvPr id="8" name="Tabla 7">
-            <a:extLst>
-              <a:ext uri="{FF2B5EF4-FFF2-40B4-BE49-F238E27FC236}">
-                <a16:creationId xmlns:a16="http://schemas.microsoft.com/office/drawing/2014/main" id="{47472D3C-EDBA-6910-A608-EB2B4ABDEFB7}"/>
-              </a:ext>
-            </a:extLst>
-          </p:cNvPr>
-          <p:cNvGraphicFramePr>
-            <a:graphicFrameLocks noGrp="1"/>
-          </p:cNvGraphicFramePr>
-          <p:nvPr>
-            <p:extLst>
-              <p:ext uri="{D42A27DB-BD31-4B8C-83A1-F6EECF244321}">
-                <p14:modId xmlns:p14="http://schemas.microsoft.com/office/powerpoint/2010/main" val="3242971958"/>
-              </p:ext>
-            </p:extLst>
-          </p:nvPr>
-        </p:nvGraphicFramePr>
-        <p:xfrm>
-          <a:off x="950541" y="3539635"/>
-          <a:ext cx="8702975" cy="2676363"/>
-        </p:xfrm>
-        <a:graphic>
-          <a:graphicData uri="http://schemas.openxmlformats.org/drawingml/2006/table">
-            <a:tbl>
-              <a:tblPr firstRow="1" bandRow="1">
-                <a:solidFill>
-                  <a:schemeClr val="bg1"/>
-                </a:solidFill>
-                <a:tableStyleId>{5C22544A-7EE6-4342-B048-85BDC9FD1C3A}</a:tableStyleId>
-              </a:tblPr>
-              <a:tblGrid>
-                <a:gridCol w="1142912">
-                  <a:extLst>
-                    <a:ext uri="{9D8B030D-6E8A-4147-A177-3AD203B41FA5}">
-                      <a16:colId xmlns:a16="http://schemas.microsoft.com/office/drawing/2014/main" val="3032844135"/>
-                    </a:ext>
-                  </a:extLst>
-                </a:gridCol>
-                <a:gridCol w="1111496">
-                  <a:extLst>
-                    <a:ext uri="{9D8B030D-6E8A-4147-A177-3AD203B41FA5}">
-                      <a16:colId xmlns:a16="http://schemas.microsoft.com/office/drawing/2014/main" val="503112361"/>
-                    </a:ext>
-                  </a:extLst>
-                </a:gridCol>
-                <a:gridCol w="1207293">
-                  <a:extLst>
-                    <a:ext uri="{9D8B030D-6E8A-4147-A177-3AD203B41FA5}">
-                      <a16:colId xmlns:a16="http://schemas.microsoft.com/office/drawing/2014/main" val="4218084573"/>
-                    </a:ext>
-                  </a:extLst>
-                </a:gridCol>
-                <a:gridCol w="1019567">
-                  <a:extLst>
-                    <a:ext uri="{9D8B030D-6E8A-4147-A177-3AD203B41FA5}">
-                      <a16:colId xmlns:a16="http://schemas.microsoft.com/office/drawing/2014/main" val="3725086588"/>
-                    </a:ext>
-                  </a:extLst>
-                </a:gridCol>
-                <a:gridCol w="1583140">
-                  <a:extLst>
-                    <a:ext uri="{9D8B030D-6E8A-4147-A177-3AD203B41FA5}">
-                      <a16:colId xmlns:a16="http://schemas.microsoft.com/office/drawing/2014/main" val="719256121"/>
-                    </a:ext>
-                  </a:extLst>
-                </a:gridCol>
-                <a:gridCol w="1260144">
-                  <a:extLst>
-                    <a:ext uri="{9D8B030D-6E8A-4147-A177-3AD203B41FA5}">
-                      <a16:colId xmlns:a16="http://schemas.microsoft.com/office/drawing/2014/main" val="1457065503"/>
-                    </a:ext>
-                  </a:extLst>
-                </a:gridCol>
-                <a:gridCol w="1378423">
-                  <a:extLst>
-                    <a:ext uri="{9D8B030D-6E8A-4147-A177-3AD203B41FA5}">
-                      <a16:colId xmlns:a16="http://schemas.microsoft.com/office/drawing/2014/main" val="2065538520"/>
-                    </a:ext>
-                  </a:extLst>
-                </a:gridCol>
-              </a:tblGrid>
-              <a:tr h="892121">
-                <a:tc>
-                  <a:txBody>
-                    <a:bodyPr/>
-                    <a:lstStyle/>
-                    <a:p>
-                      <a:pPr algn="ctr" fontAlgn="b"/>
-                      <a:r>
-                        <a:rPr lang="es-UY" sz="1600" b="0" u="none" strike="noStrike" cap="none" spc="0" dirty="0">
-                          <a:solidFill>
-                            <a:schemeClr val="bg1"/>
-                          </a:solidFill>
-                          <a:effectLst/>
-                        </a:rPr>
-                        <a:t>NOMBRE</a:t>
-                      </a:r>
-                      <a:endParaRPr lang="es-UY" sz="1600" b="0" i="0" u="none" strike="noStrike" cap="none" spc="0" dirty="0">
-                        <a:solidFill>
-                          <a:schemeClr val="bg1"/>
-                        </a:solidFill>
-                        <a:effectLst/>
-                        <a:latin typeface="Calibri" panose="020F0502020204030204" pitchFamily="34" charset="0"/>
-                      </a:endParaRPr>
-                    </a:p>
-                  </a:txBody>
-                  <a:tcPr marL="164116" marR="5260" marT="126243" marB="126243" anchor="ctr">
-                    <a:lnL w="12700" cap="flat" cmpd="sng" algn="ctr">
-                      <a:solidFill>
-                        <a:schemeClr val="tx1"/>
-                      </a:solidFill>
-                      <a:prstDash val="solid"/>
-                      <a:round/>
-                      <a:headEnd type="none" w="med" len="med"/>
-                      <a:tailEnd type="none" w="med" len="med"/>
-                    </a:lnL>
-                    <a:lnR w="12700" cap="flat" cmpd="sng" algn="ctr">
-                      <a:solidFill>
-                        <a:schemeClr val="tx1"/>
-                      </a:solidFill>
-                      <a:prstDash val="solid"/>
-                      <a:round/>
-                      <a:headEnd type="none" w="med" len="med"/>
-                      <a:tailEnd type="none" w="med" len="med"/>
-                    </a:lnR>
-                    <a:lnT w="12700" cap="flat" cmpd="sng" algn="ctr">
-                      <a:solidFill>
-                        <a:schemeClr val="tx1"/>
-                      </a:solidFill>
-                      <a:prstDash val="solid"/>
-                      <a:round/>
-                      <a:headEnd type="none" w="med" len="med"/>
-                      <a:tailEnd type="none" w="med" len="med"/>
-                    </a:lnT>
-                    <a:lnB w="12700" cap="flat" cmpd="sng" algn="ctr">
-                      <a:solidFill>
-                        <a:schemeClr val="tx1"/>
-                      </a:solidFill>
-                      <a:prstDash val="solid"/>
-                      <a:round/>
-                      <a:headEnd type="none" w="med" len="med"/>
-                      <a:tailEnd type="none" w="med" len="med"/>
-                    </a:lnB>
-                    <a:solidFill>
-                      <a:schemeClr val="tx1"/>
-                    </a:solidFill>
-                  </a:tcPr>
+                  <a:tcPr marL="3810" marR="3810" marT="3810" marB="0" anchor="b"/>
                 </a:tc>
                 <a:tc>
                   <a:txBody>
@@ -20389,52 +19181,21 @@
                     <a:p>
                       <a:pPr algn="ctr" fontAlgn="b"/>
                       <a:r>
-                        <a:rPr lang="es-UY" sz="1600" b="0" u="none" strike="noStrike" cap="none" spc="0">
-                          <a:solidFill>
-                            <a:schemeClr val="bg1"/>
-                          </a:solidFill>
+                        <a:rPr lang="es-UY" sz="1100" u="none" strike="noStrike">
                           <a:effectLst/>
                         </a:rPr>
-                        <a:t>OBRA</a:t>
+                        <a:t> </a:t>
                       </a:r>
-                      <a:endParaRPr lang="es-UY" sz="1600" b="0" i="0" u="none" strike="noStrike" cap="none" spc="0">
+                      <a:endParaRPr lang="es-UY" sz="1100" b="0" i="0" u="none" strike="noStrike">
                         <a:solidFill>
-                          <a:schemeClr val="bg1"/>
+                          <a:srgbClr val="000000"/>
                         </a:solidFill>
                         <a:effectLst/>
                         <a:latin typeface="Calibri" panose="020F0502020204030204" pitchFamily="34" charset="0"/>
                       </a:endParaRPr>
                     </a:p>
                   </a:txBody>
-                  <a:tcPr marL="164116" marR="5260" marT="126243" marB="126243" anchor="ctr">
-                    <a:lnL w="12700" cap="flat" cmpd="sng" algn="ctr">
-                      <a:solidFill>
-                        <a:schemeClr val="tx1"/>
-                      </a:solidFill>
-                      <a:prstDash val="solid"/>
-                      <a:round/>
-                      <a:headEnd type="none" w="med" len="med"/>
-                      <a:tailEnd type="none" w="med" len="med"/>
-                    </a:lnL>
-                    <a:lnR w="12700" cmpd="sng">
-                      <a:noFill/>
-                    </a:lnR>
-                    <a:lnT w="12700" cap="flat" cmpd="sng" algn="ctr">
-                      <a:solidFill>
-                        <a:schemeClr val="tx1"/>
-                      </a:solidFill>
-                      <a:prstDash val="solid"/>
-                      <a:round/>
-                      <a:headEnd type="none" w="med" len="med"/>
-                      <a:tailEnd type="none" w="med" len="med"/>
-                    </a:lnT>
-                    <a:lnB w="38100" cmpd="sng">
-                      <a:noFill/>
-                    </a:lnB>
-                    <a:solidFill>
-                      <a:schemeClr val="tx1"/>
-                    </a:solidFill>
-                  </a:tcPr>
+                  <a:tcPr marL="3810" marR="3810" marT="3810" marB="0" anchor="b"/>
                 </a:tc>
                 <a:tc>
                   <a:txBody>
@@ -20443,46 +19204,21 @@
                     <a:p>
                       <a:pPr algn="ctr" fontAlgn="b"/>
                       <a:r>
-                        <a:rPr lang="es-UY" sz="1600" b="0" u="none" strike="noStrike" cap="none" spc="0" dirty="0">
-                          <a:solidFill>
-                            <a:schemeClr val="bg1"/>
-                          </a:solidFill>
+                        <a:rPr lang="es-UY" sz="1100" u="none" strike="noStrike">
                           <a:effectLst/>
                         </a:rPr>
-                        <a:t>Comienzo</a:t>
+                        <a:t> </a:t>
                       </a:r>
-                      <a:endParaRPr lang="es-UY" sz="1600" b="0" i="0" u="none" strike="noStrike" cap="none" spc="0" dirty="0">
+                      <a:endParaRPr lang="es-UY" sz="1100" b="0" i="0" u="none" strike="noStrike">
                         <a:solidFill>
-                          <a:schemeClr val="bg1"/>
+                          <a:srgbClr val="000000"/>
                         </a:solidFill>
                         <a:effectLst/>
                         <a:latin typeface="Calibri" panose="020F0502020204030204" pitchFamily="34" charset="0"/>
                       </a:endParaRPr>
                     </a:p>
                   </a:txBody>
-                  <a:tcPr marL="164116" marR="5260" marT="126243" marB="126243" anchor="ctr">
-                    <a:lnL w="12700" cmpd="sng">
-                      <a:noFill/>
-                    </a:lnL>
-                    <a:lnR w="12700" cmpd="sng">
-                      <a:noFill/>
-                    </a:lnR>
-                    <a:lnT w="12700" cap="flat" cmpd="sng" algn="ctr">
-                      <a:solidFill>
-                        <a:schemeClr val="tx1"/>
-                      </a:solidFill>
-                      <a:prstDash val="solid"/>
-                      <a:round/>
-                      <a:headEnd type="none" w="med" len="med"/>
-                      <a:tailEnd type="none" w="med" len="med"/>
-                    </a:lnT>
-                    <a:lnB w="38100" cmpd="sng">
-                      <a:noFill/>
-                    </a:lnB>
-                    <a:solidFill>
-                      <a:schemeClr val="tx1"/>
-                    </a:solidFill>
-                  </a:tcPr>
+                  <a:tcPr marL="3810" marR="3810" marT="3810" marB="0" anchor="b"/>
                 </a:tc>
                 <a:tc>
                   <a:txBody>
@@ -20491,46 +19227,51 @@
                     <a:p>
                       <a:pPr algn="ctr" fontAlgn="b"/>
                       <a:r>
-                        <a:rPr lang="es-UY" sz="1600" b="0" u="none" strike="noStrike" cap="none" spc="0" dirty="0">
-                          <a:solidFill>
-                            <a:schemeClr val="bg1"/>
-                          </a:solidFill>
+                        <a:rPr lang="es-UY" sz="1100" u="none" strike="noStrike">
                           <a:effectLst/>
                         </a:rPr>
-                        <a:t>Fin</a:t>
+                        <a:t> </a:t>
                       </a:r>
-                      <a:endParaRPr lang="es-UY" sz="1600" b="0" i="0" u="none" strike="noStrike" cap="none" spc="0" dirty="0">
+                      <a:endParaRPr lang="es-UY" sz="1100" b="0" i="0" u="none" strike="noStrike">
                         <a:solidFill>
-                          <a:schemeClr val="bg1"/>
+                          <a:srgbClr val="000000"/>
                         </a:solidFill>
                         <a:effectLst/>
                         <a:latin typeface="Calibri" panose="020F0502020204030204" pitchFamily="34" charset="0"/>
                       </a:endParaRPr>
                     </a:p>
                   </a:txBody>
-                  <a:tcPr marL="164116" marR="5260" marT="126243" marB="126243" anchor="ctr">
-                    <a:lnL w="12700" cmpd="sng">
-                      <a:noFill/>
-                    </a:lnL>
-                    <a:lnR w="12700" cmpd="sng">
-                      <a:noFill/>
-                    </a:lnR>
-                    <a:lnT w="12700" cap="flat" cmpd="sng" algn="ctr">
-                      <a:solidFill>
-                        <a:schemeClr val="tx1"/>
-                      </a:solidFill>
-                      <a:prstDash val="solid"/>
-                      <a:round/>
-                      <a:headEnd type="none" w="med" len="med"/>
-                      <a:tailEnd type="none" w="med" len="med"/>
-                    </a:lnT>
-                    <a:lnB w="38100" cmpd="sng">
-                      <a:noFill/>
-                    </a:lnB>
-                    <a:solidFill>
-                      <a:schemeClr val="tx1"/>
-                    </a:solidFill>
-                  </a:tcPr>
+                  <a:tcPr marL="3810" marR="3810" marT="3810" marB="0" anchor="b"/>
+                </a:tc>
+                <a:extLst>
+                  <a:ext uri="{0D108BD9-81ED-4DB2-BD59-A6C34878D82A}">
+                    <a16:rowId xmlns:a16="http://schemas.microsoft.com/office/drawing/2014/main" val="1762696060"/>
+                  </a:ext>
+                </a:extLst>
+              </a:tr>
+              <a:tr h="285750">
+                <a:tc>
+                  <a:txBody>
+                    <a:bodyPr/>
+                    <a:lstStyle/>
+                    <a:p>
+                      <a:pPr algn="ctr" fontAlgn="b"/>
+                      <a:r>
+                        <a:rPr lang="es-UY" sz="1100" u="none" strike="noStrike">
+                          <a:effectLst/>
+                        </a:rPr>
+                        <a:t> </a:t>
+                      </a:r>
+                      <a:endParaRPr lang="es-UY" sz="1100" b="0" i="0" u="none" strike="noStrike">
+                        <a:solidFill>
+                          <a:srgbClr val="000000"/>
+                        </a:solidFill>
+                        <a:effectLst/>
+                        <a:latin typeface="Calibri" panose="020F0502020204030204" pitchFamily="34" charset="0"/>
+                      </a:endParaRPr>
+                    </a:p>
+                  </a:txBody>
+                  <a:tcPr marL="3810" marR="3810" marT="3810" marB="0" anchor="b"/>
                 </a:tc>
                 <a:tc>
                   <a:txBody>
@@ -20539,48 +19280,21 @@
                     <a:p>
                       <a:pPr algn="ctr" fontAlgn="b"/>
                       <a:r>
-                        <a:rPr lang="es-UY" sz="1600" b="0" u="none" strike="noStrike" cap="none" spc="0" dirty="0">
-                          <a:solidFill>
-                            <a:schemeClr val="bg1"/>
-                          </a:solidFill>
+                        <a:rPr lang="es-UY" sz="1100" u="none" strike="noStrike">
                           <a:effectLst/>
                         </a:rPr>
-                        <a:t>Horas comunes</a:t>
+                        <a:t> </a:t>
                       </a:r>
-                      <a:endParaRPr lang="es-UY" sz="1600" b="0" i="0" u="none" strike="noStrike" cap="none" spc="0" dirty="0">
+                      <a:endParaRPr lang="es-UY" sz="1100" b="0" i="0" u="none" strike="noStrike">
                         <a:solidFill>
-                          <a:schemeClr val="bg1"/>
+                          <a:srgbClr val="000000"/>
                         </a:solidFill>
                         <a:effectLst/>
                         <a:latin typeface="Calibri" panose="020F0502020204030204" pitchFamily="34" charset="0"/>
                       </a:endParaRPr>
                     </a:p>
                   </a:txBody>
-                  <a:tcPr marL="164116" marR="5260" marT="126243" marB="126243" anchor="ctr">
-                    <a:lnL w="12700" cmpd="sng">
-                      <a:noFill/>
-                    </a:lnL>
-                    <a:lnR w="12700" cmpd="sng">
-                      <a:noFill/>
-                    </a:lnR>
-                    <a:lnT w="12700" cap="flat" cmpd="sng" algn="ctr">
-                      <a:solidFill>
-                        <a:schemeClr val="tx1"/>
-                      </a:solidFill>
-                      <a:prstDash val="solid"/>
-                      <a:round/>
-                      <a:headEnd type="none" w="med" len="med"/>
-                      <a:tailEnd type="none" w="med" len="med"/>
-                    </a:lnT>
-                    <a:lnB w="38100" cmpd="sng">
-                      <a:noFill/>
-                    </a:lnB>
-                    <a:solidFill>
-                      <a:schemeClr val="accent1">
-                        <a:lumMod val="75000"/>
-                      </a:schemeClr>
-                    </a:solidFill>
-                  </a:tcPr>
+                  <a:tcPr marL="3810" marR="3810" marT="3810" marB="0" anchor="b"/>
                 </a:tc>
                 <a:tc>
                   <a:txBody>
@@ -20589,48 +19303,21 @@
                     <a:p>
                       <a:pPr algn="ctr" fontAlgn="b"/>
                       <a:r>
-                        <a:rPr lang="es-UY" sz="1600" b="0" u="none" strike="noStrike" cap="none" spc="0" dirty="0">
-                          <a:solidFill>
-                            <a:schemeClr val="bg1"/>
-                          </a:solidFill>
+                        <a:rPr lang="es-UY" sz="1100" u="none" strike="noStrike">
                           <a:effectLst/>
                         </a:rPr>
-                        <a:t>Horas lluvia</a:t>
+                        <a:t> </a:t>
                       </a:r>
-                      <a:endParaRPr lang="es-UY" sz="1600" b="0" i="0" u="none" strike="noStrike" cap="none" spc="0" dirty="0">
+                      <a:endParaRPr lang="es-UY" sz="1100" b="0" i="0" u="none" strike="noStrike">
                         <a:solidFill>
-                          <a:schemeClr val="bg1"/>
+                          <a:srgbClr val="000000"/>
                         </a:solidFill>
                         <a:effectLst/>
                         <a:latin typeface="Calibri" panose="020F0502020204030204" pitchFamily="34" charset="0"/>
                       </a:endParaRPr>
                     </a:p>
                   </a:txBody>
-                  <a:tcPr marL="164116" marR="5260" marT="126243" marB="126243" anchor="ctr">
-                    <a:lnL w="12700" cmpd="sng">
-                      <a:noFill/>
-                    </a:lnL>
-                    <a:lnR w="12700" cmpd="sng">
-                      <a:noFill/>
-                    </a:lnR>
-                    <a:lnT w="12700" cap="flat" cmpd="sng" algn="ctr">
-                      <a:solidFill>
-                        <a:schemeClr val="tx1"/>
-                      </a:solidFill>
-                      <a:prstDash val="solid"/>
-                      <a:round/>
-                      <a:headEnd type="none" w="med" len="med"/>
-                      <a:tailEnd type="none" w="med" len="med"/>
-                    </a:lnT>
-                    <a:lnB w="38100" cmpd="sng">
-                      <a:noFill/>
-                    </a:lnB>
-                    <a:solidFill>
-                      <a:schemeClr val="accent1">
-                        <a:lumMod val="75000"/>
-                      </a:schemeClr>
-                    </a:solidFill>
-                  </a:tcPr>
+                  <a:tcPr marL="3810" marR="3810" marT="3810" marB="0" anchor="b"/>
                 </a:tc>
                 <a:tc>
                   <a:txBody>
@@ -20639,125 +19326,21 @@
                     <a:p>
                       <a:pPr algn="ctr" fontAlgn="b"/>
                       <a:r>
-                        <a:rPr lang="es-UY" sz="1600" b="0" u="none" strike="noStrike" cap="none" spc="0" dirty="0">
-                          <a:solidFill>
-                            <a:schemeClr val="bg1"/>
-                          </a:solidFill>
+                        <a:rPr lang="es-UY" sz="1100" u="none" strike="noStrike">
                           <a:effectLst/>
                         </a:rPr>
-                        <a:t>Horas extra</a:t>
+                        <a:t> </a:t>
                       </a:r>
-                      <a:endParaRPr lang="es-UY" sz="1600" b="0" i="0" u="none" strike="noStrike" cap="none" spc="0" dirty="0">
+                      <a:endParaRPr lang="es-UY" sz="1100" b="0" i="0" u="none" strike="noStrike">
                         <a:solidFill>
-                          <a:schemeClr val="bg1"/>
+                          <a:srgbClr val="000000"/>
                         </a:solidFill>
                         <a:effectLst/>
                         <a:latin typeface="Calibri" panose="020F0502020204030204" pitchFamily="34" charset="0"/>
                       </a:endParaRPr>
                     </a:p>
                   </a:txBody>
-                  <a:tcPr marL="164116" marR="5260" marT="126243" marB="126243" anchor="ctr">
-                    <a:lnL w="12700" cmpd="sng">
-                      <a:noFill/>
-                    </a:lnL>
-                    <a:lnR w="12700" cap="flat" cmpd="sng" algn="ctr">
-                      <a:solidFill>
-                        <a:schemeClr val="tx1"/>
-                      </a:solidFill>
-                      <a:prstDash val="solid"/>
-                      <a:round/>
-                      <a:headEnd type="none" w="med" len="med"/>
-                      <a:tailEnd type="none" w="med" len="med"/>
-                    </a:lnR>
-                    <a:lnT w="12700" cap="flat" cmpd="sng" algn="ctr">
-                      <a:solidFill>
-                        <a:schemeClr val="tx1"/>
-                      </a:solidFill>
-                      <a:prstDash val="solid"/>
-                      <a:round/>
-                      <a:headEnd type="none" w="med" len="med"/>
-                      <a:tailEnd type="none" w="med" len="med"/>
-                    </a:lnT>
-                    <a:lnB w="38100" cmpd="sng">
-                      <a:noFill/>
-                    </a:lnB>
-                    <a:solidFill>
-                      <a:schemeClr val="accent1">
-                        <a:lumMod val="75000"/>
-                      </a:schemeClr>
-                    </a:solidFill>
-                  </a:tcPr>
-                </a:tc>
-                <a:extLst>
-                  <a:ext uri="{0D108BD9-81ED-4DB2-BD59-A6C34878D82A}">
-                    <a16:rowId xmlns:a16="http://schemas.microsoft.com/office/drawing/2014/main" val="3171790978"/>
-                  </a:ext>
-                </a:extLst>
-              </a:tr>
-              <a:tr h="892121">
-                <a:tc>
-                  <a:txBody>
-                    <a:bodyPr/>
-                    <a:lstStyle/>
-                    <a:p>
-                      <a:pPr algn="ctr" fontAlgn="b"/>
-                      <a:r>
-                        <a:rPr lang="es-UY" sz="1600" u="none" strike="noStrike" cap="none" spc="0">
-                          <a:solidFill>
-                            <a:schemeClr val="tx1"/>
-                          </a:solidFill>
-                          <a:effectLst/>
-                        </a:rPr>
-                        <a:t>Juan Perez</a:t>
-                      </a:r>
-                      <a:endParaRPr lang="es-UY" sz="1600" b="0" i="0" u="none" strike="noStrike" cap="none" spc="0">
-                        <a:solidFill>
-                          <a:schemeClr val="tx1"/>
-                        </a:solidFill>
-                        <a:effectLst/>
-                        <a:latin typeface="Calibri" panose="020F0502020204030204" pitchFamily="34" charset="0"/>
-                      </a:endParaRPr>
-                    </a:p>
-                  </a:txBody>
-                  <a:tcPr marL="164116" marR="5260" marT="126243" marB="126243" anchor="b">
-                    <a:lnL w="12700" cap="flat" cmpd="sng" algn="ctr">
-                      <a:solidFill>
-                        <a:schemeClr val="tx1"/>
-                      </a:solidFill>
-                      <a:prstDash val="solid"/>
-                      <a:round/>
-                      <a:headEnd type="none" w="med" len="med"/>
-                      <a:tailEnd type="none" w="med" len="med"/>
-                    </a:lnL>
-                    <a:lnR w="6350" cap="flat" cmpd="sng" algn="ctr">
-                      <a:solidFill>
-                        <a:schemeClr val="tx1">
-                          <a:lumMod val="50000"/>
-                          <a:lumOff val="50000"/>
-                        </a:schemeClr>
-                      </a:solidFill>
-                      <a:prstDash val="solid"/>
-                    </a:lnR>
-                    <a:lnT w="12700" cap="flat" cmpd="sng" algn="ctr">
-                      <a:solidFill>
-                        <a:schemeClr val="tx1"/>
-                      </a:solidFill>
-                      <a:prstDash val="solid"/>
-                      <a:round/>
-                      <a:headEnd type="none" w="med" len="med"/>
-                      <a:tailEnd type="none" w="med" len="med"/>
-                    </a:lnT>
-                    <a:lnB w="6350" cap="flat" cmpd="sng" algn="ctr">
-                      <a:solidFill>
-                        <a:schemeClr val="tx1">
-                          <a:lumMod val="50000"/>
-                          <a:lumOff val="50000"/>
-                        </a:schemeClr>
-                      </a:solidFill>
-                      <a:prstDash val="solid"/>
-                    </a:lnB>
-                    <a:noFill/>
-                  </a:tcPr>
+                  <a:tcPr marL="3810" marR="3810" marT="3810" marB="0" anchor="b"/>
                 </a:tc>
                 <a:tc>
                   <a:txBody>
@@ -20766,56 +19349,21 @@
                     <a:p>
                       <a:pPr algn="ctr" fontAlgn="b"/>
                       <a:r>
-                        <a:rPr lang="es-UY" sz="1600" u="none" strike="noStrike" cap="none" spc="0">
-                          <a:solidFill>
-                            <a:schemeClr val="tx1"/>
-                          </a:solidFill>
+                        <a:rPr lang="es-UY" sz="1100" u="none" strike="noStrike">
                           <a:effectLst/>
                         </a:rPr>
-                        <a:t>Sarubi</a:t>
+                        <a:t> </a:t>
                       </a:r>
-                      <a:endParaRPr lang="es-UY" sz="1600" b="0" i="0" u="none" strike="noStrike" cap="none" spc="0">
+                      <a:endParaRPr lang="es-UY" sz="1100" b="0" i="0" u="none" strike="noStrike">
                         <a:solidFill>
-                          <a:schemeClr val="tx1"/>
+                          <a:srgbClr val="000000"/>
                         </a:solidFill>
                         <a:effectLst/>
                         <a:latin typeface="Calibri" panose="020F0502020204030204" pitchFamily="34" charset="0"/>
                       </a:endParaRPr>
                     </a:p>
                   </a:txBody>
-                  <a:tcPr marL="164116" marR="5260" marT="126243" marB="126243" anchor="b">
-                    <a:lnL w="6350" cap="flat" cmpd="sng" algn="ctr">
-                      <a:solidFill>
-                        <a:schemeClr val="tx1">
-                          <a:lumMod val="50000"/>
-                          <a:lumOff val="50000"/>
-                        </a:schemeClr>
-                      </a:solidFill>
-                      <a:prstDash val="solid"/>
-                    </a:lnL>
-                    <a:lnR w="6350" cap="flat" cmpd="sng" algn="ctr">
-                      <a:solidFill>
-                        <a:schemeClr val="tx1">
-                          <a:lumMod val="50000"/>
-                          <a:lumOff val="50000"/>
-                        </a:schemeClr>
-                      </a:solidFill>
-                      <a:prstDash val="solid"/>
-                    </a:lnR>
-                    <a:lnT w="38100" cmpd="sng">
-                      <a:noFill/>
-                    </a:lnT>
-                    <a:lnB w="6350" cap="flat" cmpd="sng" algn="ctr">
-                      <a:solidFill>
-                        <a:schemeClr val="tx1">
-                          <a:lumMod val="50000"/>
-                          <a:lumOff val="50000"/>
-                        </a:schemeClr>
-                      </a:solidFill>
-                      <a:prstDash val="solid"/>
-                    </a:lnB>
-                    <a:noFill/>
-                  </a:tcPr>
+                  <a:tcPr marL="3810" marR="3810" marT="3810" marB="0" anchor="b"/>
                 </a:tc>
                 <a:tc>
                   <a:txBody>
@@ -20824,53 +19372,21 @@
                     <a:p>
                       <a:pPr algn="ctr" fontAlgn="b"/>
                       <a:r>
-                        <a:rPr lang="es-UY" sz="1600" b="0" i="0" u="none" strike="noStrike" cap="none" spc="0" dirty="0">
-                          <a:solidFill>
-                            <a:schemeClr val="tx1"/>
-                          </a:solidFill>
+                        <a:rPr lang="es-UY" sz="1100" u="none" strike="noStrike">
                           <a:effectLst/>
-                          <a:latin typeface="Calibri" panose="020F0502020204030204" pitchFamily="34" charset="0"/>
                         </a:rPr>
-                        <a:t>1 Nov 23</a:t>
+                        <a:t> </a:t>
                       </a:r>
+                      <a:endParaRPr lang="es-UY" sz="1100" b="0" i="0" u="none" strike="noStrike">
+                        <a:solidFill>
+                          <a:srgbClr val="000000"/>
+                        </a:solidFill>
+                        <a:effectLst/>
+                        <a:latin typeface="Calibri" panose="020F0502020204030204" pitchFamily="34" charset="0"/>
+                      </a:endParaRPr>
                     </a:p>
                   </a:txBody>
-                  <a:tcPr marL="164116" marR="5260" marT="126243" marB="126243" anchor="b">
-                    <a:lnL w="6350" cap="flat" cmpd="sng" algn="ctr">
-                      <a:solidFill>
-                        <a:schemeClr val="tx1">
-                          <a:lumMod val="50000"/>
-                          <a:lumOff val="50000"/>
-                        </a:schemeClr>
-                      </a:solidFill>
-                      <a:prstDash val="solid"/>
-                    </a:lnL>
-                    <a:lnR w="6350" cap="flat" cmpd="sng" algn="ctr">
-                      <a:solidFill>
-                        <a:schemeClr val="tx1">
-                          <a:lumMod val="50000"/>
-                          <a:lumOff val="50000"/>
-                        </a:schemeClr>
-                      </a:solidFill>
-                      <a:prstDash val="solid"/>
-                    </a:lnR>
-                    <a:lnT w="38100" cmpd="sng">
-                      <a:noFill/>
-                    </a:lnT>
-                    <a:lnB w="6350" cap="flat" cmpd="sng" algn="ctr">
-                      <a:solidFill>
-                        <a:schemeClr val="tx1">
-                          <a:lumMod val="50000"/>
-                          <a:lumOff val="50000"/>
-                        </a:schemeClr>
-                      </a:solidFill>
-                      <a:prstDash val="solid"/>
-                      <a:round/>
-                      <a:headEnd type="none" w="med" len="med"/>
-                      <a:tailEnd type="none" w="med" len="med"/>
-                    </a:lnB>
-                    <a:noFill/>
-                  </a:tcPr>
+                  <a:tcPr marL="3810" marR="3810" marT="3810" marB="0" anchor="b"/>
                 </a:tc>
                 <a:tc>
                   <a:txBody>
@@ -20879,290 +19395,21 @@
                     <a:p>
                       <a:pPr algn="ctr" fontAlgn="b"/>
                       <a:r>
-                        <a:rPr lang="es-UY" sz="1600" b="0" i="0" u="none" strike="noStrike" cap="none" spc="0" dirty="0">
-                          <a:solidFill>
-                            <a:schemeClr val="tx1"/>
-                          </a:solidFill>
+                        <a:rPr lang="es-UY" sz="1100" u="none" strike="noStrike">
                           <a:effectLst/>
-                          <a:latin typeface="Calibri" panose="020F0502020204030204" pitchFamily="34" charset="0"/>
                         </a:rPr>
-                        <a:t>30 Nov 23</a:t>
+                        <a:t> </a:t>
                       </a:r>
-                    </a:p>
-                  </a:txBody>
-                  <a:tcPr marL="164116" marR="5260" marT="126243" marB="126243" anchor="b">
-                    <a:lnL w="6350" cap="flat" cmpd="sng" algn="ctr">
-                      <a:solidFill>
-                        <a:schemeClr val="tx1">
-                          <a:lumMod val="50000"/>
-                          <a:lumOff val="50000"/>
-                        </a:schemeClr>
-                      </a:solidFill>
-                      <a:prstDash val="solid"/>
-                    </a:lnL>
-                    <a:lnR w="6350" cap="flat" cmpd="sng" algn="ctr">
-                      <a:solidFill>
-                        <a:schemeClr val="tx1">
-                          <a:lumMod val="50000"/>
-                          <a:lumOff val="50000"/>
-                        </a:schemeClr>
-                      </a:solidFill>
-                      <a:prstDash val="solid"/>
-                    </a:lnR>
-                    <a:lnT w="38100" cmpd="sng">
-                      <a:noFill/>
-                    </a:lnT>
-                    <a:lnB w="6350" cap="flat" cmpd="sng" algn="ctr">
-                      <a:solidFill>
-                        <a:schemeClr val="tx1">
-                          <a:lumMod val="50000"/>
-                          <a:lumOff val="50000"/>
-                        </a:schemeClr>
-                      </a:solidFill>
-                      <a:prstDash val="solid"/>
-                      <a:round/>
-                      <a:headEnd type="none" w="med" len="med"/>
-                      <a:tailEnd type="none" w="med" len="med"/>
-                    </a:lnB>
-                    <a:noFill/>
-                  </a:tcPr>
-                </a:tc>
-                <a:tc>
-                  <a:txBody>
-                    <a:bodyPr/>
-                    <a:lstStyle/>
-                    <a:p>
-                      <a:pPr algn="ctr" fontAlgn="b"/>
-                      <a:endParaRPr lang="es-UY" sz="1600" b="0" i="0" u="none" strike="noStrike" cap="none" spc="0">
+                      <a:endParaRPr lang="es-UY" sz="1100" b="0" i="0" u="none" strike="noStrike">
                         <a:solidFill>
-                          <a:schemeClr val="tx1"/>
+                          <a:srgbClr val="000000"/>
                         </a:solidFill>
                         <a:effectLst/>
                         <a:latin typeface="Calibri" panose="020F0502020204030204" pitchFamily="34" charset="0"/>
                       </a:endParaRPr>
                     </a:p>
                   </a:txBody>
-                  <a:tcPr marL="164116" marR="5260" marT="126243" marB="126243" anchor="b">
-                    <a:lnL w="6350" cap="flat" cmpd="sng" algn="ctr">
-                      <a:solidFill>
-                        <a:schemeClr val="tx1">
-                          <a:lumMod val="50000"/>
-                          <a:lumOff val="50000"/>
-                        </a:schemeClr>
-                      </a:solidFill>
-                      <a:prstDash val="solid"/>
-                      <a:round/>
-                      <a:headEnd type="none" w="med" len="med"/>
-                      <a:tailEnd type="none" w="med" len="med"/>
-                    </a:lnL>
-                    <a:lnR w="6350" cap="flat" cmpd="sng" algn="ctr">
-                      <a:solidFill>
-                        <a:schemeClr val="tx1">
-                          <a:lumMod val="50000"/>
-                          <a:lumOff val="50000"/>
-                        </a:schemeClr>
-                      </a:solidFill>
-                      <a:prstDash val="solid"/>
-                    </a:lnR>
-                    <a:lnT w="38100" cmpd="sng">
-                      <a:noFill/>
-                    </a:lnT>
-                    <a:lnB w="6350" cap="flat" cmpd="sng" algn="ctr">
-                      <a:solidFill>
-                        <a:schemeClr val="tx1">
-                          <a:lumMod val="50000"/>
-                          <a:lumOff val="50000"/>
-                        </a:schemeClr>
-                      </a:solidFill>
-                      <a:prstDash val="solid"/>
-                      <a:round/>
-                      <a:headEnd type="none" w="med" len="med"/>
-                      <a:tailEnd type="none" w="med" len="med"/>
-                    </a:lnB>
-                    <a:noFill/>
-                  </a:tcPr>
-                </a:tc>
-                <a:tc>
-                  <a:txBody>
-                    <a:bodyPr/>
-                    <a:lstStyle/>
-                    <a:p>
-                      <a:pPr algn="ctr" fontAlgn="b"/>
-                      <a:endParaRPr lang="es-UY" sz="1600" b="0" i="0" u="none" strike="noStrike" cap="none" spc="0">
-                        <a:solidFill>
-                          <a:schemeClr val="tx1"/>
-                        </a:solidFill>
-                        <a:effectLst/>
-                        <a:latin typeface="Calibri" panose="020F0502020204030204" pitchFamily="34" charset="0"/>
-                      </a:endParaRPr>
-                    </a:p>
-                  </a:txBody>
-                  <a:tcPr marL="164116" marR="5260" marT="126243" marB="126243" anchor="b">
-                    <a:lnL w="6350" cap="flat" cmpd="sng" algn="ctr">
-                      <a:solidFill>
-                        <a:schemeClr val="tx1">
-                          <a:lumMod val="50000"/>
-                          <a:lumOff val="50000"/>
-                        </a:schemeClr>
-                      </a:solidFill>
-                      <a:prstDash val="solid"/>
-                    </a:lnL>
-                    <a:lnR w="6350" cap="flat" cmpd="sng" algn="ctr">
-                      <a:solidFill>
-                        <a:schemeClr val="tx1">
-                          <a:lumMod val="50000"/>
-                          <a:lumOff val="50000"/>
-                        </a:schemeClr>
-                      </a:solidFill>
-                      <a:prstDash val="solid"/>
-                    </a:lnR>
-                    <a:lnT w="38100" cmpd="sng">
-                      <a:noFill/>
-                    </a:lnT>
-                    <a:lnB w="6350" cap="flat" cmpd="sng" algn="ctr">
-                      <a:solidFill>
-                        <a:schemeClr val="tx1">
-                          <a:lumMod val="50000"/>
-                          <a:lumOff val="50000"/>
-                        </a:schemeClr>
-                      </a:solidFill>
-                      <a:prstDash val="solid"/>
-                    </a:lnB>
-                    <a:noFill/>
-                  </a:tcPr>
-                </a:tc>
-                <a:tc>
-                  <a:txBody>
-                    <a:bodyPr/>
-                    <a:lstStyle/>
-                    <a:p>
-                      <a:pPr algn="ctr" fontAlgn="b"/>
-                      <a:endParaRPr lang="es-UY" sz="1600" b="0" i="0" u="none" strike="noStrike" cap="none" spc="0">
-                        <a:solidFill>
-                          <a:schemeClr val="tx1"/>
-                        </a:solidFill>
-                        <a:effectLst/>
-                        <a:latin typeface="Calibri" panose="020F0502020204030204" pitchFamily="34" charset="0"/>
-                      </a:endParaRPr>
-                    </a:p>
-                  </a:txBody>
-                  <a:tcPr marL="164116" marR="5260" marT="126243" marB="126243" anchor="b">
-                    <a:lnL w="6350" cap="flat" cmpd="sng" algn="ctr">
-                      <a:solidFill>
-                        <a:schemeClr val="tx1">
-                          <a:lumMod val="50000"/>
-                          <a:lumOff val="50000"/>
-                        </a:schemeClr>
-                      </a:solidFill>
-                      <a:prstDash val="solid"/>
-                    </a:lnL>
-                    <a:lnR w="12700" cap="flat" cmpd="sng" algn="ctr">
-                      <a:solidFill>
-                        <a:schemeClr val="tx1"/>
-                      </a:solidFill>
-                      <a:prstDash val="solid"/>
-                      <a:round/>
-                      <a:headEnd type="none" w="med" len="med"/>
-                      <a:tailEnd type="none" w="med" len="med"/>
-                    </a:lnR>
-                    <a:lnT w="38100" cmpd="sng">
-                      <a:noFill/>
-                    </a:lnT>
-                    <a:lnB w="6350" cap="flat" cmpd="sng" algn="ctr">
-                      <a:solidFill>
-                        <a:schemeClr val="tx1">
-                          <a:lumMod val="50000"/>
-                          <a:lumOff val="50000"/>
-                        </a:schemeClr>
-                      </a:solidFill>
-                      <a:prstDash val="solid"/>
-                    </a:lnB>
-                    <a:noFill/>
-                  </a:tcPr>
-                </a:tc>
-                <a:extLst>
-                  <a:ext uri="{0D108BD9-81ED-4DB2-BD59-A6C34878D82A}">
-                    <a16:rowId xmlns:a16="http://schemas.microsoft.com/office/drawing/2014/main" val="59093309"/>
-                  </a:ext>
-                </a:extLst>
-              </a:tr>
-              <a:tr h="892121">
-                <a:tc>
-                  <a:txBody>
-                    <a:bodyPr/>
-                    <a:lstStyle/>
-                    <a:p>
-                      <a:pPr algn="ctr" fontAlgn="b"/>
-                      <a:r>
-                        <a:rPr lang="es-UY" sz="1600" u="none" strike="noStrike" cap="none" spc="0" dirty="0">
-                          <a:solidFill>
-                            <a:schemeClr val="tx1"/>
-                          </a:solidFill>
-                          <a:effectLst/>
-                        </a:rPr>
-                        <a:t>Romina </a:t>
-                      </a:r>
-                      <a:r>
-                        <a:rPr lang="es-UY" sz="1600" u="none" strike="noStrike" cap="none" spc="0" dirty="0" err="1">
-                          <a:solidFill>
-                            <a:schemeClr val="tx1"/>
-                          </a:solidFill>
-                          <a:effectLst/>
-                        </a:rPr>
-                        <a:t>Gomez</a:t>
-                      </a:r>
-                      <a:endParaRPr lang="es-UY" sz="1600" b="0" i="0" u="none" strike="noStrike" cap="none" spc="0" dirty="0">
-                        <a:solidFill>
-                          <a:schemeClr val="tx1"/>
-                        </a:solidFill>
-                        <a:effectLst/>
-                        <a:latin typeface="Calibri" panose="020F0502020204030204" pitchFamily="34" charset="0"/>
-                      </a:endParaRPr>
-                    </a:p>
-                  </a:txBody>
-                  <a:tcPr marL="164116" marR="5260" marT="126243" marB="126243" anchor="b">
-                    <a:lnL w="12700" cap="flat" cmpd="sng" algn="ctr">
-                      <a:solidFill>
-                        <a:schemeClr val="tx1"/>
-                      </a:solidFill>
-                      <a:prstDash val="solid"/>
-                      <a:round/>
-                      <a:headEnd type="none" w="med" len="med"/>
-                      <a:tailEnd type="none" w="med" len="med"/>
-                    </a:lnL>
-                    <a:lnR w="6350" cap="flat" cmpd="sng" algn="ctr">
-                      <a:solidFill>
-                        <a:schemeClr val="tx1">
-                          <a:lumMod val="50000"/>
-                          <a:lumOff val="50000"/>
-                        </a:schemeClr>
-                      </a:solidFill>
-                      <a:prstDash val="solid"/>
-                    </a:lnR>
-                    <a:lnT w="6350" cap="flat" cmpd="sng" algn="ctr">
-                      <a:solidFill>
-                        <a:schemeClr val="tx1">
-                          <a:lumMod val="50000"/>
-                          <a:lumOff val="50000"/>
-                        </a:schemeClr>
-                      </a:solidFill>
-                      <a:prstDash val="solid"/>
-                    </a:lnT>
-                    <a:lnB w="12700" cap="flat" cmpd="sng" algn="ctr">
-                      <a:solidFill>
-                        <a:schemeClr val="tx1"/>
-                      </a:solidFill>
-                      <a:prstDash val="solid"/>
-                      <a:round/>
-                      <a:headEnd type="none" w="med" len="med"/>
-                      <a:tailEnd type="none" w="med" len="med"/>
-                    </a:lnB>
-                    <a:solidFill>
-                      <a:schemeClr val="bg1">
-                        <a:lumMod val="85000"/>
-                      </a:schemeClr>
-                    </a:solidFill>
-                  </a:tcPr>
+                  <a:tcPr marL="3810" marR="3810" marT="3810" marB="0" anchor="b"/>
                 </a:tc>
                 <a:tc>
                   <a:txBody>
@@ -21171,69 +19418,21 @@
                     <a:p>
                       <a:pPr algn="ctr" fontAlgn="b"/>
                       <a:r>
-                        <a:rPr lang="es-UY" sz="1600" u="none" strike="noStrike" cap="none" spc="0">
-                          <a:solidFill>
-                            <a:schemeClr val="tx1"/>
-                          </a:solidFill>
+                        <a:rPr lang="es-UY" sz="1100" u="none" strike="noStrike">
                           <a:effectLst/>
                         </a:rPr>
-                        <a:t>Montfrio</a:t>
+                        <a:t> </a:t>
                       </a:r>
-                      <a:endParaRPr lang="es-UY" sz="1600" b="0" i="0" u="none" strike="noStrike" cap="none" spc="0">
+                      <a:endParaRPr lang="es-UY" sz="1100" b="0" i="0" u="none" strike="noStrike">
                         <a:solidFill>
-                          <a:schemeClr val="tx1"/>
+                          <a:srgbClr val="000000"/>
                         </a:solidFill>
                         <a:effectLst/>
                         <a:latin typeface="Calibri" panose="020F0502020204030204" pitchFamily="34" charset="0"/>
                       </a:endParaRPr>
                     </a:p>
                   </a:txBody>
-                  <a:tcPr marL="164116" marR="5260" marT="126243" marB="126243" anchor="b">
-                    <a:lnL w="6350" cap="flat" cmpd="sng" algn="ctr">
-                      <a:solidFill>
-                        <a:schemeClr val="tx1">
-                          <a:lumMod val="50000"/>
-                          <a:lumOff val="50000"/>
-                        </a:schemeClr>
-                      </a:solidFill>
-                      <a:prstDash val="solid"/>
-                    </a:lnL>
-                    <a:lnR w="6350" cap="flat" cmpd="sng" algn="ctr">
-                      <a:solidFill>
-                        <a:schemeClr val="tx1">
-                          <a:lumMod val="50000"/>
-                          <a:lumOff val="50000"/>
-                        </a:schemeClr>
-                      </a:solidFill>
-                      <a:prstDash val="solid"/>
-                      <a:round/>
-                      <a:headEnd type="none" w="med" len="med"/>
-                      <a:tailEnd type="none" w="med" len="med"/>
-                    </a:lnR>
-                    <a:lnT w="6350" cap="flat" cmpd="sng" algn="ctr">
-                      <a:solidFill>
-                        <a:schemeClr val="tx1">
-                          <a:lumMod val="50000"/>
-                          <a:lumOff val="50000"/>
-                        </a:schemeClr>
-                      </a:solidFill>
-                      <a:prstDash val="solid"/>
-                    </a:lnT>
-                    <a:lnB w="12700" cap="flat" cmpd="sng" algn="ctr">
-                      <a:solidFill>
-                        <a:schemeClr val="tx1"/>
-                      </a:solidFill>
-                      <a:prstDash val="solid"/>
-                      <a:round/>
-                      <a:headEnd type="none" w="med" len="med"/>
-                      <a:tailEnd type="none" w="med" len="med"/>
-                    </a:lnB>
-                    <a:solidFill>
-                      <a:schemeClr val="bg1">
-                        <a:lumMod val="85000"/>
-                      </a:schemeClr>
-                    </a:solidFill>
-                  </a:tcPr>
+                  <a:tcPr marL="3810" marR="3810" marT="3810" marB="0" anchor="b"/>
                 </a:tc>
                 <a:tc>
                   <a:txBody>
@@ -21242,60 +19441,21 @@
                     <a:p>
                       <a:pPr algn="ctr" fontAlgn="b"/>
                       <a:r>
-                        <a:rPr lang="es-UY" sz="1600" b="0" i="0" u="none" strike="noStrike" cap="none" spc="0" dirty="0">
-                          <a:solidFill>
-                            <a:schemeClr val="tx1"/>
-                          </a:solidFill>
+                        <a:rPr lang="es-UY" sz="1100" u="none" strike="noStrike">
                           <a:effectLst/>
-                          <a:latin typeface="Calibri" panose="020F0502020204030204" pitchFamily="34" charset="0"/>
                         </a:rPr>
-                        <a:t>1 Nov 23</a:t>
+                        <a:t> </a:t>
                       </a:r>
+                      <a:endParaRPr lang="es-UY" sz="1100" b="0" i="0" u="none" strike="noStrike">
+                        <a:solidFill>
+                          <a:srgbClr val="000000"/>
+                        </a:solidFill>
+                        <a:effectLst/>
+                        <a:latin typeface="Calibri" panose="020F0502020204030204" pitchFamily="34" charset="0"/>
+                      </a:endParaRPr>
                     </a:p>
                   </a:txBody>
-                  <a:tcPr marL="164116" marR="5260" marT="126243" marB="126243" anchor="b">
-                    <a:lnL w="6350" cap="flat" cmpd="sng" algn="ctr">
-                      <a:solidFill>
-                        <a:schemeClr val="tx1">
-                          <a:lumMod val="50000"/>
-                          <a:lumOff val="50000"/>
-                        </a:schemeClr>
-                      </a:solidFill>
-                      <a:prstDash val="solid"/>
-                    </a:lnL>
-                    <a:lnR w="6350" cap="flat" cmpd="sng" algn="ctr">
-                      <a:solidFill>
-                        <a:schemeClr val="tx1">
-                          <a:lumMod val="50000"/>
-                          <a:lumOff val="50000"/>
-                        </a:schemeClr>
-                      </a:solidFill>
-                      <a:prstDash val="solid"/>
-                    </a:lnR>
-                    <a:lnT w="6350" cap="flat" cmpd="sng" algn="ctr">
-                      <a:solidFill>
-                        <a:schemeClr val="tx1">
-                          <a:lumMod val="50000"/>
-                          <a:lumOff val="50000"/>
-                        </a:schemeClr>
-                      </a:solidFill>
-                      <a:prstDash val="solid"/>
-                    </a:lnT>
-                    <a:lnB w="12700" cap="flat" cmpd="sng" algn="ctr">
-                      <a:solidFill>
-                        <a:schemeClr val="tx1"/>
-                      </a:solidFill>
-                      <a:prstDash val="solid"/>
-                      <a:round/>
-                      <a:headEnd type="none" w="med" len="med"/>
-                      <a:tailEnd type="none" w="med" len="med"/>
-                    </a:lnB>
-                    <a:solidFill>
-                      <a:schemeClr val="bg1">
-                        <a:lumMod val="85000"/>
-                      </a:schemeClr>
-                    </a:solidFill>
-                  </a:tcPr>
+                  <a:tcPr marL="3810" marR="3810" marT="3810" marB="0" anchor="b"/>
                 </a:tc>
                 <a:tc>
                   <a:txBody>
@@ -21304,60 +19464,21 @@
                     <a:p>
                       <a:pPr algn="ctr" fontAlgn="b"/>
                       <a:r>
-                        <a:rPr lang="es-UY" sz="1600" b="0" i="0" u="none" strike="noStrike" cap="none" spc="0" dirty="0">
-                          <a:solidFill>
-                            <a:schemeClr val="tx1"/>
-                          </a:solidFill>
+                        <a:rPr lang="es-UY" sz="1100" u="none" strike="noStrike">
                           <a:effectLst/>
-                          <a:latin typeface="Calibri" panose="020F0502020204030204" pitchFamily="34" charset="0"/>
                         </a:rPr>
-                        <a:t>30 Nov 23</a:t>
+                        <a:t> </a:t>
                       </a:r>
+                      <a:endParaRPr lang="es-UY" sz="1100" b="0" i="0" u="none" strike="noStrike">
+                        <a:solidFill>
+                          <a:srgbClr val="000000"/>
+                        </a:solidFill>
+                        <a:effectLst/>
+                        <a:latin typeface="Calibri" panose="020F0502020204030204" pitchFamily="34" charset="0"/>
+                      </a:endParaRPr>
                     </a:p>
                   </a:txBody>
-                  <a:tcPr marL="164116" marR="5260" marT="126243" marB="126243" anchor="b">
-                    <a:lnL w="6350" cap="flat" cmpd="sng" algn="ctr">
-                      <a:solidFill>
-                        <a:schemeClr val="tx1">
-                          <a:lumMod val="50000"/>
-                          <a:lumOff val="50000"/>
-                        </a:schemeClr>
-                      </a:solidFill>
-                      <a:prstDash val="solid"/>
-                    </a:lnL>
-                    <a:lnR w="6350" cap="flat" cmpd="sng" algn="ctr">
-                      <a:solidFill>
-                        <a:schemeClr val="tx1">
-                          <a:lumMod val="50000"/>
-                          <a:lumOff val="50000"/>
-                        </a:schemeClr>
-                      </a:solidFill>
-                      <a:prstDash val="solid"/>
-                    </a:lnR>
-                    <a:lnT w="6350" cap="flat" cmpd="sng" algn="ctr">
-                      <a:solidFill>
-                        <a:schemeClr val="tx1">
-                          <a:lumMod val="50000"/>
-                          <a:lumOff val="50000"/>
-                        </a:schemeClr>
-                      </a:solidFill>
-                      <a:prstDash val="solid"/>
-                    </a:lnT>
-                    <a:lnB w="12700" cap="flat" cmpd="sng" algn="ctr">
-                      <a:solidFill>
-                        <a:schemeClr val="tx1"/>
-                      </a:solidFill>
-                      <a:prstDash val="solid"/>
-                      <a:round/>
-                      <a:headEnd type="none" w="med" len="med"/>
-                      <a:tailEnd type="none" w="med" len="med"/>
-                    </a:lnB>
-                    <a:solidFill>
-                      <a:schemeClr val="bg1">
-                        <a:lumMod val="85000"/>
-                      </a:schemeClr>
-                    </a:solidFill>
-                  </a:tcPr>
+                  <a:tcPr marL="3810" marR="3810" marT="3810" marB="0" anchor="b"/>
                 </a:tc>
                 <a:tc>
                   <a:txBody>
@@ -21365,64 +19486,22 @@
                     <a:lstStyle/>
                     <a:p>
                       <a:pPr algn="ctr" fontAlgn="b"/>
-                      <a:endParaRPr lang="es-UY" sz="1600" b="0" i="0" u="none" strike="noStrike" cap="none" spc="0" dirty="0">
+                      <a:r>
+                        <a:rPr lang="es-UY" sz="1100" u="none" strike="noStrike">
+                          <a:effectLst/>
+                        </a:rPr>
+                        <a:t> </a:t>
+                      </a:r>
+                      <a:endParaRPr lang="es-UY" sz="1100" b="0" i="0" u="none" strike="noStrike">
                         <a:solidFill>
-                          <a:schemeClr val="tx1"/>
+                          <a:srgbClr val="000000"/>
                         </a:solidFill>
                         <a:effectLst/>
                         <a:latin typeface="Calibri" panose="020F0502020204030204" pitchFamily="34" charset="0"/>
                       </a:endParaRPr>
                     </a:p>
                   </a:txBody>
-                  <a:tcPr marL="164116" marR="5260" marT="126243" marB="126243" anchor="b">
-                    <a:lnL w="6350" cap="flat" cmpd="sng" algn="ctr">
-                      <a:solidFill>
-                        <a:schemeClr val="tx1">
-                          <a:lumMod val="50000"/>
-                          <a:lumOff val="50000"/>
-                        </a:schemeClr>
-                      </a:solidFill>
-                      <a:prstDash val="solid"/>
-                      <a:round/>
-                      <a:headEnd type="none" w="med" len="med"/>
-                      <a:tailEnd type="none" w="med" len="med"/>
-                    </a:lnL>
-                    <a:lnR w="6350" cap="flat" cmpd="sng" algn="ctr">
-                      <a:solidFill>
-                        <a:schemeClr val="tx1">
-                          <a:lumMod val="50000"/>
-                          <a:lumOff val="50000"/>
-                        </a:schemeClr>
-                      </a:solidFill>
-                      <a:prstDash val="solid"/>
-                    </a:lnR>
-                    <a:lnT w="6350" cap="flat" cmpd="sng" algn="ctr">
-                      <a:solidFill>
-                        <a:schemeClr val="tx1">
-                          <a:lumMod val="50000"/>
-                          <a:lumOff val="50000"/>
-                        </a:schemeClr>
-                      </a:solidFill>
-                      <a:prstDash val="solid"/>
-                      <a:round/>
-                      <a:headEnd type="none" w="med" len="med"/>
-                      <a:tailEnd type="none" w="med" len="med"/>
-                    </a:lnT>
-                    <a:lnB w="12700" cap="flat" cmpd="sng" algn="ctr">
-                      <a:solidFill>
-                        <a:schemeClr val="tx1"/>
-                      </a:solidFill>
-                      <a:prstDash val="solid"/>
-                      <a:round/>
-                      <a:headEnd type="none" w="med" len="med"/>
-                      <a:tailEnd type="none" w="med" len="med"/>
-                    </a:lnB>
-                    <a:solidFill>
-                      <a:schemeClr val="bg1">
-                        <a:lumMod val="85000"/>
-                      </a:schemeClr>
-                    </a:solidFill>
-                  </a:tcPr>
+                  <a:tcPr marL="3810" marR="3810" marT="3810" marB="0" anchor="b"/>
                 </a:tc>
                 <a:tc>
                   <a:txBody>
@@ -21430,58 +19509,22 @@
                     <a:lstStyle/>
                     <a:p>
                       <a:pPr algn="ctr" fontAlgn="b"/>
-                      <a:endParaRPr lang="es-UY" sz="1600" b="0" i="0" u="none" strike="noStrike" cap="none" spc="0">
+                      <a:r>
+                        <a:rPr lang="es-UY" sz="1100" u="none" strike="noStrike">
+                          <a:effectLst/>
+                        </a:rPr>
+                        <a:t> </a:t>
+                      </a:r>
+                      <a:endParaRPr lang="es-UY" sz="1100" b="0" i="0" u="none" strike="noStrike">
                         <a:solidFill>
-                          <a:schemeClr val="tx1"/>
+                          <a:srgbClr val="000000"/>
                         </a:solidFill>
                         <a:effectLst/>
                         <a:latin typeface="Calibri" panose="020F0502020204030204" pitchFamily="34" charset="0"/>
                       </a:endParaRPr>
                     </a:p>
                   </a:txBody>
-                  <a:tcPr marL="164116" marR="5260" marT="126243" marB="126243" anchor="b">
-                    <a:lnL w="6350" cap="flat" cmpd="sng" algn="ctr">
-                      <a:solidFill>
-                        <a:schemeClr val="tx1">
-                          <a:lumMod val="50000"/>
-                          <a:lumOff val="50000"/>
-                        </a:schemeClr>
-                      </a:solidFill>
-                      <a:prstDash val="solid"/>
-                    </a:lnL>
-                    <a:lnR w="6350" cap="flat" cmpd="sng" algn="ctr">
-                      <a:solidFill>
-                        <a:schemeClr val="tx1">
-                          <a:lumMod val="50000"/>
-                          <a:lumOff val="50000"/>
-                        </a:schemeClr>
-                      </a:solidFill>
-                      <a:prstDash val="solid"/>
-                    </a:lnR>
-                    <a:lnT w="6350" cap="flat" cmpd="sng" algn="ctr">
-                      <a:solidFill>
-                        <a:schemeClr val="tx1">
-                          <a:lumMod val="50000"/>
-                          <a:lumOff val="50000"/>
-                        </a:schemeClr>
-                      </a:solidFill>
-                      <a:prstDash val="solid"/>
-                    </a:lnT>
-                    <a:lnB w="12700" cap="flat" cmpd="sng" algn="ctr">
-                      <a:solidFill>
-                        <a:schemeClr val="tx1"/>
-                      </a:solidFill>
-                      <a:prstDash val="solid"/>
-                      <a:round/>
-                      <a:headEnd type="none" w="med" len="med"/>
-                      <a:tailEnd type="none" w="med" len="med"/>
-                    </a:lnB>
-                    <a:solidFill>
-                      <a:schemeClr val="bg1">
-                        <a:lumMod val="85000"/>
-                      </a:schemeClr>
-                    </a:solidFill>
-                  </a:tcPr>
+                  <a:tcPr marL="3810" marR="3810" marT="3810" marB="0" anchor="b"/>
                 </a:tc>
                 <a:tc>
                   <a:txBody>
@@ -21489,62 +19532,707 @@
                     <a:lstStyle/>
                     <a:p>
                       <a:pPr algn="ctr" fontAlgn="b"/>
-                      <a:endParaRPr lang="es-UY" sz="1600" b="0" i="0" u="none" strike="noStrike" cap="none" spc="0" dirty="0">
+                      <a:r>
+                        <a:rPr lang="es-UY" sz="1100" u="none" strike="noStrike">
+                          <a:effectLst/>
+                        </a:rPr>
+                        <a:t> </a:t>
+                      </a:r>
+                      <a:endParaRPr lang="es-UY" sz="1100" b="0" i="0" u="none" strike="noStrike">
                         <a:solidFill>
-                          <a:schemeClr val="tx1"/>
+                          <a:srgbClr val="000000"/>
                         </a:solidFill>
                         <a:effectLst/>
                         <a:latin typeface="Calibri" panose="020F0502020204030204" pitchFamily="34" charset="0"/>
                       </a:endParaRPr>
                     </a:p>
                   </a:txBody>
-                  <a:tcPr marL="164116" marR="5260" marT="126243" marB="126243" anchor="b">
-                    <a:lnL w="6350" cap="flat" cmpd="sng" algn="ctr">
-                      <a:solidFill>
-                        <a:schemeClr val="tx1">
-                          <a:lumMod val="50000"/>
-                          <a:lumOff val="50000"/>
-                        </a:schemeClr>
-                      </a:solidFill>
-                      <a:prstDash val="solid"/>
-                    </a:lnL>
-                    <a:lnR w="12700" cap="flat" cmpd="sng" algn="ctr">
-                      <a:solidFill>
-                        <a:schemeClr val="tx1"/>
-                      </a:solidFill>
-                      <a:prstDash val="solid"/>
-                      <a:round/>
-                      <a:headEnd type="none" w="med" len="med"/>
-                      <a:tailEnd type="none" w="med" len="med"/>
-                    </a:lnR>
-                    <a:lnT w="6350" cap="flat" cmpd="sng" algn="ctr">
-                      <a:solidFill>
-                        <a:schemeClr val="tx1">
-                          <a:lumMod val="50000"/>
-                          <a:lumOff val="50000"/>
-                        </a:schemeClr>
-                      </a:solidFill>
-                      <a:prstDash val="solid"/>
-                    </a:lnT>
-                    <a:lnB w="12700" cap="flat" cmpd="sng" algn="ctr">
-                      <a:solidFill>
-                        <a:schemeClr val="tx1"/>
-                      </a:solidFill>
-                      <a:prstDash val="solid"/>
-                      <a:round/>
-                      <a:headEnd type="none" w="med" len="med"/>
-                      <a:tailEnd type="none" w="med" len="med"/>
-                    </a:lnB>
-                    <a:solidFill>
-                      <a:schemeClr val="bg1">
-                        <a:lumMod val="85000"/>
-                      </a:schemeClr>
-                    </a:solidFill>
-                  </a:tcPr>
+                  <a:tcPr marL="3810" marR="3810" marT="3810" marB="0" anchor="b"/>
+                </a:tc>
+                <a:tc>
+                  <a:txBody>
+                    <a:bodyPr/>
+                    <a:lstStyle/>
+                    <a:p>
+                      <a:pPr algn="ctr" fontAlgn="b"/>
+                      <a:r>
+                        <a:rPr lang="es-UY" sz="1100" u="none" strike="noStrike">
+                          <a:effectLst/>
+                        </a:rPr>
+                        <a:t> </a:t>
+                      </a:r>
+                      <a:endParaRPr lang="es-UY" sz="1100" b="0" i="0" u="none" strike="noStrike">
+                        <a:solidFill>
+                          <a:srgbClr val="000000"/>
+                        </a:solidFill>
+                        <a:effectLst/>
+                        <a:latin typeface="Calibri" panose="020F0502020204030204" pitchFamily="34" charset="0"/>
+                      </a:endParaRPr>
+                    </a:p>
+                  </a:txBody>
+                  <a:tcPr marL="3810" marR="3810" marT="3810" marB="0" anchor="b"/>
                 </a:tc>
                 <a:extLst>
                   <a:ext uri="{0D108BD9-81ED-4DB2-BD59-A6C34878D82A}">
-                    <a16:rowId xmlns:a16="http://schemas.microsoft.com/office/drawing/2014/main" val="124850054"/>
+                    <a16:rowId xmlns:a16="http://schemas.microsoft.com/office/drawing/2014/main" val="1245504470"/>
+                  </a:ext>
+                </a:extLst>
+              </a:tr>
+              <a:tr h="285750">
+                <a:tc>
+                  <a:txBody>
+                    <a:bodyPr/>
+                    <a:lstStyle/>
+                    <a:p>
+                      <a:pPr algn="ctr" fontAlgn="b"/>
+                      <a:r>
+                        <a:rPr lang="es-UY" sz="1100" u="none" strike="noStrike">
+                          <a:effectLst/>
+                        </a:rPr>
+                        <a:t> </a:t>
+                      </a:r>
+                      <a:endParaRPr lang="es-UY" sz="1100" b="0" i="0" u="none" strike="noStrike">
+                        <a:solidFill>
+                          <a:srgbClr val="000000"/>
+                        </a:solidFill>
+                        <a:effectLst/>
+                        <a:latin typeface="Calibri" panose="020F0502020204030204" pitchFamily="34" charset="0"/>
+                      </a:endParaRPr>
+                    </a:p>
+                  </a:txBody>
+                  <a:tcPr marL="3810" marR="3810" marT="3810" marB="0" anchor="b"/>
+                </a:tc>
+                <a:tc>
+                  <a:txBody>
+                    <a:bodyPr/>
+                    <a:lstStyle/>
+                    <a:p>
+                      <a:pPr algn="ctr" fontAlgn="b"/>
+                      <a:r>
+                        <a:rPr lang="es-UY" sz="1100" u="none" strike="noStrike">
+                          <a:effectLst/>
+                        </a:rPr>
+                        <a:t> </a:t>
+                      </a:r>
+                      <a:endParaRPr lang="es-UY" sz="1100" b="0" i="0" u="none" strike="noStrike">
+                        <a:solidFill>
+                          <a:srgbClr val="000000"/>
+                        </a:solidFill>
+                        <a:effectLst/>
+                        <a:latin typeface="Calibri" panose="020F0502020204030204" pitchFamily="34" charset="0"/>
+                      </a:endParaRPr>
+                    </a:p>
+                  </a:txBody>
+                  <a:tcPr marL="3810" marR="3810" marT="3810" marB="0" anchor="b"/>
+                </a:tc>
+                <a:tc>
+                  <a:txBody>
+                    <a:bodyPr/>
+                    <a:lstStyle/>
+                    <a:p>
+                      <a:pPr algn="ctr" fontAlgn="b"/>
+                      <a:r>
+                        <a:rPr lang="es-UY" sz="1100" u="none" strike="noStrike">
+                          <a:effectLst/>
+                        </a:rPr>
+                        <a:t> </a:t>
+                      </a:r>
+                      <a:endParaRPr lang="es-UY" sz="1100" b="0" i="0" u="none" strike="noStrike">
+                        <a:solidFill>
+                          <a:srgbClr val="000000"/>
+                        </a:solidFill>
+                        <a:effectLst/>
+                        <a:latin typeface="Calibri" panose="020F0502020204030204" pitchFamily="34" charset="0"/>
+                      </a:endParaRPr>
+                    </a:p>
+                  </a:txBody>
+                  <a:tcPr marL="3810" marR="3810" marT="3810" marB="0" anchor="b"/>
+                </a:tc>
+                <a:tc>
+                  <a:txBody>
+                    <a:bodyPr/>
+                    <a:lstStyle/>
+                    <a:p>
+                      <a:pPr algn="ctr" fontAlgn="b"/>
+                      <a:r>
+                        <a:rPr lang="es-UY" sz="1100" u="none" strike="noStrike">
+                          <a:effectLst/>
+                        </a:rPr>
+                        <a:t> </a:t>
+                      </a:r>
+                      <a:endParaRPr lang="es-UY" sz="1100" b="0" i="0" u="none" strike="noStrike">
+                        <a:solidFill>
+                          <a:srgbClr val="000000"/>
+                        </a:solidFill>
+                        <a:effectLst/>
+                        <a:latin typeface="Calibri" panose="020F0502020204030204" pitchFamily="34" charset="0"/>
+                      </a:endParaRPr>
+                    </a:p>
+                  </a:txBody>
+                  <a:tcPr marL="3810" marR="3810" marT="3810" marB="0" anchor="b"/>
+                </a:tc>
+                <a:tc>
+                  <a:txBody>
+                    <a:bodyPr/>
+                    <a:lstStyle/>
+                    <a:p>
+                      <a:pPr algn="ctr" fontAlgn="b"/>
+                      <a:r>
+                        <a:rPr lang="es-UY" sz="1100" u="none" strike="noStrike">
+                          <a:effectLst/>
+                        </a:rPr>
+                        <a:t> </a:t>
+                      </a:r>
+                      <a:endParaRPr lang="es-UY" sz="1100" b="0" i="0" u="none" strike="noStrike">
+                        <a:solidFill>
+                          <a:srgbClr val="000000"/>
+                        </a:solidFill>
+                        <a:effectLst/>
+                        <a:latin typeface="Calibri" panose="020F0502020204030204" pitchFamily="34" charset="0"/>
+                      </a:endParaRPr>
+                    </a:p>
+                  </a:txBody>
+                  <a:tcPr marL="3810" marR="3810" marT="3810" marB="0" anchor="b"/>
+                </a:tc>
+                <a:tc>
+                  <a:txBody>
+                    <a:bodyPr/>
+                    <a:lstStyle/>
+                    <a:p>
+                      <a:pPr algn="ctr" fontAlgn="b"/>
+                      <a:r>
+                        <a:rPr lang="es-UY" sz="1100" u="none" strike="noStrike">
+                          <a:effectLst/>
+                        </a:rPr>
+                        <a:t> </a:t>
+                      </a:r>
+                      <a:endParaRPr lang="es-UY" sz="1100" b="0" i="0" u="none" strike="noStrike">
+                        <a:solidFill>
+                          <a:srgbClr val="000000"/>
+                        </a:solidFill>
+                        <a:effectLst/>
+                        <a:latin typeface="Calibri" panose="020F0502020204030204" pitchFamily="34" charset="0"/>
+                      </a:endParaRPr>
+                    </a:p>
+                  </a:txBody>
+                  <a:tcPr marL="3810" marR="3810" marT="3810" marB="0" anchor="b"/>
+                </a:tc>
+                <a:tc>
+                  <a:txBody>
+                    <a:bodyPr/>
+                    <a:lstStyle/>
+                    <a:p>
+                      <a:pPr algn="ctr" fontAlgn="b"/>
+                      <a:r>
+                        <a:rPr lang="es-UY" sz="1100" u="none" strike="noStrike">
+                          <a:effectLst/>
+                        </a:rPr>
+                        <a:t> </a:t>
+                      </a:r>
+                      <a:endParaRPr lang="es-UY" sz="1100" b="0" i="0" u="none" strike="noStrike">
+                        <a:solidFill>
+                          <a:srgbClr val="000000"/>
+                        </a:solidFill>
+                        <a:effectLst/>
+                        <a:latin typeface="Calibri" panose="020F0502020204030204" pitchFamily="34" charset="0"/>
+                      </a:endParaRPr>
+                    </a:p>
+                  </a:txBody>
+                  <a:tcPr marL="3810" marR="3810" marT="3810" marB="0" anchor="b"/>
+                </a:tc>
+                <a:tc>
+                  <a:txBody>
+                    <a:bodyPr/>
+                    <a:lstStyle/>
+                    <a:p>
+                      <a:pPr algn="ctr" fontAlgn="b"/>
+                      <a:r>
+                        <a:rPr lang="es-UY" sz="1100" u="none" strike="noStrike">
+                          <a:effectLst/>
+                        </a:rPr>
+                        <a:t> </a:t>
+                      </a:r>
+                      <a:endParaRPr lang="es-UY" sz="1100" b="0" i="0" u="none" strike="noStrike">
+                        <a:solidFill>
+                          <a:srgbClr val="000000"/>
+                        </a:solidFill>
+                        <a:effectLst/>
+                        <a:latin typeface="Calibri" panose="020F0502020204030204" pitchFamily="34" charset="0"/>
+                      </a:endParaRPr>
+                    </a:p>
+                  </a:txBody>
+                  <a:tcPr marL="3810" marR="3810" marT="3810" marB="0" anchor="b"/>
+                </a:tc>
+                <a:tc>
+                  <a:txBody>
+                    <a:bodyPr/>
+                    <a:lstStyle/>
+                    <a:p>
+                      <a:pPr algn="ctr" fontAlgn="b"/>
+                      <a:r>
+                        <a:rPr lang="es-UY" sz="1100" u="none" strike="noStrike">
+                          <a:effectLst/>
+                        </a:rPr>
+                        <a:t> </a:t>
+                      </a:r>
+                      <a:endParaRPr lang="es-UY" sz="1100" b="0" i="0" u="none" strike="noStrike">
+                        <a:solidFill>
+                          <a:srgbClr val="000000"/>
+                        </a:solidFill>
+                        <a:effectLst/>
+                        <a:latin typeface="Calibri" panose="020F0502020204030204" pitchFamily="34" charset="0"/>
+                      </a:endParaRPr>
+                    </a:p>
+                  </a:txBody>
+                  <a:tcPr marL="3810" marR="3810" marT="3810" marB="0" anchor="b"/>
+                </a:tc>
+                <a:tc>
+                  <a:txBody>
+                    <a:bodyPr/>
+                    <a:lstStyle/>
+                    <a:p>
+                      <a:pPr algn="ctr" fontAlgn="b"/>
+                      <a:r>
+                        <a:rPr lang="es-UY" sz="1100" u="none" strike="noStrike">
+                          <a:effectLst/>
+                        </a:rPr>
+                        <a:t> </a:t>
+                      </a:r>
+                      <a:endParaRPr lang="es-UY" sz="1100" b="0" i="0" u="none" strike="noStrike">
+                        <a:solidFill>
+                          <a:srgbClr val="000000"/>
+                        </a:solidFill>
+                        <a:effectLst/>
+                        <a:latin typeface="Calibri" panose="020F0502020204030204" pitchFamily="34" charset="0"/>
+                      </a:endParaRPr>
+                    </a:p>
+                  </a:txBody>
+                  <a:tcPr marL="3810" marR="3810" marT="3810" marB="0" anchor="b"/>
+                </a:tc>
+                <a:tc>
+                  <a:txBody>
+                    <a:bodyPr/>
+                    <a:lstStyle/>
+                    <a:p>
+                      <a:pPr algn="ctr" fontAlgn="b"/>
+                      <a:r>
+                        <a:rPr lang="es-UY" sz="1100" u="none" strike="noStrike">
+                          <a:effectLst/>
+                        </a:rPr>
+                        <a:t> </a:t>
+                      </a:r>
+                      <a:endParaRPr lang="es-UY" sz="1100" b="0" i="0" u="none" strike="noStrike">
+                        <a:solidFill>
+                          <a:srgbClr val="000000"/>
+                        </a:solidFill>
+                        <a:effectLst/>
+                        <a:latin typeface="Calibri" panose="020F0502020204030204" pitchFamily="34" charset="0"/>
+                      </a:endParaRPr>
+                    </a:p>
+                  </a:txBody>
+                  <a:tcPr marL="3810" marR="3810" marT="3810" marB="0" anchor="b"/>
+                </a:tc>
+                <a:tc>
+                  <a:txBody>
+                    <a:bodyPr/>
+                    <a:lstStyle/>
+                    <a:p>
+                      <a:pPr algn="ctr" fontAlgn="b"/>
+                      <a:r>
+                        <a:rPr lang="es-UY" sz="1100" u="none" strike="noStrike">
+                          <a:effectLst/>
+                        </a:rPr>
+                        <a:t> </a:t>
+                      </a:r>
+                      <a:endParaRPr lang="es-UY" sz="1100" b="0" i="0" u="none" strike="noStrike">
+                        <a:solidFill>
+                          <a:srgbClr val="000000"/>
+                        </a:solidFill>
+                        <a:effectLst/>
+                        <a:latin typeface="Calibri" panose="020F0502020204030204" pitchFamily="34" charset="0"/>
+                      </a:endParaRPr>
+                    </a:p>
+                  </a:txBody>
+                  <a:tcPr marL="3810" marR="3810" marT="3810" marB="0" anchor="b"/>
+                </a:tc>
+                <a:tc>
+                  <a:txBody>
+                    <a:bodyPr/>
+                    <a:lstStyle/>
+                    <a:p>
+                      <a:pPr algn="ctr" fontAlgn="b"/>
+                      <a:r>
+                        <a:rPr lang="es-UY" sz="1100" u="none" strike="noStrike">
+                          <a:effectLst/>
+                        </a:rPr>
+                        <a:t> </a:t>
+                      </a:r>
+                      <a:endParaRPr lang="es-UY" sz="1100" b="0" i="0" u="none" strike="noStrike">
+                        <a:solidFill>
+                          <a:srgbClr val="000000"/>
+                        </a:solidFill>
+                        <a:effectLst/>
+                        <a:latin typeface="Calibri" panose="020F0502020204030204" pitchFamily="34" charset="0"/>
+                      </a:endParaRPr>
+                    </a:p>
+                  </a:txBody>
+                  <a:tcPr marL="3810" marR="3810" marT="3810" marB="0" anchor="b"/>
+                </a:tc>
+                <a:tc>
+                  <a:txBody>
+                    <a:bodyPr/>
+                    <a:lstStyle/>
+                    <a:p>
+                      <a:pPr algn="ctr" fontAlgn="b"/>
+                      <a:r>
+                        <a:rPr lang="es-UY" sz="1100" u="none" strike="noStrike">
+                          <a:effectLst/>
+                        </a:rPr>
+                        <a:t> </a:t>
+                      </a:r>
+                      <a:endParaRPr lang="es-UY" sz="1100" b="0" i="0" u="none" strike="noStrike">
+                        <a:solidFill>
+                          <a:srgbClr val="000000"/>
+                        </a:solidFill>
+                        <a:effectLst/>
+                        <a:latin typeface="Calibri" panose="020F0502020204030204" pitchFamily="34" charset="0"/>
+                      </a:endParaRPr>
+                    </a:p>
+                  </a:txBody>
+                  <a:tcPr marL="3810" marR="3810" marT="3810" marB="0" anchor="b"/>
+                </a:tc>
+                <a:extLst>
+                  <a:ext uri="{0D108BD9-81ED-4DB2-BD59-A6C34878D82A}">
+                    <a16:rowId xmlns:a16="http://schemas.microsoft.com/office/drawing/2014/main" val="1611602607"/>
+                  </a:ext>
+                </a:extLst>
+              </a:tr>
+              <a:tr h="285750">
+                <a:tc>
+                  <a:txBody>
+                    <a:bodyPr/>
+                    <a:lstStyle/>
+                    <a:p>
+                      <a:pPr algn="ctr" fontAlgn="b"/>
+                      <a:r>
+                        <a:rPr lang="es-UY" sz="1100" u="none" strike="noStrike">
+                          <a:effectLst/>
+                        </a:rPr>
+                        <a:t> </a:t>
+                      </a:r>
+                      <a:endParaRPr lang="es-UY" sz="1100" b="0" i="0" u="none" strike="noStrike">
+                        <a:solidFill>
+                          <a:srgbClr val="000000"/>
+                        </a:solidFill>
+                        <a:effectLst/>
+                        <a:latin typeface="Calibri" panose="020F0502020204030204" pitchFamily="34" charset="0"/>
+                      </a:endParaRPr>
+                    </a:p>
+                  </a:txBody>
+                  <a:tcPr marL="3810" marR="3810" marT="3810" marB="0" anchor="b"/>
+                </a:tc>
+                <a:tc>
+                  <a:txBody>
+                    <a:bodyPr/>
+                    <a:lstStyle/>
+                    <a:p>
+                      <a:pPr algn="ctr" fontAlgn="b"/>
+                      <a:r>
+                        <a:rPr lang="es-UY" sz="1100" u="none" strike="noStrike">
+                          <a:effectLst/>
+                        </a:rPr>
+                        <a:t> </a:t>
+                      </a:r>
+                      <a:endParaRPr lang="es-UY" sz="1100" b="0" i="0" u="none" strike="noStrike">
+                        <a:solidFill>
+                          <a:srgbClr val="000000"/>
+                        </a:solidFill>
+                        <a:effectLst/>
+                        <a:latin typeface="Calibri" panose="020F0502020204030204" pitchFamily="34" charset="0"/>
+                      </a:endParaRPr>
+                    </a:p>
+                  </a:txBody>
+                  <a:tcPr marL="3810" marR="3810" marT="3810" marB="0" anchor="b"/>
+                </a:tc>
+                <a:tc>
+                  <a:txBody>
+                    <a:bodyPr/>
+                    <a:lstStyle/>
+                    <a:p>
+                      <a:pPr algn="ctr" fontAlgn="b"/>
+                      <a:r>
+                        <a:rPr lang="es-UY" sz="1100" u="none" strike="noStrike">
+                          <a:effectLst/>
+                        </a:rPr>
+                        <a:t> </a:t>
+                      </a:r>
+                      <a:endParaRPr lang="es-UY" sz="1100" b="0" i="0" u="none" strike="noStrike">
+                        <a:solidFill>
+                          <a:srgbClr val="000000"/>
+                        </a:solidFill>
+                        <a:effectLst/>
+                        <a:latin typeface="Calibri" panose="020F0502020204030204" pitchFamily="34" charset="0"/>
+                      </a:endParaRPr>
+                    </a:p>
+                  </a:txBody>
+                  <a:tcPr marL="3810" marR="3810" marT="3810" marB="0" anchor="b"/>
+                </a:tc>
+                <a:tc>
+                  <a:txBody>
+                    <a:bodyPr/>
+                    <a:lstStyle/>
+                    <a:p>
+                      <a:pPr algn="ctr" fontAlgn="b"/>
+                      <a:r>
+                        <a:rPr lang="es-UY" sz="1100" u="none" strike="noStrike">
+                          <a:effectLst/>
+                        </a:rPr>
+                        <a:t> </a:t>
+                      </a:r>
+                      <a:endParaRPr lang="es-UY" sz="1100" b="0" i="0" u="none" strike="noStrike">
+                        <a:solidFill>
+                          <a:srgbClr val="000000"/>
+                        </a:solidFill>
+                        <a:effectLst/>
+                        <a:latin typeface="Calibri" panose="020F0502020204030204" pitchFamily="34" charset="0"/>
+                      </a:endParaRPr>
+                    </a:p>
+                  </a:txBody>
+                  <a:tcPr marL="3810" marR="3810" marT="3810" marB="0" anchor="b"/>
+                </a:tc>
+                <a:tc>
+                  <a:txBody>
+                    <a:bodyPr/>
+                    <a:lstStyle/>
+                    <a:p>
+                      <a:pPr algn="ctr" fontAlgn="b"/>
+                      <a:r>
+                        <a:rPr lang="es-UY" sz="1100" u="none" strike="noStrike">
+                          <a:effectLst/>
+                        </a:rPr>
+                        <a:t> </a:t>
+                      </a:r>
+                      <a:endParaRPr lang="es-UY" sz="1100" b="0" i="0" u="none" strike="noStrike">
+                        <a:solidFill>
+                          <a:srgbClr val="000000"/>
+                        </a:solidFill>
+                        <a:effectLst/>
+                        <a:latin typeface="Calibri" panose="020F0502020204030204" pitchFamily="34" charset="0"/>
+                      </a:endParaRPr>
+                    </a:p>
+                  </a:txBody>
+                  <a:tcPr marL="3810" marR="3810" marT="3810" marB="0" anchor="b"/>
+                </a:tc>
+                <a:tc>
+                  <a:txBody>
+                    <a:bodyPr/>
+                    <a:lstStyle/>
+                    <a:p>
+                      <a:pPr algn="ctr" fontAlgn="b"/>
+                      <a:r>
+                        <a:rPr lang="es-UY" sz="1100" u="none" strike="noStrike">
+                          <a:effectLst/>
+                        </a:rPr>
+                        <a:t> </a:t>
+                      </a:r>
+                      <a:endParaRPr lang="es-UY" sz="1100" b="0" i="0" u="none" strike="noStrike">
+                        <a:solidFill>
+                          <a:srgbClr val="000000"/>
+                        </a:solidFill>
+                        <a:effectLst/>
+                        <a:latin typeface="Calibri" panose="020F0502020204030204" pitchFamily="34" charset="0"/>
+                      </a:endParaRPr>
+                    </a:p>
+                  </a:txBody>
+                  <a:tcPr marL="3810" marR="3810" marT="3810" marB="0" anchor="b"/>
+                </a:tc>
+                <a:tc>
+                  <a:txBody>
+                    <a:bodyPr/>
+                    <a:lstStyle/>
+                    <a:p>
+                      <a:pPr algn="ctr" fontAlgn="b"/>
+                      <a:r>
+                        <a:rPr lang="es-UY" sz="1100" u="none" strike="noStrike">
+                          <a:effectLst/>
+                        </a:rPr>
+                        <a:t> </a:t>
+                      </a:r>
+                      <a:endParaRPr lang="es-UY" sz="1100" b="0" i="0" u="none" strike="noStrike">
+                        <a:solidFill>
+                          <a:srgbClr val="000000"/>
+                        </a:solidFill>
+                        <a:effectLst/>
+                        <a:latin typeface="Calibri" panose="020F0502020204030204" pitchFamily="34" charset="0"/>
+                      </a:endParaRPr>
+                    </a:p>
+                  </a:txBody>
+                  <a:tcPr marL="3810" marR="3810" marT="3810" marB="0" anchor="b"/>
+                </a:tc>
+                <a:tc>
+                  <a:txBody>
+                    <a:bodyPr/>
+                    <a:lstStyle/>
+                    <a:p>
+                      <a:pPr algn="ctr" fontAlgn="b"/>
+                      <a:r>
+                        <a:rPr lang="es-UY" sz="1100" u="none" strike="noStrike">
+                          <a:effectLst/>
+                        </a:rPr>
+                        <a:t> </a:t>
+                      </a:r>
+                      <a:endParaRPr lang="es-UY" sz="1100" b="0" i="0" u="none" strike="noStrike">
+                        <a:solidFill>
+                          <a:srgbClr val="000000"/>
+                        </a:solidFill>
+                        <a:effectLst/>
+                        <a:latin typeface="Calibri" panose="020F0502020204030204" pitchFamily="34" charset="0"/>
+                      </a:endParaRPr>
+                    </a:p>
+                  </a:txBody>
+                  <a:tcPr marL="3810" marR="3810" marT="3810" marB="0" anchor="b"/>
+                </a:tc>
+                <a:tc>
+                  <a:txBody>
+                    <a:bodyPr/>
+                    <a:lstStyle/>
+                    <a:p>
+                      <a:pPr algn="ctr" fontAlgn="b"/>
+                      <a:r>
+                        <a:rPr lang="es-UY" sz="1100" u="none" strike="noStrike">
+                          <a:effectLst/>
+                        </a:rPr>
+                        <a:t> </a:t>
+                      </a:r>
+                      <a:endParaRPr lang="es-UY" sz="1100" b="0" i="0" u="none" strike="noStrike">
+                        <a:solidFill>
+                          <a:srgbClr val="000000"/>
+                        </a:solidFill>
+                        <a:effectLst/>
+                        <a:latin typeface="Calibri" panose="020F0502020204030204" pitchFamily="34" charset="0"/>
+                      </a:endParaRPr>
+                    </a:p>
+                  </a:txBody>
+                  <a:tcPr marL="3810" marR="3810" marT="3810" marB="0" anchor="b"/>
+                </a:tc>
+                <a:tc>
+                  <a:txBody>
+                    <a:bodyPr/>
+                    <a:lstStyle/>
+                    <a:p>
+                      <a:pPr algn="ctr" fontAlgn="b"/>
+                      <a:r>
+                        <a:rPr lang="es-UY" sz="1100" u="none" strike="noStrike">
+                          <a:effectLst/>
+                        </a:rPr>
+                        <a:t> </a:t>
+                      </a:r>
+                      <a:endParaRPr lang="es-UY" sz="1100" b="0" i="0" u="none" strike="noStrike">
+                        <a:solidFill>
+                          <a:srgbClr val="000000"/>
+                        </a:solidFill>
+                        <a:effectLst/>
+                        <a:latin typeface="Calibri" panose="020F0502020204030204" pitchFamily="34" charset="0"/>
+                      </a:endParaRPr>
+                    </a:p>
+                  </a:txBody>
+                  <a:tcPr marL="3810" marR="3810" marT="3810" marB="0" anchor="b"/>
+                </a:tc>
+                <a:tc>
+                  <a:txBody>
+                    <a:bodyPr/>
+                    <a:lstStyle/>
+                    <a:p>
+                      <a:pPr algn="ctr" fontAlgn="b"/>
+                      <a:r>
+                        <a:rPr lang="es-UY" sz="1100" u="none" strike="noStrike">
+                          <a:effectLst/>
+                        </a:rPr>
+                        <a:t> </a:t>
+                      </a:r>
+                      <a:endParaRPr lang="es-UY" sz="1100" b="0" i="0" u="none" strike="noStrike">
+                        <a:solidFill>
+                          <a:srgbClr val="000000"/>
+                        </a:solidFill>
+                        <a:effectLst/>
+                        <a:latin typeface="Calibri" panose="020F0502020204030204" pitchFamily="34" charset="0"/>
+                      </a:endParaRPr>
+                    </a:p>
+                  </a:txBody>
+                  <a:tcPr marL="3810" marR="3810" marT="3810" marB="0" anchor="b"/>
+                </a:tc>
+                <a:tc>
+                  <a:txBody>
+                    <a:bodyPr/>
+                    <a:lstStyle/>
+                    <a:p>
+                      <a:pPr algn="ctr" fontAlgn="b"/>
+                      <a:r>
+                        <a:rPr lang="es-UY" sz="1100" u="none" strike="noStrike">
+                          <a:effectLst/>
+                        </a:rPr>
+                        <a:t> </a:t>
+                      </a:r>
+                      <a:endParaRPr lang="es-UY" sz="1100" b="0" i="0" u="none" strike="noStrike">
+                        <a:solidFill>
+                          <a:srgbClr val="000000"/>
+                        </a:solidFill>
+                        <a:effectLst/>
+                        <a:latin typeface="Calibri" panose="020F0502020204030204" pitchFamily="34" charset="0"/>
+                      </a:endParaRPr>
+                    </a:p>
+                  </a:txBody>
+                  <a:tcPr marL="3810" marR="3810" marT="3810" marB="0" anchor="b"/>
+                </a:tc>
+                <a:tc>
+                  <a:txBody>
+                    <a:bodyPr/>
+                    <a:lstStyle/>
+                    <a:p>
+                      <a:pPr algn="ctr" fontAlgn="b"/>
+                      <a:r>
+                        <a:rPr lang="es-UY" sz="1100" u="none" strike="noStrike">
+                          <a:effectLst/>
+                        </a:rPr>
+                        <a:t> </a:t>
+                      </a:r>
+                      <a:endParaRPr lang="es-UY" sz="1100" b="0" i="0" u="none" strike="noStrike">
+                        <a:solidFill>
+                          <a:srgbClr val="000000"/>
+                        </a:solidFill>
+                        <a:effectLst/>
+                        <a:latin typeface="Calibri" panose="020F0502020204030204" pitchFamily="34" charset="0"/>
+                      </a:endParaRPr>
+                    </a:p>
+                  </a:txBody>
+                  <a:tcPr marL="3810" marR="3810" marT="3810" marB="0" anchor="b"/>
+                </a:tc>
+                <a:tc>
+                  <a:txBody>
+                    <a:bodyPr/>
+                    <a:lstStyle/>
+                    <a:p>
+                      <a:pPr algn="ctr" fontAlgn="b"/>
+                      <a:r>
+                        <a:rPr lang="es-UY" sz="1100" u="none" strike="noStrike" dirty="0">
+                          <a:effectLst/>
+                        </a:rPr>
+                        <a:t> </a:t>
+                      </a:r>
+                      <a:endParaRPr lang="es-UY" sz="1100" b="0" i="0" u="none" strike="noStrike" dirty="0">
+                        <a:solidFill>
+                          <a:srgbClr val="000000"/>
+                        </a:solidFill>
+                        <a:effectLst/>
+                        <a:latin typeface="Calibri" panose="020F0502020204030204" pitchFamily="34" charset="0"/>
+                      </a:endParaRPr>
+                    </a:p>
+                  </a:txBody>
+                  <a:tcPr marL="3810" marR="3810" marT="3810" marB="0" anchor="b"/>
+                </a:tc>
+                <a:extLst>
+                  <a:ext uri="{0D108BD9-81ED-4DB2-BD59-A6C34878D82A}">
+                    <a16:rowId xmlns:a16="http://schemas.microsoft.com/office/drawing/2014/main" val="2478369722"/>
                   </a:ext>
                 </a:extLst>
               </a:tr>

--- a/prototipos.pptx
+++ b/prototipos.pptx
@@ -132,12 +132,12 @@
   <pc:docChgLst>
     <pc:chgData name="Sofi Fernández" userId="5dcd86d9bf03d87f" providerId="LiveId" clId="{B8CC3017-52E7-4B02-94ED-C1AE866536DE}"/>
     <pc:docChg chg="undo redo custSel addSld delSld modSld sldOrd">
-      <pc:chgData name="Sofi Fernández" userId="5dcd86d9bf03d87f" providerId="LiveId" clId="{B8CC3017-52E7-4B02-94ED-C1AE866536DE}" dt="2023-11-12T01:36:21.930" v="2635"/>
+      <pc:chgData name="Sofi Fernández" userId="5dcd86d9bf03d87f" providerId="LiveId" clId="{B8CC3017-52E7-4B02-94ED-C1AE866536DE}" dt="2023-11-19T19:52:23.053" v="2636" actId="1076"/>
       <pc:docMkLst>
         <pc:docMk/>
       </pc:docMkLst>
       <pc:sldChg chg="addSp modSp mod">
-        <pc:chgData name="Sofi Fernández" userId="5dcd86d9bf03d87f" providerId="LiveId" clId="{B8CC3017-52E7-4B02-94ED-C1AE866536DE}" dt="2023-11-06T16:56:07.521" v="54" actId="1076"/>
+        <pc:chgData name="Sofi Fernández" userId="5dcd86d9bf03d87f" providerId="LiveId" clId="{B8CC3017-52E7-4B02-94ED-C1AE866536DE}" dt="2023-11-19T19:52:23.053" v="2636" actId="1076"/>
         <pc:sldMkLst>
           <pc:docMk/>
           <pc:sldMk cId="1065049462" sldId="256"/>
@@ -167,7 +167,7 @@
           </ac:spMkLst>
         </pc:spChg>
         <pc:picChg chg="add mod">
-          <ac:chgData name="Sofi Fernández" userId="5dcd86d9bf03d87f" providerId="LiveId" clId="{B8CC3017-52E7-4B02-94ED-C1AE866536DE}" dt="2023-11-06T16:56:07.521" v="54" actId="1076"/>
+          <ac:chgData name="Sofi Fernández" userId="5dcd86d9bf03d87f" providerId="LiveId" clId="{B8CC3017-52E7-4B02-94ED-C1AE866536DE}" dt="2023-11-19T19:52:23.053" v="2636" actId="1076"/>
           <ac:picMkLst>
             <pc:docMk/>
             <pc:sldMk cId="1065049462" sldId="256"/>
@@ -5016,7 +5016,7 @@
           <a:p>
             <a:fld id="{050BA77E-7AB4-4C04-A3CC-28DE878560B2}" type="datetimeFigureOut">
               <a:rPr lang="es-UY" smtClean="0"/>
-              <a:t>11 Nov. 2023</a:t>
+              <a:t>19 Nov. 2023</a:t>
             </a:fld>
             <a:endParaRPr lang="es-UY"/>
           </a:p>
@@ -5216,7 +5216,7 @@
           <a:p>
             <a:fld id="{050BA77E-7AB4-4C04-A3CC-28DE878560B2}" type="datetimeFigureOut">
               <a:rPr lang="es-UY" smtClean="0"/>
-              <a:t>11 Nov. 2023</a:t>
+              <a:t>19 Nov. 2023</a:t>
             </a:fld>
             <a:endParaRPr lang="es-UY"/>
           </a:p>
@@ -5426,7 +5426,7 @@
           <a:p>
             <a:fld id="{050BA77E-7AB4-4C04-A3CC-28DE878560B2}" type="datetimeFigureOut">
               <a:rPr lang="es-UY" smtClean="0"/>
-              <a:t>11 Nov. 2023</a:t>
+              <a:t>19 Nov. 2023</a:t>
             </a:fld>
             <a:endParaRPr lang="es-UY"/>
           </a:p>
@@ -5626,7 +5626,7 @@
           <a:p>
             <a:fld id="{050BA77E-7AB4-4C04-A3CC-28DE878560B2}" type="datetimeFigureOut">
               <a:rPr lang="es-UY" smtClean="0"/>
-              <a:t>11 Nov. 2023</a:t>
+              <a:t>19 Nov. 2023</a:t>
             </a:fld>
             <a:endParaRPr lang="es-UY"/>
           </a:p>
@@ -5902,7 +5902,7 @@
           <a:p>
             <a:fld id="{050BA77E-7AB4-4C04-A3CC-28DE878560B2}" type="datetimeFigureOut">
               <a:rPr lang="es-UY" smtClean="0"/>
-              <a:t>11 Nov. 2023</a:t>
+              <a:t>19 Nov. 2023</a:t>
             </a:fld>
             <a:endParaRPr lang="es-UY"/>
           </a:p>
@@ -6170,7 +6170,7 @@
           <a:p>
             <a:fld id="{050BA77E-7AB4-4C04-A3CC-28DE878560B2}" type="datetimeFigureOut">
               <a:rPr lang="es-UY" smtClean="0"/>
-              <a:t>11 Nov. 2023</a:t>
+              <a:t>19 Nov. 2023</a:t>
             </a:fld>
             <a:endParaRPr lang="es-UY"/>
           </a:p>
@@ -6585,7 +6585,7 @@
           <a:p>
             <a:fld id="{050BA77E-7AB4-4C04-A3CC-28DE878560B2}" type="datetimeFigureOut">
               <a:rPr lang="es-UY" smtClean="0"/>
-              <a:t>11 Nov. 2023</a:t>
+              <a:t>19 Nov. 2023</a:t>
             </a:fld>
             <a:endParaRPr lang="es-UY"/>
           </a:p>
@@ -6727,7 +6727,7 @@
           <a:p>
             <a:fld id="{050BA77E-7AB4-4C04-A3CC-28DE878560B2}" type="datetimeFigureOut">
               <a:rPr lang="es-UY" smtClean="0"/>
-              <a:t>11 Nov. 2023</a:t>
+              <a:t>19 Nov. 2023</a:t>
             </a:fld>
             <a:endParaRPr lang="es-UY"/>
           </a:p>
@@ -6840,7 +6840,7 @@
           <a:p>
             <a:fld id="{050BA77E-7AB4-4C04-A3CC-28DE878560B2}" type="datetimeFigureOut">
               <a:rPr lang="es-UY" smtClean="0"/>
-              <a:t>11 Nov. 2023</a:t>
+              <a:t>19 Nov. 2023</a:t>
             </a:fld>
             <a:endParaRPr lang="es-UY"/>
           </a:p>
@@ -7153,7 +7153,7 @@
           <a:p>
             <a:fld id="{050BA77E-7AB4-4C04-A3CC-28DE878560B2}" type="datetimeFigureOut">
               <a:rPr lang="es-UY" smtClean="0"/>
-              <a:t>11 Nov. 2023</a:t>
+              <a:t>19 Nov. 2023</a:t>
             </a:fld>
             <a:endParaRPr lang="es-UY"/>
           </a:p>
@@ -7442,7 +7442,7 @@
           <a:p>
             <a:fld id="{050BA77E-7AB4-4C04-A3CC-28DE878560B2}" type="datetimeFigureOut">
               <a:rPr lang="es-UY" smtClean="0"/>
-              <a:t>11 Nov. 2023</a:t>
+              <a:t>19 Nov. 2023</a:t>
             </a:fld>
             <a:endParaRPr lang="es-UY"/>
           </a:p>
@@ -7685,7 +7685,7 @@
           <a:p>
             <a:fld id="{050BA77E-7AB4-4C04-A3CC-28DE878560B2}" type="datetimeFigureOut">
               <a:rPr lang="es-UY" smtClean="0"/>
-              <a:t>11 Nov. 2023</a:t>
+              <a:t>19 Nov. 2023</a:t>
             </a:fld>
             <a:endParaRPr lang="es-UY"/>
           </a:p>
@@ -8603,7 +8603,7 @@
         </p:blipFill>
         <p:spPr>
           <a:xfrm>
-            <a:off x="5524500" y="423920"/>
+            <a:off x="6396037" y="984760"/>
             <a:ext cx="914400" cy="914400"/>
           </a:xfrm>
           <a:prstGeom prst="rect">
